--- a/ClassMaterials/MergeSort/Slides/Part2-Presentation.pptx
+++ b/ClassMaterials/MergeSort/Slides/Part2-Presentation.pptx
@@ -5,17 +5,19 @@
     <p:sldMasterId id="2147484539" r:id="rId4"/>
   </p:sldMasterIdLst>
   <p:notesMasterIdLst>
-    <p:notesMasterId r:id="rId10"/>
+    <p:notesMasterId r:id="rId12"/>
   </p:notesMasterIdLst>
   <p:handoutMasterIdLst>
-    <p:handoutMasterId r:id="rId11"/>
+    <p:handoutMasterId r:id="rId13"/>
   </p:handoutMasterIdLst>
   <p:sldIdLst>
     <p:sldId id="256" r:id="rId5"/>
     <p:sldId id="291" r:id="rId6"/>
     <p:sldId id="306" r:id="rId7"/>
-    <p:sldId id="307" r:id="rId8"/>
-    <p:sldId id="292" r:id="rId9"/>
+    <p:sldId id="292" r:id="rId8"/>
+    <p:sldId id="309" r:id="rId9"/>
+    <p:sldId id="310" r:id="rId10"/>
+    <p:sldId id="308" r:id="rId11"/>
   </p:sldIdLst>
   <p:sldSz cx="9144000" cy="6858000" type="screen4x3"/>
   <p:notesSz cx="7315200" cy="9601200"/>
@@ -178,13 +180,191 @@
 <file path=ppt/revisionInfo.xml><?xml version="1.0" encoding="utf-8"?>
 <p1510:revInfo xmlns:a="http://schemas.openxmlformats.org/drawingml/2006/main" xmlns:r="http://schemas.openxmlformats.org/officeDocument/2006/relationships" xmlns:p1510="http://schemas.microsoft.com/office/powerpoint/2015/10/main">
   <p1510:revLst>
-    <p1510:client id="{29AC49A2-E65A-4206-BB2E-18AE591AA9DB}" v="1" dt="2021-11-12T04:16:40.770"/>
+    <p1510:client id="{D6B8764C-DDFE-4B59-92D2-170554A44B2A}" v="3" dt="2023-11-06T12:59:22.325"/>
   </p1510:revLst>
 </p1510:revInfo>
 </file>
 
 <file path=ppt/changesInfos/changesInfo1.xml><?xml version="1.0" encoding="utf-8"?>
 <pc:chgInfo xmlns:a="http://schemas.openxmlformats.org/drawingml/2006/main" xmlns:r="http://schemas.openxmlformats.org/officeDocument/2006/relationships" xmlns:ac="http://schemas.microsoft.com/office/drawing/2013/main/command" xmlns:pc="http://schemas.microsoft.com/office/powerpoint/2013/main/command">
+  <pc:docChgLst>
+    <pc:chgData name="Yoder, Jason" userId="28f4d4d8-da04-4f86-b14d-a21675737bc5" providerId="ADAL" clId="{D6B8764C-DDFE-4B59-92D2-170554A44B2A}"/>
+    <pc:docChg chg="custSel addSld delSld modSld sldOrd">
+      <pc:chgData name="Yoder, Jason" userId="28f4d4d8-da04-4f86-b14d-a21675737bc5" providerId="ADAL" clId="{D6B8764C-DDFE-4B59-92D2-170554A44B2A}" dt="2023-11-06T13:40:19.527" v="566" actId="1076"/>
+      <pc:docMkLst>
+        <pc:docMk/>
+      </pc:docMkLst>
+      <pc:sldChg chg="modNotesTx">
+        <pc:chgData name="Yoder, Jason" userId="28f4d4d8-da04-4f86-b14d-a21675737bc5" providerId="ADAL" clId="{D6B8764C-DDFE-4B59-92D2-170554A44B2A}" dt="2023-11-06T13:39:53.603" v="562" actId="6549"/>
+        <pc:sldMkLst>
+          <pc:docMk/>
+          <pc:sldMk cId="0" sldId="256"/>
+        </pc:sldMkLst>
+      </pc:sldChg>
+      <pc:sldChg chg="ord">
+        <pc:chgData name="Yoder, Jason" userId="28f4d4d8-da04-4f86-b14d-a21675737bc5" providerId="ADAL" clId="{D6B8764C-DDFE-4B59-92D2-170554A44B2A}" dt="2023-11-06T13:39:40.637" v="561"/>
+        <pc:sldMkLst>
+          <pc:docMk/>
+          <pc:sldMk cId="1870994908" sldId="292"/>
+        </pc:sldMkLst>
+      </pc:sldChg>
+      <pc:sldChg chg="modSp mod">
+        <pc:chgData name="Yoder, Jason" userId="28f4d4d8-da04-4f86-b14d-a21675737bc5" providerId="ADAL" clId="{D6B8764C-DDFE-4B59-92D2-170554A44B2A}" dt="2023-11-06T13:40:19.527" v="566" actId="1076"/>
+        <pc:sldMkLst>
+          <pc:docMk/>
+          <pc:sldMk cId="431315256" sldId="306"/>
+        </pc:sldMkLst>
+        <pc:spChg chg="mod">
+          <ac:chgData name="Yoder, Jason" userId="28f4d4d8-da04-4f86-b14d-a21675737bc5" providerId="ADAL" clId="{D6B8764C-DDFE-4B59-92D2-170554A44B2A}" dt="2023-11-06T13:40:11.784" v="563" actId="1076"/>
+          <ac:spMkLst>
+            <pc:docMk/>
+            <pc:sldMk cId="431315256" sldId="306"/>
+            <ac:spMk id="127" creationId="{00000000-0000-0000-0000-000000000000}"/>
+          </ac:spMkLst>
+        </pc:spChg>
+        <pc:spChg chg="mod">
+          <ac:chgData name="Yoder, Jason" userId="28f4d4d8-da04-4f86-b14d-a21675737bc5" providerId="ADAL" clId="{D6B8764C-DDFE-4B59-92D2-170554A44B2A}" dt="2023-11-06T13:40:19.527" v="566" actId="1076"/>
+          <ac:spMkLst>
+            <pc:docMk/>
+            <pc:sldMk cId="431315256" sldId="306"/>
+            <ac:spMk id="128" creationId="{00000000-0000-0000-0000-000000000000}"/>
+          </ac:spMkLst>
+        </pc:spChg>
+      </pc:sldChg>
+      <pc:sldChg chg="del">
+        <pc:chgData name="Yoder, Jason" userId="28f4d4d8-da04-4f86-b14d-a21675737bc5" providerId="ADAL" clId="{D6B8764C-DDFE-4B59-92D2-170554A44B2A}" dt="2023-11-06T12:47:42.266" v="129" actId="47"/>
+        <pc:sldMkLst>
+          <pc:docMk/>
+          <pc:sldMk cId="3028748329" sldId="307"/>
+        </pc:sldMkLst>
+      </pc:sldChg>
+      <pc:sldChg chg="addSp modSp new mod">
+        <pc:chgData name="Yoder, Jason" userId="28f4d4d8-da04-4f86-b14d-a21675737bc5" providerId="ADAL" clId="{D6B8764C-DDFE-4B59-92D2-170554A44B2A}" dt="2023-11-06T13:39:32.008" v="559" actId="1076"/>
+        <pc:sldMkLst>
+          <pc:docMk/>
+          <pc:sldMk cId="3406555752" sldId="308"/>
+        </pc:sldMkLst>
+        <pc:spChg chg="add mod">
+          <ac:chgData name="Yoder, Jason" userId="28f4d4d8-da04-4f86-b14d-a21675737bc5" providerId="ADAL" clId="{D6B8764C-DDFE-4B59-92D2-170554A44B2A}" dt="2023-11-06T13:39:25.984" v="556" actId="14100"/>
+          <ac:spMkLst>
+            <pc:docMk/>
+            <pc:sldMk cId="3406555752" sldId="308"/>
+            <ac:spMk id="8" creationId="{1603417F-1070-891B-9A45-28978BAE31C8}"/>
+          </ac:spMkLst>
+        </pc:spChg>
+        <pc:picChg chg="add mod">
+          <ac:chgData name="Yoder, Jason" userId="28f4d4d8-da04-4f86-b14d-a21675737bc5" providerId="ADAL" clId="{D6B8764C-DDFE-4B59-92D2-170554A44B2A}" dt="2023-11-06T13:39:28.718" v="557" actId="1076"/>
+          <ac:picMkLst>
+            <pc:docMk/>
+            <pc:sldMk cId="3406555752" sldId="308"/>
+            <ac:picMk id="3" creationId="{0436FEA8-4D46-FF54-2F31-1567F308DACA}"/>
+          </ac:picMkLst>
+        </pc:picChg>
+        <pc:picChg chg="add mod">
+          <ac:chgData name="Yoder, Jason" userId="28f4d4d8-da04-4f86-b14d-a21675737bc5" providerId="ADAL" clId="{D6B8764C-DDFE-4B59-92D2-170554A44B2A}" dt="2023-11-06T13:39:30.463" v="558" actId="1076"/>
+          <ac:picMkLst>
+            <pc:docMk/>
+            <pc:sldMk cId="3406555752" sldId="308"/>
+            <ac:picMk id="5" creationId="{E1137646-8525-884D-ADBC-7FF1D3AA343E}"/>
+          </ac:picMkLst>
+        </pc:picChg>
+        <pc:picChg chg="add mod">
+          <ac:chgData name="Yoder, Jason" userId="28f4d4d8-da04-4f86-b14d-a21675737bc5" providerId="ADAL" clId="{D6B8764C-DDFE-4B59-92D2-170554A44B2A}" dt="2023-11-06T13:39:32.008" v="559" actId="1076"/>
+          <ac:picMkLst>
+            <pc:docMk/>
+            <pc:sldMk cId="3406555752" sldId="308"/>
+            <ac:picMk id="7" creationId="{6D5700A5-9342-21BE-AFE4-1D5AA88F6B88}"/>
+          </ac:picMkLst>
+        </pc:picChg>
+      </pc:sldChg>
+      <pc:sldChg chg="addSp delSp modSp new mod">
+        <pc:chgData name="Yoder, Jason" userId="28f4d4d8-da04-4f86-b14d-a21675737bc5" providerId="ADAL" clId="{D6B8764C-DDFE-4B59-92D2-170554A44B2A}" dt="2023-11-06T13:33:13.552" v="490" actId="1076"/>
+        <pc:sldMkLst>
+          <pc:docMk/>
+          <pc:sldMk cId="2935528160" sldId="309"/>
+        </pc:sldMkLst>
+        <pc:spChg chg="add mod">
+          <ac:chgData name="Yoder, Jason" userId="28f4d4d8-da04-4f86-b14d-a21675737bc5" providerId="ADAL" clId="{D6B8764C-DDFE-4B59-92D2-170554A44B2A}" dt="2023-11-06T13:32:59.658" v="483" actId="403"/>
+          <ac:spMkLst>
+            <pc:docMk/>
+            <pc:sldMk cId="2935528160" sldId="309"/>
+            <ac:spMk id="10" creationId="{D2069B77-4B47-477E-8DA5-91037A456C6F}"/>
+          </ac:spMkLst>
+        </pc:spChg>
+        <pc:picChg chg="add mod">
+          <ac:chgData name="Yoder, Jason" userId="28f4d4d8-da04-4f86-b14d-a21675737bc5" providerId="ADAL" clId="{D6B8764C-DDFE-4B59-92D2-170554A44B2A}" dt="2023-11-06T12:49:03.789" v="151" actId="208"/>
+          <ac:picMkLst>
+            <pc:docMk/>
+            <pc:sldMk cId="2935528160" sldId="309"/>
+            <ac:picMk id="3" creationId="{DD9116A3-6A05-5EEC-387D-78FFAC0D0EA9}"/>
+          </ac:picMkLst>
+        </pc:picChg>
+        <pc:picChg chg="add mod">
+          <ac:chgData name="Yoder, Jason" userId="28f4d4d8-da04-4f86-b14d-a21675737bc5" providerId="ADAL" clId="{D6B8764C-DDFE-4B59-92D2-170554A44B2A}" dt="2023-11-06T13:33:13.552" v="490" actId="1076"/>
+          <ac:picMkLst>
+            <pc:docMk/>
+            <pc:sldMk cId="2935528160" sldId="309"/>
+            <ac:picMk id="5" creationId="{138D1C31-BFB6-545D-2D91-E7AB2610F17B}"/>
+          </ac:picMkLst>
+        </pc:picChg>
+        <pc:picChg chg="add del mod">
+          <ac:chgData name="Yoder, Jason" userId="28f4d4d8-da04-4f86-b14d-a21675737bc5" providerId="ADAL" clId="{D6B8764C-DDFE-4B59-92D2-170554A44B2A}" dt="2023-11-06T12:48:20.987" v="138" actId="478"/>
+          <ac:picMkLst>
+            <pc:docMk/>
+            <pc:sldMk cId="2935528160" sldId="309"/>
+            <ac:picMk id="7" creationId="{313C5C53-58BF-A8D7-7159-8EF2AFFFAAC9}"/>
+          </ac:picMkLst>
+        </pc:picChg>
+        <pc:picChg chg="add mod">
+          <ac:chgData name="Yoder, Jason" userId="28f4d4d8-da04-4f86-b14d-a21675737bc5" providerId="ADAL" clId="{D6B8764C-DDFE-4B59-92D2-170554A44B2A}" dt="2023-11-06T13:33:12.144" v="489" actId="1076"/>
+          <ac:picMkLst>
+            <pc:docMk/>
+            <pc:sldMk cId="2935528160" sldId="309"/>
+            <ac:picMk id="9" creationId="{0F443EA1-945A-C789-C78C-06895D33CF47}"/>
+          </ac:picMkLst>
+        </pc:picChg>
+      </pc:sldChg>
+      <pc:sldChg chg="addSp delSp modSp new mod">
+        <pc:chgData name="Yoder, Jason" userId="28f4d4d8-da04-4f86-b14d-a21675737bc5" providerId="ADAL" clId="{D6B8764C-DDFE-4B59-92D2-170554A44B2A}" dt="2023-11-06T13:38:16.048" v="496" actId="1076"/>
+        <pc:sldMkLst>
+          <pc:docMk/>
+          <pc:sldMk cId="4044456901" sldId="310"/>
+        </pc:sldMkLst>
+        <pc:spChg chg="add mod">
+          <ac:chgData name="Yoder, Jason" userId="28f4d4d8-da04-4f86-b14d-a21675737bc5" providerId="ADAL" clId="{D6B8764C-DDFE-4B59-92D2-170554A44B2A}" dt="2023-11-06T13:33:06.533" v="488" actId="403"/>
+          <ac:spMkLst>
+            <pc:docMk/>
+            <pc:sldMk cId="4044456901" sldId="310"/>
+            <ac:spMk id="6" creationId="{DB3B16B1-F4C9-7A1A-C96B-CC5DB07DB6B1}"/>
+          </ac:spMkLst>
+        </pc:spChg>
+        <pc:picChg chg="add del mod">
+          <ac:chgData name="Yoder, Jason" userId="28f4d4d8-da04-4f86-b14d-a21675737bc5" providerId="ADAL" clId="{D6B8764C-DDFE-4B59-92D2-170554A44B2A}" dt="2023-11-06T13:38:02.153" v="492" actId="478"/>
+          <ac:picMkLst>
+            <pc:docMk/>
+            <pc:sldMk cId="4044456901" sldId="310"/>
+            <ac:picMk id="3" creationId="{5123D385-19F6-CBAA-209B-1D841E5078CE}"/>
+          </ac:picMkLst>
+        </pc:picChg>
+        <pc:picChg chg="add mod">
+          <ac:chgData name="Yoder, Jason" userId="28f4d4d8-da04-4f86-b14d-a21675737bc5" providerId="ADAL" clId="{D6B8764C-DDFE-4B59-92D2-170554A44B2A}" dt="2023-11-06T13:33:59.041" v="491" actId="1076"/>
+          <ac:picMkLst>
+            <pc:docMk/>
+            <pc:sldMk cId="4044456901" sldId="310"/>
+            <ac:picMk id="5" creationId="{CA1FB5CE-713A-46BF-597E-904BBD6DB8DD}"/>
+          </ac:picMkLst>
+        </pc:picChg>
+        <pc:picChg chg="add mod">
+          <ac:chgData name="Yoder, Jason" userId="28f4d4d8-da04-4f86-b14d-a21675737bc5" providerId="ADAL" clId="{D6B8764C-DDFE-4B59-92D2-170554A44B2A}" dt="2023-11-06T13:38:16.048" v="496" actId="1076"/>
+          <ac:picMkLst>
+            <pc:docMk/>
+            <pc:sldMk cId="4044456901" sldId="310"/>
+            <ac:picMk id="8" creationId="{1D5004C5-75AF-A030-5115-67EA33B5EF1A}"/>
+          </ac:picMkLst>
+        </pc:picChg>
+      </pc:sldChg>
+    </pc:docChg>
+  </pc:docChgLst>
   <pc:docChgLst>
     <pc:chgData name="Korinek, Adam" userId="S::korineaj@rose-hulman.edu::a98ddd77-be9c-4186-9ea9-5e52026b75b2" providerId="AD" clId="Web-{29AC49A2-E65A-4206-BB2E-18AE591AA9DB}"/>
     <pc:docChg chg="modSld">
@@ -329,7 +509,7 @@
               <a:pPr>
                 <a:defRPr/>
               </a:pPr>
-              <a:t>11/5/22</a:t>
+              <a:t>11/6/2023</a:t>
             </a:fld>
             <a:endParaRPr lang="en-US"/>
           </a:p>
@@ -564,7 +744,7 @@
               <a:pPr>
                 <a:defRPr/>
               </a:pPr>
-              <a:t>11/5/22</a:t>
+              <a:t>11/6/2023</a:t>
             </a:fld>
             <a:endParaRPr lang="en-US"/>
           </a:p>
@@ -970,41 +1150,6 @@
                 <a:spcPct val="0"/>
               </a:spcBef>
             </a:pPr>
-            <a:r>
-              <a:rPr lang="en-US" dirty="0"/>
-              <a:t>No quiz today.</a:t>
-            </a:r>
-          </a:p>
-          <a:p>
-            <a:pPr eaLnBrk="1" hangingPunct="1">
-              <a:spcBef>
-                <a:spcPct val="0"/>
-              </a:spcBef>
-            </a:pPr>
-            <a:endParaRPr lang="en-US" dirty="0"/>
-          </a:p>
-          <a:p>
-            <a:pPr eaLnBrk="1" hangingPunct="1">
-              <a:spcBef>
-                <a:spcPct val="0"/>
-              </a:spcBef>
-            </a:pPr>
-            <a:r>
-              <a:rPr lang="en-US" dirty="0"/>
-              <a:t>Bring printouts</a:t>
-            </a:r>
-            <a:r>
-              <a:rPr lang="en-US" baseline="0" dirty="0"/>
-              <a:t> from the </a:t>
-            </a:r>
-            <a:r>
-              <a:rPr lang="en-US" baseline="0" dirty="0" err="1"/>
-              <a:t>MergeSortSimpleSolution</a:t>
-            </a:r>
-            <a:r>
-              <a:rPr lang="en-US" baseline="0" dirty="0"/>
-              <a:t>.</a:t>
-            </a:r>
             <a:endParaRPr lang="en-US" dirty="0"/>
           </a:p>
         </p:txBody>
@@ -1290,130 +1435,6 @@
     <p:extLst>
       <p:ext uri="{BB962C8B-B14F-4D97-AF65-F5344CB8AC3E}">
         <p14:creationId xmlns:p14="http://schemas.microsoft.com/office/powerpoint/2010/main" val="1908252458"/>
-      </p:ext>
-    </p:extLst>
-  </p:cSld>
-  <p:clrMapOvr>
-    <a:masterClrMapping/>
-  </p:clrMapOvr>
-</p:notes>
-</file>
-
-<file path=ppt/notesSlides/notesSlide4.xml><?xml version="1.0" encoding="utf-8"?>
-<p:notes xmlns:a="http://schemas.openxmlformats.org/drawingml/2006/main" xmlns:r="http://schemas.openxmlformats.org/officeDocument/2006/relationships" xmlns:p="http://schemas.openxmlformats.org/presentationml/2006/main">
-  <p:cSld>
-    <p:spTree>
-      <p:nvGrpSpPr>
-        <p:cNvPr id="1" name=""/>
-        <p:cNvGrpSpPr/>
-        <p:nvPr/>
-      </p:nvGrpSpPr>
-      <p:grpSpPr>
-        <a:xfrm>
-          <a:off x="0" y="0"/>
-          <a:ext cx="0" cy="0"/>
-          <a:chOff x="0" y="0"/>
-          <a:chExt cx="0" cy="0"/>
-        </a:xfrm>
-      </p:grpSpPr>
-      <p:sp>
-        <p:nvSpPr>
-          <p:cNvPr id="184" name="PlaceHolder 1"/>
-          <p:cNvSpPr>
-            <a:spLocks noGrp="1"/>
-          </p:cNvSpPr>
-          <p:nvPr>
-            <p:ph type="body"/>
-          </p:nvPr>
-        </p:nvSpPr>
-        <p:spPr>
-          <a:xfrm>
-            <a:off x="688320" y="4415760"/>
-            <a:ext cx="5505120" cy="4183200"/>
-          </a:xfrm>
-          <a:prstGeom prst="rect">
-            <a:avLst/>
-          </a:prstGeom>
-        </p:spPr>
-        <p:txBody>
-          <a:bodyPr lIns="92520" tIns="46080" rIns="92520" bIns="46080"/>
-          <a:lstStyle/>
-          <a:p>
-            <a:endParaRPr lang="en-US" sz="2000" b="0" strike="noStrike" spc="-1" dirty="0">
-              <a:solidFill>
-                <a:srgbClr val="000000"/>
-              </a:solidFill>
-              <a:uFill>
-                <a:solidFill>
-                  <a:srgbClr val="FFFFFF"/>
-                </a:solidFill>
-              </a:uFill>
-              <a:latin typeface="Arial"/>
-            </a:endParaRPr>
-          </a:p>
-        </p:txBody>
-      </p:sp>
-      <p:sp>
-        <p:nvSpPr>
-          <p:cNvPr id="185" name="TextShape 2"/>
-          <p:cNvSpPr txBox="1"/>
-          <p:nvPr/>
-        </p:nvSpPr>
-        <p:spPr>
-          <a:xfrm>
-            <a:off x="3898080" y="8830080"/>
-            <a:ext cx="2981880" cy="464400"/>
-          </a:xfrm>
-          <a:prstGeom prst="rect">
-            <a:avLst/>
-          </a:prstGeom>
-          <a:noFill/>
-          <a:ln>
-            <a:noFill/>
-          </a:ln>
-        </p:spPr>
-        <p:txBody>
-          <a:bodyPr lIns="92520" tIns="46080" rIns="92520" bIns="46080" anchor="b"/>
-          <a:lstStyle/>
-          <a:p>
-            <a:pPr algn="r">
-              <a:lnSpc>
-                <a:spcPct val="100000"/>
-              </a:lnSpc>
-            </a:pPr>
-            <a:fld id="{FCE78040-63F1-4F82-A624-363802BCAF6A}" type="slidenum">
-              <a:rPr lang="en-US" sz="1200" b="0" strike="noStrike" spc="-1">
-                <a:solidFill>
-                  <a:srgbClr val="000000"/>
-                </a:solidFill>
-                <a:uFill>
-                  <a:solidFill>
-                    <a:srgbClr val="FFFFFF"/>
-                  </a:solidFill>
-                </a:uFill>
-                <a:latin typeface="+mn-lt"/>
-                <a:ea typeface="+mn-ea"/>
-              </a:rPr>
-              <a:t>4</a:t>
-            </a:fld>
-            <a:endParaRPr lang="en-US" sz="1400" b="0" strike="noStrike" spc="-1">
-              <a:solidFill>
-                <a:srgbClr val="000000"/>
-              </a:solidFill>
-              <a:uFill>
-                <a:solidFill>
-                  <a:srgbClr val="FFFFFF"/>
-                </a:solidFill>
-              </a:uFill>
-              <a:latin typeface="Times New Roman"/>
-            </a:endParaRPr>
-          </a:p>
-        </p:txBody>
-      </p:sp>
-    </p:spTree>
-    <p:extLst>
-      <p:ext uri="{BB962C8B-B14F-4D97-AF65-F5344CB8AC3E}">
-        <p14:creationId xmlns:p14="http://schemas.microsoft.com/office/powerpoint/2010/main" val="2478041477"/>
       </p:ext>
     </p:extLst>
   </p:cSld>
@@ -1608,7 +1629,7 @@
               <a:pPr>
                 <a:defRPr/>
               </a:pPr>
-              <a:t>Saturday, November 5, 2022</a:t>
+              <a:t>Monday, November 6, 2023</a:t>
             </a:fld>
             <a:endParaRPr lang="en-US" dirty="0"/>
           </a:p>
@@ -1791,7 +1812,7 @@
               <a:pPr>
                 <a:defRPr/>
               </a:pPr>
-              <a:t>Saturday, November 5, 2022</a:t>
+              <a:t>Monday, November 6, 2023</a:t>
             </a:fld>
             <a:endParaRPr lang="en-US" dirty="0"/>
           </a:p>
@@ -1984,7 +2005,7 @@
               <a:pPr>
                 <a:defRPr/>
               </a:pPr>
-              <a:t>Saturday, November 5, 2022</a:t>
+              <a:t>Monday, November 6, 2023</a:t>
             </a:fld>
             <a:endParaRPr lang="en-US" dirty="0"/>
           </a:p>
@@ -2272,7 +2293,7 @@
               <a:pPr>
                 <a:defRPr/>
               </a:pPr>
-              <a:t>Saturday, November 5, 2022</a:t>
+              <a:t>Monday, November 6, 2023</a:t>
             </a:fld>
             <a:endParaRPr lang="en-US" dirty="0"/>
           </a:p>
@@ -2532,7 +2553,7 @@
               <a:pPr>
                 <a:defRPr/>
               </a:pPr>
-              <a:t>Saturday, November 5, 2022</a:t>
+              <a:t>Monday, November 6, 2023</a:t>
             </a:fld>
             <a:endParaRPr lang="en-US"/>
           </a:p>
@@ -2832,7 +2853,7 @@
               <a:pPr>
                 <a:defRPr/>
               </a:pPr>
-              <a:t>Saturday, November 5, 2022</a:t>
+              <a:t>Monday, November 6, 2023</a:t>
             </a:fld>
             <a:endParaRPr lang="en-US"/>
           </a:p>
@@ -3266,7 +3287,7 @@
               <a:pPr>
                 <a:defRPr/>
               </a:pPr>
-              <a:t>Saturday, November 5, 2022</a:t>
+              <a:t>Monday, November 6, 2023</a:t>
             </a:fld>
             <a:endParaRPr lang="en-US"/>
           </a:p>
@@ -3398,7 +3419,7 @@
               <a:pPr>
                 <a:defRPr/>
               </a:pPr>
-              <a:t>Saturday, November 5, 2022</a:t>
+              <a:t>Monday, November 6, 2023</a:t>
             </a:fld>
             <a:endParaRPr lang="en-US"/>
           </a:p>
@@ -3508,7 +3529,7 @@
               <a:pPr>
                 <a:defRPr/>
               </a:pPr>
-              <a:t>Saturday, November 5, 2022</a:t>
+              <a:t>Monday, November 6, 2023</a:t>
             </a:fld>
             <a:endParaRPr lang="en-US" dirty="0"/>
           </a:p>
@@ -3798,7 +3819,7 @@
               <a:pPr>
                 <a:defRPr/>
               </a:pPr>
-              <a:t>Saturday, November 5, 2022</a:t>
+              <a:t>Monday, November 6, 2023</a:t>
             </a:fld>
             <a:endParaRPr lang="en-US"/>
           </a:p>
@@ -4065,7 +4086,7 @@
               <a:pPr>
                 <a:defRPr/>
               </a:pPr>
-              <a:t>Saturday, November 5, 2022</a:t>
+              <a:t>Monday, November 6, 2023</a:t>
             </a:fld>
             <a:endParaRPr lang="en-US"/>
           </a:p>
@@ -4291,7 +4312,7 @@
               <a:pPr>
                 <a:defRPr/>
               </a:pPr>
-              <a:t>Saturday, November 5, 2022</a:t>
+              <a:t>Monday, November 6, 2023</a:t>
             </a:fld>
             <a:endParaRPr lang="en-US" dirty="0"/>
           </a:p>
@@ -4930,7 +4951,7 @@
         </p:nvSpPr>
         <p:spPr>
           <a:xfrm>
-            <a:off x="457200" y="274680"/>
+            <a:off x="457200" y="0"/>
             <a:ext cx="8229240" cy="1142640"/>
           </a:xfrm>
           <a:prstGeom prst="rect">
@@ -4986,8 +5007,8 @@
         </p:nvSpPr>
         <p:spPr>
           <a:xfrm>
-            <a:off x="0" y="1295400"/>
-            <a:ext cx="9144000" cy="4525560"/>
+            <a:off x="0" y="914400"/>
+            <a:ext cx="9144000" cy="5410200"/>
           </a:xfrm>
           <a:prstGeom prst="rect">
             <a:avLst/>
@@ -5109,109 +5130,7 @@
                 </a:uFill>
                 <a:latin typeface="Calibri"/>
               </a:rPr>
-              <a:t>(Preferably record a video! (live demo “Acceptable”) )</a:t>
-            </a:r>
-          </a:p>
-          <a:p>
-            <a:pPr marL="800280" lvl="1" indent="-342720">
-              <a:buClr>
-                <a:srgbClr val="000000"/>
-              </a:buClr>
-              <a:buFont typeface="Arial"/>
-              <a:buChar char="•"/>
-            </a:pPr>
-            <a:endParaRPr lang="en-US" sz="2400" b="0" strike="noStrike" spc="-1" dirty="0">
-              <a:solidFill>
-                <a:srgbClr val="000000"/>
-              </a:solidFill>
-              <a:uFill>
-                <a:solidFill>
-                  <a:srgbClr val="FFFFFF"/>
-                </a:solidFill>
-              </a:uFill>
-              <a:latin typeface="Calibri"/>
-            </a:endParaRPr>
-          </a:p>
-          <a:p>
-            <a:pPr marL="343080" indent="-342720">
-              <a:lnSpc>
-                <a:spcPct val="100000"/>
-              </a:lnSpc>
-              <a:buClr>
-                <a:srgbClr val="000000"/>
-              </a:buClr>
-              <a:buFont typeface="Arial"/>
-              <a:buChar char="•"/>
-            </a:pPr>
-            <a:r>
-              <a:rPr lang="en-US" sz="2400" b="0" strike="noStrike" spc="-1" dirty="0">
-                <a:solidFill>
-                  <a:srgbClr val="000000"/>
-                </a:solidFill>
-                <a:uFill>
-                  <a:solidFill>
-                    <a:srgbClr val="FFFFFF"/>
-                  </a:solidFill>
-                </a:uFill>
-                <a:latin typeface="Calibri"/>
-              </a:rPr>
-              <a:t>~2 min. </a:t>
-            </a:r>
-            <a:r>
-              <a:rPr lang="en-US" sz="2400" b="1" strike="noStrike" spc="-1" dirty="0">
-                <a:solidFill>
-                  <a:srgbClr val="000000"/>
-                </a:solidFill>
-                <a:uFill>
-                  <a:solidFill>
-                    <a:srgbClr val="FFFFFF"/>
-                  </a:solidFill>
-                </a:uFill>
-                <a:latin typeface="Calibri"/>
-              </a:rPr>
-              <a:t>Explaining your </a:t>
-            </a:r>
-            <a:r>
-              <a:rPr lang="en-US" sz="2400" b="1" spc="-1" dirty="0">
-                <a:solidFill>
-                  <a:srgbClr val="000000"/>
-                </a:solidFill>
-                <a:uFill>
-                  <a:solidFill>
-                    <a:srgbClr val="FFFFFF"/>
-                  </a:solidFill>
-                </a:uFill>
-                <a:latin typeface="Calibri"/>
-              </a:rPr>
-              <a:t>o</a:t>
-            </a:r>
-            <a:r>
-              <a:rPr lang="en-US" sz="2400" b="1" strike="noStrike" spc="-1" dirty="0">
-                <a:solidFill>
-                  <a:srgbClr val="000000"/>
-                </a:solidFill>
-                <a:uFill>
-                  <a:solidFill>
-                    <a:srgbClr val="FFFFFF"/>
-                  </a:solidFill>
-                </a:uFill>
-                <a:latin typeface="Calibri"/>
-              </a:rPr>
-              <a:t>verall design </a:t>
-            </a:r>
-            <a:r>
-              <a:rPr lang="en-US" sz="2400" b="0" strike="noStrike" spc="-1" dirty="0">
-                <a:solidFill>
-                  <a:srgbClr val="000000"/>
-                </a:solidFill>
-                <a:uFill>
-                  <a:solidFill>
-                    <a:srgbClr val="FFFFFF"/>
-                  </a:solidFill>
-                </a:uFill>
-                <a:latin typeface="Calibri"/>
-              </a:rPr>
-              <a:t>(major classes, NOT all)</a:t>
+              <a:t>Preferably record a video! </a:t>
             </a:r>
           </a:p>
           <a:p>
@@ -5234,7 +5153,7 @@
                 </a:uFill>
                 <a:latin typeface="Calibri"/>
               </a:rPr>
-              <a:t>“Coupling/Cohesion” or other “Good/Bad” aspects of design</a:t>
+              <a:t>Live demo is “Acceptable” (but beware Murphy’s law!)</a:t>
             </a:r>
           </a:p>
           <a:p>
@@ -5259,6 +5178,9 @@
           </a:p>
           <a:p>
             <a:pPr marL="343080" indent="-342720">
+              <a:lnSpc>
+                <a:spcPct val="100000"/>
+              </a:lnSpc>
               <a:buClr>
                 <a:srgbClr val="000000"/>
               </a:buClr>
@@ -5291,8 +5213,211 @@
                 </a:uFill>
                 <a:latin typeface="Calibri"/>
               </a:rPr>
+              <a:t>Explaining your </a:t>
+            </a:r>
+            <a:r>
+              <a:rPr lang="en-US" sz="2400" b="1" spc="-1" dirty="0">
+                <a:solidFill>
+                  <a:srgbClr val="000000"/>
+                </a:solidFill>
+                <a:uFill>
+                  <a:solidFill>
+                    <a:srgbClr val="FFFFFF"/>
+                  </a:solidFill>
+                </a:uFill>
+                <a:latin typeface="Calibri"/>
+              </a:rPr>
+              <a:t>o</a:t>
+            </a:r>
+            <a:r>
+              <a:rPr lang="en-US" sz="2400" b="1" strike="noStrike" spc="-1" dirty="0">
+                <a:solidFill>
+                  <a:srgbClr val="000000"/>
+                </a:solidFill>
+                <a:uFill>
+                  <a:solidFill>
+                    <a:srgbClr val="FFFFFF"/>
+                  </a:solidFill>
+                </a:uFill>
+                <a:latin typeface="Calibri"/>
+              </a:rPr>
+              <a:t>verall design </a:t>
+            </a:r>
+            <a:r>
+              <a:rPr lang="en-US" sz="2400" b="0" strike="noStrike" spc="-1" dirty="0">
+                <a:solidFill>
+                  <a:srgbClr val="000000"/>
+                </a:solidFill>
+                <a:uFill>
+                  <a:solidFill>
+                    <a:srgbClr val="FFFFFF"/>
+                  </a:solidFill>
+                </a:uFill>
+                <a:latin typeface="Calibri"/>
+              </a:rPr>
+              <a:t>(major classes, NOT all)</a:t>
+            </a:r>
+          </a:p>
+          <a:p>
+            <a:pPr marL="800280" lvl="1" indent="-342720">
+              <a:buClr>
+                <a:srgbClr val="000000"/>
+              </a:buClr>
+              <a:buFont typeface="Arial"/>
+              <a:buChar char="•"/>
+            </a:pPr>
+            <a:r>
+              <a:rPr lang="en-US" sz="2400" spc="-1" dirty="0">
+                <a:solidFill>
+                  <a:srgbClr val="000000"/>
+                </a:solidFill>
+                <a:uFill>
+                  <a:solidFill>
+                    <a:srgbClr val="FFFFFF"/>
+                  </a:solidFill>
+                </a:uFill>
+                <a:latin typeface="Calibri"/>
+              </a:rPr>
+              <a:t>“Coupling/Cohesion” or other “Good/Bad” aspects of design</a:t>
+            </a:r>
+          </a:p>
+          <a:p>
+            <a:pPr marL="800280" lvl="1" indent="-342720">
+              <a:buClr>
+                <a:srgbClr val="000000"/>
+              </a:buClr>
+              <a:buFont typeface="Arial"/>
+              <a:buChar char="•"/>
+            </a:pPr>
+            <a:r>
+              <a:rPr lang="en-US" sz="2400" spc="-1" dirty="0">
+                <a:solidFill>
+                  <a:srgbClr val="000000"/>
+                </a:solidFill>
+                <a:uFill>
+                  <a:solidFill>
+                    <a:srgbClr val="FFFFFF"/>
+                  </a:solidFill>
+                </a:uFill>
+                <a:latin typeface="Calibri"/>
+              </a:rPr>
+              <a:t>Discuss OODP explicitly in your presentation</a:t>
+            </a:r>
+          </a:p>
+          <a:p>
+            <a:pPr marL="800280" lvl="1" indent="-342720">
+              <a:buClr>
+                <a:srgbClr val="000000"/>
+              </a:buClr>
+              <a:buFont typeface="Arial"/>
+              <a:buChar char="•"/>
+            </a:pPr>
+            <a:r>
+              <a:rPr lang="en-US" sz="2400" spc="-1" dirty="0">
+                <a:solidFill>
+                  <a:srgbClr val="000000"/>
+                </a:solidFill>
+                <a:uFill>
+                  <a:solidFill>
+                    <a:srgbClr val="FFFFFF"/>
+                  </a:solidFill>
+                </a:uFill>
+                <a:latin typeface="Calibri"/>
+              </a:rPr>
+              <a:t>OK to say your design is BAD and what you would do differently</a:t>
+            </a:r>
+          </a:p>
+          <a:p>
+            <a:pPr marL="800280" lvl="1" indent="-342720">
+              <a:buClr>
+                <a:srgbClr val="000000"/>
+              </a:buClr>
+              <a:buFont typeface="Arial"/>
+              <a:buChar char="•"/>
+            </a:pPr>
+            <a:endParaRPr lang="en-US" sz="2400" spc="-1" dirty="0">
+              <a:solidFill>
+                <a:srgbClr val="000000"/>
+              </a:solidFill>
+              <a:uFill>
+                <a:solidFill>
+                  <a:srgbClr val="FFFFFF"/>
+                </a:solidFill>
+              </a:uFill>
+              <a:latin typeface="Calibri"/>
+            </a:endParaRPr>
+          </a:p>
+          <a:p>
+            <a:pPr marL="343080" indent="-342720">
+              <a:buClr>
+                <a:srgbClr val="000000"/>
+              </a:buClr>
+              <a:buFont typeface="Arial"/>
+              <a:buChar char="•"/>
+            </a:pPr>
+            <a:r>
+              <a:rPr lang="en-US" sz="2400" b="0" strike="noStrike" spc="-1" dirty="0">
+                <a:solidFill>
+                  <a:srgbClr val="000000"/>
+                </a:solidFill>
+                <a:uFill>
+                  <a:solidFill>
+                    <a:srgbClr val="FFFFFF"/>
+                  </a:solidFill>
+                </a:uFill>
+                <a:latin typeface="Calibri"/>
+              </a:rPr>
+              <a:t>~2 min. </a:t>
+            </a:r>
+            <a:r>
+              <a:rPr lang="en-US" sz="2400" b="1" strike="noStrike" spc="-1" dirty="0">
+                <a:solidFill>
+                  <a:srgbClr val="000000"/>
+                </a:solidFill>
+                <a:uFill>
+                  <a:solidFill>
+                    <a:srgbClr val="FFFFFF"/>
+                  </a:solidFill>
+                </a:uFill>
+                <a:latin typeface="Calibri"/>
+              </a:rPr>
               <a:t>Design decision, feature implementation, or tricky bug</a:t>
             </a:r>
+          </a:p>
+          <a:p>
+            <a:pPr marL="864000" lvl="1" indent="-324000">
+              <a:buClr>
+                <a:srgbClr val="000000"/>
+              </a:buClr>
+              <a:buSzPct val="75000"/>
+              <a:buFont typeface="Symbol" charset="2"/>
+              <a:buChar char=""/>
+            </a:pPr>
+            <a:r>
+              <a:rPr lang="en-US" sz="2400" spc="-1" dirty="0">
+                <a:solidFill>
+                  <a:srgbClr val="000000"/>
+                </a:solidFill>
+                <a:uFill>
+                  <a:solidFill>
+                    <a:srgbClr val="FFFFFF"/>
+                  </a:solidFill>
+                </a:uFill>
+                <a:latin typeface="Calibri"/>
+              </a:rPr>
+              <a:t>Be explicit in stating your “Special Item” (decision/feature/bug)</a:t>
+            </a:r>
+            <a:endParaRPr lang="en-US" sz="2400" b="0" strike="noStrike" spc="-1" dirty="0">
+              <a:solidFill>
+                <a:srgbClr val="000000"/>
+              </a:solidFill>
+              <a:uFill>
+                <a:solidFill>
+                  <a:srgbClr val="FFFFFF"/>
+                </a:solidFill>
+              </a:uFill>
+              <a:latin typeface="Calibri"/>
+            </a:endParaRPr>
           </a:p>
           <a:p>
             <a:pPr marL="864000" lvl="1" indent="-324000">
@@ -5339,8 +5464,43 @@
                 </a:uFill>
                 <a:latin typeface="Calibri"/>
               </a:rPr>
-              <a:t>Should include prepared slides usually including diagrams</a:t>
-            </a:r>
+              <a:t>Be sure to include prepared slides usually including diagrams</a:t>
+            </a:r>
+          </a:p>
+          <a:p>
+            <a:pPr marL="864000" lvl="1" indent="-324000">
+              <a:buClr>
+                <a:srgbClr val="000000"/>
+              </a:buClr>
+              <a:buSzPct val="75000"/>
+              <a:buFont typeface="Symbol" charset="2"/>
+              <a:buChar char=""/>
+            </a:pPr>
+            <a:r>
+              <a:rPr lang="en-US" sz="2400" spc="-1" dirty="0">
+                <a:solidFill>
+                  <a:srgbClr val="000000"/>
+                </a:solidFill>
+                <a:uFill>
+                  <a:solidFill>
+                    <a:srgbClr val="FFFFFF"/>
+                  </a:solidFill>
+                </a:uFill>
+                <a:latin typeface="Calibri"/>
+              </a:rPr>
+              <a:t>Be sure to EXPLAIN the item, not just mention it!</a:t>
+            </a:r>
+            <a:endParaRPr lang="en-US" sz="2400" b="0" strike="noStrike" spc="-1" dirty="0">
+              <a:solidFill>
+                <a:srgbClr val="000000"/>
+              </a:solidFill>
+              <a:uFill>
+                <a:solidFill>
+                  <a:srgbClr val="FFFFFF"/>
+                </a:solidFill>
+              </a:uFill>
+              <a:latin typeface="Calibri"/>
+            </a:endParaRPr>
           </a:p>
         </p:txBody>
       </p:sp>
@@ -5385,93 +5545,6 @@
 </file>
 
 <file path=ppt/slides/slide4.xml><?xml version="1.0" encoding="utf-8"?>
-<p:sld xmlns:a="http://schemas.openxmlformats.org/drawingml/2006/main" xmlns:r="http://schemas.openxmlformats.org/officeDocument/2006/relationships" xmlns:p="http://schemas.openxmlformats.org/presentationml/2006/main">
-  <p:cSld>
-    <p:spTree>
-      <p:nvGrpSpPr>
-        <p:cNvPr id="1" name=""/>
-        <p:cNvGrpSpPr/>
-        <p:nvPr/>
-      </p:nvGrpSpPr>
-      <p:grpSpPr>
-        <a:xfrm>
-          <a:off x="0" y="0"/>
-          <a:ext cx="0" cy="0"/>
-          <a:chOff x="0" y="0"/>
-          <a:chExt cx="0" cy="0"/>
-        </a:xfrm>
-      </p:grpSpPr>
-      <p:pic>
-        <p:nvPicPr>
-          <p:cNvPr id="2" name="Picture 1">
-            <a:extLst>
-              <a:ext uri="{FF2B5EF4-FFF2-40B4-BE49-F238E27FC236}">
-                <a16:creationId xmlns:a16="http://schemas.microsoft.com/office/drawing/2014/main" id="{529FF407-E79D-0767-31E9-71E38C0411F5}"/>
-              </a:ext>
-            </a:extLst>
-          </p:cNvPr>
-          <p:cNvPicPr>
-            <a:picLocks noChangeAspect="1"/>
-          </p:cNvPicPr>
-          <p:nvPr/>
-        </p:nvPicPr>
-        <p:blipFill>
-          <a:blip r:embed="rId3"/>
-          <a:stretch>
-            <a:fillRect/>
-          </a:stretch>
-        </p:blipFill>
-        <p:spPr>
-          <a:xfrm>
-            <a:off x="367624" y="457200"/>
-            <a:ext cx="8408751" cy="5727700"/>
-          </a:xfrm>
-          <a:prstGeom prst="rect">
-            <a:avLst/>
-          </a:prstGeom>
-        </p:spPr>
-      </p:pic>
-    </p:spTree>
-    <p:extLst>
-      <p:ext uri="{BB962C8B-B14F-4D97-AF65-F5344CB8AC3E}">
-        <p14:creationId xmlns:p14="http://schemas.microsoft.com/office/powerpoint/2010/main" val="3028748329"/>
-      </p:ext>
-    </p:extLst>
-  </p:cSld>
-  <p:clrMapOvr>
-    <a:masterClrMapping/>
-  </p:clrMapOvr>
-  <p:timing>
-    <p:tnLst>
-      <p:par>
-        <p:cTn id="1" dur="indefinite" restart="never" nodeType="tmRoot">
-          <p:childTnLst>
-            <p:seq>
-              <p:cTn id="2" nodeType="mainSeq"/>
-              <p:prevCondLst>
-                <p:cond evt="onPrev" delay="0">
-                  <p:tgtEl>
-                    <p:sldTgt/>
-                  </p:tgtEl>
-                </p:cond>
-              </p:prevCondLst>
-              <p:nextCondLst>
-                <p:cond evt="onNext" delay="0">
-                  <p:tgtEl>
-                    <p:sldTgt/>
-                  </p:tgtEl>
-                </p:cond>
-              </p:nextCondLst>
-            </p:seq>
-          </p:childTnLst>
-        </p:cTn>
-      </p:par>
-    </p:tnLst>
-  </p:timing>
-</p:sld>
-</file>
-
-<file path=ppt/slides/slide5.xml><?xml version="1.0" encoding="utf-8"?>
 <p:sld xmlns:a="http://schemas.openxmlformats.org/drawingml/2006/main" xmlns:r="http://schemas.openxmlformats.org/officeDocument/2006/relationships" xmlns:p="http://schemas.openxmlformats.org/presentationml/2006/main">
   <p:cSld>
     <p:spTree>
@@ -5705,6 +5778,475 @@
       </p:par>
     </p:tnLst>
   </p:timing>
+</p:sld>
+</file>
+
+<file path=ppt/slides/slide5.xml><?xml version="1.0" encoding="utf-8"?>
+<p:sld xmlns:a="http://schemas.openxmlformats.org/drawingml/2006/main" xmlns:r="http://schemas.openxmlformats.org/officeDocument/2006/relationships" xmlns:p="http://schemas.openxmlformats.org/presentationml/2006/main">
+  <p:cSld>
+    <p:spTree>
+      <p:nvGrpSpPr>
+        <p:cNvPr id="1" name=""/>
+        <p:cNvGrpSpPr/>
+        <p:nvPr/>
+      </p:nvGrpSpPr>
+      <p:grpSpPr>
+        <a:xfrm>
+          <a:off x="0" y="0"/>
+          <a:ext cx="0" cy="0"/>
+          <a:chOff x="0" y="0"/>
+          <a:chExt cx="0" cy="0"/>
+        </a:xfrm>
+      </p:grpSpPr>
+      <p:pic>
+        <p:nvPicPr>
+          <p:cNvPr id="3" name="Picture 2">
+            <a:extLst>
+              <a:ext uri="{FF2B5EF4-FFF2-40B4-BE49-F238E27FC236}">
+                <a16:creationId xmlns:a16="http://schemas.microsoft.com/office/drawing/2014/main" id="{DD9116A3-6A05-5EEC-387D-78FFAC0D0EA9}"/>
+              </a:ext>
+            </a:extLst>
+          </p:cNvPr>
+          <p:cNvPicPr>
+            <a:picLocks noChangeAspect="1"/>
+          </p:cNvPicPr>
+          <p:nvPr/>
+        </p:nvPicPr>
+        <p:blipFill>
+          <a:blip r:embed="rId2"/>
+          <a:stretch>
+            <a:fillRect/>
+          </a:stretch>
+        </p:blipFill>
+        <p:spPr>
+          <a:xfrm>
+            <a:off x="607017" y="923416"/>
+            <a:ext cx="6620799" cy="1829055"/>
+          </a:xfrm>
+          <a:prstGeom prst="rect">
+            <a:avLst/>
+          </a:prstGeom>
+          <a:ln>
+            <a:solidFill>
+              <a:schemeClr val="tx1"/>
+            </a:solidFill>
+          </a:ln>
+        </p:spPr>
+      </p:pic>
+      <p:pic>
+        <p:nvPicPr>
+          <p:cNvPr id="5" name="Picture 4">
+            <a:extLst>
+              <a:ext uri="{FF2B5EF4-FFF2-40B4-BE49-F238E27FC236}">
+                <a16:creationId xmlns:a16="http://schemas.microsoft.com/office/drawing/2014/main" id="{138D1C31-BFB6-545D-2D91-E7AB2610F17B}"/>
+              </a:ext>
+            </a:extLst>
+          </p:cNvPr>
+          <p:cNvPicPr>
+            <a:picLocks noChangeAspect="1"/>
+          </p:cNvPicPr>
+          <p:nvPr/>
+        </p:nvPicPr>
+        <p:blipFill>
+          <a:blip r:embed="rId3"/>
+          <a:stretch>
+            <a:fillRect/>
+          </a:stretch>
+        </p:blipFill>
+        <p:spPr>
+          <a:xfrm>
+            <a:off x="613113" y="4895597"/>
+            <a:ext cx="4658375" cy="1810003"/>
+          </a:xfrm>
+          <a:prstGeom prst="rect">
+            <a:avLst/>
+          </a:prstGeom>
+          <a:ln>
+            <a:solidFill>
+              <a:schemeClr val="tx1"/>
+            </a:solidFill>
+          </a:ln>
+        </p:spPr>
+      </p:pic>
+      <p:pic>
+        <p:nvPicPr>
+          <p:cNvPr id="9" name="Picture 8">
+            <a:extLst>
+              <a:ext uri="{FF2B5EF4-FFF2-40B4-BE49-F238E27FC236}">
+                <a16:creationId xmlns:a16="http://schemas.microsoft.com/office/drawing/2014/main" id="{0F443EA1-945A-C789-C78C-06895D33CF47}"/>
+              </a:ext>
+            </a:extLst>
+          </p:cNvPr>
+          <p:cNvPicPr>
+            <a:picLocks noChangeAspect="1"/>
+          </p:cNvPicPr>
+          <p:nvPr/>
+        </p:nvPicPr>
+        <p:blipFill>
+          <a:blip r:embed="rId4"/>
+          <a:stretch>
+            <a:fillRect/>
+          </a:stretch>
+        </p:blipFill>
+        <p:spPr>
+          <a:xfrm>
+            <a:off x="613113" y="2957128"/>
+            <a:ext cx="5287113" cy="1781424"/>
+          </a:xfrm>
+          <a:prstGeom prst="rect">
+            <a:avLst/>
+          </a:prstGeom>
+          <a:ln>
+            <a:solidFill>
+              <a:schemeClr val="tx1"/>
+            </a:solidFill>
+          </a:ln>
+        </p:spPr>
+      </p:pic>
+      <p:sp>
+        <p:nvSpPr>
+          <p:cNvPr id="10" name="TextBox 9">
+            <a:extLst>
+              <a:ext uri="{FF2B5EF4-FFF2-40B4-BE49-F238E27FC236}">
+                <a16:creationId xmlns:a16="http://schemas.microsoft.com/office/drawing/2014/main" id="{D2069B77-4B47-477E-8DA5-91037A456C6F}"/>
+              </a:ext>
+            </a:extLst>
+          </p:cNvPr>
+          <p:cNvSpPr txBox="1"/>
+          <p:nvPr/>
+        </p:nvSpPr>
+        <p:spPr>
+          <a:xfrm>
+            <a:off x="607017" y="152400"/>
+            <a:ext cx="7546383" cy="584775"/>
+          </a:xfrm>
+          <a:prstGeom prst="rect">
+            <a:avLst/>
+          </a:prstGeom>
+          <a:noFill/>
+        </p:spPr>
+        <p:txBody>
+          <a:bodyPr wrap="square" rtlCol="0">
+            <a:spAutoFit/>
+          </a:bodyPr>
+          <a:lstStyle/>
+          <a:p>
+            <a:r>
+              <a:rPr lang="en-US" sz="3200" dirty="0"/>
+              <a:t>Rubric for Scoring Presentations</a:t>
+            </a:r>
+          </a:p>
+        </p:txBody>
+      </p:sp>
+    </p:spTree>
+    <p:extLst>
+      <p:ext uri="{BB962C8B-B14F-4D97-AF65-F5344CB8AC3E}">
+        <p14:creationId xmlns:p14="http://schemas.microsoft.com/office/powerpoint/2010/main" val="2935528160"/>
+      </p:ext>
+    </p:extLst>
+  </p:cSld>
+  <p:clrMapOvr>
+    <a:masterClrMapping/>
+  </p:clrMapOvr>
+</p:sld>
+</file>
+
+<file path=ppt/slides/slide6.xml><?xml version="1.0" encoding="utf-8"?>
+<p:sld xmlns:a="http://schemas.openxmlformats.org/drawingml/2006/main" xmlns:r="http://schemas.openxmlformats.org/officeDocument/2006/relationships" xmlns:p="http://schemas.openxmlformats.org/presentationml/2006/main">
+  <p:cSld>
+    <p:spTree>
+      <p:nvGrpSpPr>
+        <p:cNvPr id="1" name=""/>
+        <p:cNvGrpSpPr/>
+        <p:nvPr/>
+      </p:nvGrpSpPr>
+      <p:grpSpPr>
+        <a:xfrm>
+          <a:off x="0" y="0"/>
+          <a:ext cx="0" cy="0"/>
+          <a:chOff x="0" y="0"/>
+          <a:chExt cx="0" cy="0"/>
+        </a:xfrm>
+      </p:grpSpPr>
+      <p:pic>
+        <p:nvPicPr>
+          <p:cNvPr id="5" name="Picture 4">
+            <a:extLst>
+              <a:ext uri="{FF2B5EF4-FFF2-40B4-BE49-F238E27FC236}">
+                <a16:creationId xmlns:a16="http://schemas.microsoft.com/office/drawing/2014/main" id="{CA1FB5CE-713A-46BF-597E-904BBD6DB8DD}"/>
+              </a:ext>
+            </a:extLst>
+          </p:cNvPr>
+          <p:cNvPicPr>
+            <a:picLocks noChangeAspect="1"/>
+          </p:cNvPicPr>
+          <p:nvPr/>
+        </p:nvPicPr>
+        <p:blipFill>
+          <a:blip r:embed="rId2"/>
+          <a:stretch>
+            <a:fillRect/>
+          </a:stretch>
+        </p:blipFill>
+        <p:spPr>
+          <a:xfrm>
+            <a:off x="332783" y="4114800"/>
+            <a:ext cx="8259328" cy="2067213"/>
+          </a:xfrm>
+          <a:prstGeom prst="rect">
+            <a:avLst/>
+          </a:prstGeom>
+          <a:ln>
+            <a:solidFill>
+              <a:schemeClr val="tx1"/>
+            </a:solidFill>
+          </a:ln>
+        </p:spPr>
+      </p:pic>
+      <p:sp>
+        <p:nvSpPr>
+          <p:cNvPr id="6" name="TextBox 5">
+            <a:extLst>
+              <a:ext uri="{FF2B5EF4-FFF2-40B4-BE49-F238E27FC236}">
+                <a16:creationId xmlns:a16="http://schemas.microsoft.com/office/drawing/2014/main" id="{DB3B16B1-F4C9-7A1A-C96B-CC5DB07DB6B1}"/>
+              </a:ext>
+            </a:extLst>
+          </p:cNvPr>
+          <p:cNvSpPr txBox="1"/>
+          <p:nvPr/>
+        </p:nvSpPr>
+        <p:spPr>
+          <a:xfrm>
+            <a:off x="607017" y="152400"/>
+            <a:ext cx="7546383" cy="646331"/>
+          </a:xfrm>
+          <a:prstGeom prst="rect">
+            <a:avLst/>
+          </a:prstGeom>
+          <a:noFill/>
+        </p:spPr>
+        <p:txBody>
+          <a:bodyPr wrap="square" rtlCol="0">
+            <a:spAutoFit/>
+          </a:bodyPr>
+          <a:lstStyle/>
+          <a:p>
+            <a:r>
+              <a:rPr lang="en-US" sz="3600" dirty="0"/>
+              <a:t>Rubric for Scoring Presentations</a:t>
+            </a:r>
+          </a:p>
+        </p:txBody>
+      </p:sp>
+      <p:pic>
+        <p:nvPicPr>
+          <p:cNvPr id="8" name="Picture 7">
+            <a:extLst>
+              <a:ext uri="{FF2B5EF4-FFF2-40B4-BE49-F238E27FC236}">
+                <a16:creationId xmlns:a16="http://schemas.microsoft.com/office/drawing/2014/main" id="{1D5004C5-75AF-A030-5115-67EA33B5EF1A}"/>
+              </a:ext>
+            </a:extLst>
+          </p:cNvPr>
+          <p:cNvPicPr>
+            <a:picLocks noChangeAspect="1"/>
+          </p:cNvPicPr>
+          <p:nvPr/>
+        </p:nvPicPr>
+        <p:blipFill>
+          <a:blip r:embed="rId3"/>
+          <a:stretch>
+            <a:fillRect/>
+          </a:stretch>
+        </p:blipFill>
+        <p:spPr>
+          <a:xfrm>
+            <a:off x="332783" y="1524000"/>
+            <a:ext cx="7230484" cy="2219635"/>
+          </a:xfrm>
+          <a:prstGeom prst="rect">
+            <a:avLst/>
+          </a:prstGeom>
+          <a:ln>
+            <a:solidFill>
+              <a:schemeClr val="tx1"/>
+            </a:solidFill>
+          </a:ln>
+        </p:spPr>
+      </p:pic>
+    </p:spTree>
+    <p:extLst>
+      <p:ext uri="{BB962C8B-B14F-4D97-AF65-F5344CB8AC3E}">
+        <p14:creationId xmlns:p14="http://schemas.microsoft.com/office/powerpoint/2010/main" val="4044456901"/>
+      </p:ext>
+    </p:extLst>
+  </p:cSld>
+  <p:clrMapOvr>
+    <a:masterClrMapping/>
+  </p:clrMapOvr>
+</p:sld>
+</file>
+
+<file path=ppt/slides/slide7.xml><?xml version="1.0" encoding="utf-8"?>
+<p:sld xmlns:a="http://schemas.openxmlformats.org/drawingml/2006/main" xmlns:r="http://schemas.openxmlformats.org/officeDocument/2006/relationships" xmlns:p="http://schemas.openxmlformats.org/presentationml/2006/main">
+  <p:cSld>
+    <p:spTree>
+      <p:nvGrpSpPr>
+        <p:cNvPr id="1" name=""/>
+        <p:cNvGrpSpPr/>
+        <p:nvPr/>
+      </p:nvGrpSpPr>
+      <p:grpSpPr>
+        <a:xfrm>
+          <a:off x="0" y="0"/>
+          <a:ext cx="0" cy="0"/>
+          <a:chOff x="0" y="0"/>
+          <a:chExt cx="0" cy="0"/>
+        </a:xfrm>
+      </p:grpSpPr>
+      <p:pic>
+        <p:nvPicPr>
+          <p:cNvPr id="3" name="Picture 2">
+            <a:extLst>
+              <a:ext uri="{FF2B5EF4-FFF2-40B4-BE49-F238E27FC236}">
+                <a16:creationId xmlns:a16="http://schemas.microsoft.com/office/drawing/2014/main" id="{0436FEA8-4D46-FF54-2F31-1567F308DACA}"/>
+              </a:ext>
+            </a:extLst>
+          </p:cNvPr>
+          <p:cNvPicPr>
+            <a:picLocks noChangeAspect="1"/>
+          </p:cNvPicPr>
+          <p:nvPr/>
+        </p:nvPicPr>
+        <p:blipFill>
+          <a:blip r:embed="rId2"/>
+          <a:stretch>
+            <a:fillRect/>
+          </a:stretch>
+        </p:blipFill>
+        <p:spPr>
+          <a:xfrm>
+            <a:off x="799831" y="2940840"/>
+            <a:ext cx="6348016" cy="720343"/>
+          </a:xfrm>
+          <a:prstGeom prst="rect">
+            <a:avLst/>
+          </a:prstGeom>
+        </p:spPr>
+      </p:pic>
+      <p:pic>
+        <p:nvPicPr>
+          <p:cNvPr id="5" name="Picture 4">
+            <a:extLst>
+              <a:ext uri="{FF2B5EF4-FFF2-40B4-BE49-F238E27FC236}">
+                <a16:creationId xmlns:a16="http://schemas.microsoft.com/office/drawing/2014/main" id="{E1137646-8525-884D-ADBC-7FF1D3AA343E}"/>
+              </a:ext>
+            </a:extLst>
+          </p:cNvPr>
+          <p:cNvPicPr>
+            <a:picLocks noChangeAspect="1"/>
+          </p:cNvPicPr>
+          <p:nvPr/>
+        </p:nvPicPr>
+        <p:blipFill>
+          <a:blip r:embed="rId3"/>
+          <a:stretch>
+            <a:fillRect/>
+          </a:stretch>
+        </p:blipFill>
+        <p:spPr>
+          <a:xfrm>
+            <a:off x="95642" y="3780379"/>
+            <a:ext cx="8839200" cy="915435"/>
+          </a:xfrm>
+          <a:prstGeom prst="rect">
+            <a:avLst/>
+          </a:prstGeom>
+        </p:spPr>
+      </p:pic>
+      <p:pic>
+        <p:nvPicPr>
+          <p:cNvPr id="7" name="Picture 6">
+            <a:extLst>
+              <a:ext uri="{FF2B5EF4-FFF2-40B4-BE49-F238E27FC236}">
+                <a16:creationId xmlns:a16="http://schemas.microsoft.com/office/drawing/2014/main" id="{6D5700A5-9342-21BE-AFE4-1D5AA88F6B88}"/>
+              </a:ext>
+            </a:extLst>
+          </p:cNvPr>
+          <p:cNvPicPr>
+            <a:picLocks noChangeAspect="1"/>
+          </p:cNvPicPr>
+          <p:nvPr/>
+        </p:nvPicPr>
+        <p:blipFill>
+          <a:blip r:embed="rId4"/>
+          <a:stretch>
+            <a:fillRect/>
+          </a:stretch>
+        </p:blipFill>
+        <p:spPr>
+          <a:xfrm>
+            <a:off x="519497" y="4867830"/>
+            <a:ext cx="7383504" cy="1020484"/>
+          </a:xfrm>
+          <a:prstGeom prst="rect">
+            <a:avLst/>
+          </a:prstGeom>
+        </p:spPr>
+      </p:pic>
+      <p:sp>
+        <p:nvSpPr>
+          <p:cNvPr id="8" name="TextBox 7">
+            <a:extLst>
+              <a:ext uri="{FF2B5EF4-FFF2-40B4-BE49-F238E27FC236}">
+                <a16:creationId xmlns:a16="http://schemas.microsoft.com/office/drawing/2014/main" id="{1603417F-1070-891B-9A45-28978BAE31C8}"/>
+              </a:ext>
+            </a:extLst>
+          </p:cNvPr>
+          <p:cNvSpPr txBox="1"/>
+          <p:nvPr/>
+        </p:nvSpPr>
+        <p:spPr>
+          <a:xfrm>
+            <a:off x="1029486" y="609600"/>
+            <a:ext cx="6971513" cy="1754326"/>
+          </a:xfrm>
+          <a:prstGeom prst="rect">
+            <a:avLst/>
+          </a:prstGeom>
+          <a:noFill/>
+        </p:spPr>
+        <p:txBody>
+          <a:bodyPr wrap="square" rtlCol="0">
+            <a:spAutoFit/>
+          </a:bodyPr>
+          <a:lstStyle/>
+          <a:p>
+            <a:r>
+              <a:rPr lang="en-US" sz="3600" dirty="0"/>
+              <a:t>Student Voted Awards!</a:t>
+            </a:r>
+          </a:p>
+          <a:p>
+            <a:endParaRPr lang="en-US" sz="3600" dirty="0"/>
+          </a:p>
+          <a:p>
+            <a:r>
+              <a:rPr lang="en-US" sz="3600" dirty="0"/>
+              <a:t>+5 Incentive Points Each!</a:t>
+            </a:r>
+          </a:p>
+        </p:txBody>
+      </p:sp>
+    </p:spTree>
+    <p:extLst>
+      <p:ext uri="{BB962C8B-B14F-4D97-AF65-F5344CB8AC3E}">
+        <p14:creationId xmlns:p14="http://schemas.microsoft.com/office/powerpoint/2010/main" val="3406555752"/>
+      </p:ext>
+    </p:extLst>
+  </p:cSld>
+  <p:clrMapOvr>
+    <a:masterClrMapping/>
+  </p:clrMapOvr>
 </p:sld>
 </file>
 
@@ -6557,6 +7099,21 @@
 </file>
 
 <file path=customXml/item1.xml><?xml version="1.0" encoding="utf-8"?>
+<?mso-contentType ?>
+<FormTemplates xmlns="http://schemas.microsoft.com/sharepoint/v3/contenttype/forms">
+  <Display>DocumentLibraryForm</Display>
+  <Edit>DocumentLibraryForm</Edit>
+  <New>DocumentLibraryForm</New>
+</FormTemplates>
+</file>
+
+<file path=customXml/item2.xml><?xml version="1.0" encoding="utf-8"?>
+<p:properties xmlns:p="http://schemas.microsoft.com/office/2006/metadata/properties" xmlns:xsi="http://www.w3.org/2001/XMLSchema-instance" xmlns:pc="http://schemas.microsoft.com/office/infopath/2007/PartnerControls">
+  <documentManagement/>
+</p:properties>
+</file>
+
+<file path=customXml/item3.xml><?xml version="1.0" encoding="utf-8"?>
 <ct:contentTypeSchema xmlns:ct="http://schemas.microsoft.com/office/2006/metadata/contentType" xmlns:ma="http://schemas.microsoft.com/office/2006/metadata/properties/metaAttributes" ct:_="" ma:_="" ma:contentTypeName="Document" ma:contentTypeID="0x0101001570BCAAD2E4294F9443DCB038A55380" ma:contentTypeVersion="10" ma:contentTypeDescription="Create a new document." ma:contentTypeScope="" ma:versionID="84c2e02ee7a0dfaa743622fbac484332">
   <xsd:schema xmlns:xsd="http://www.w3.org/2001/XMLSchema" xmlns:xs="http://www.w3.org/2001/XMLSchema" xmlns:p="http://schemas.microsoft.com/office/2006/metadata/properties" xmlns:ns2="201674f6-2bdd-4f13-ba1e-424e4aa70473" targetNamespace="http://schemas.microsoft.com/office/2006/metadata/properties" ma:root="true" ma:fieldsID="0b220e6722f2c0d473d2d30e5cad202c" ns2:_="">
     <xsd:import namespace="201674f6-2bdd-4f13-ba1e-424e4aa70473"/>
@@ -6740,22 +7297,24 @@
 </ct:contentTypeSchema>
 </file>
 
-<file path=customXml/item2.xml><?xml version="1.0" encoding="utf-8"?>
-<p:properties xmlns:p="http://schemas.microsoft.com/office/2006/metadata/properties" xmlns:xsi="http://www.w3.org/2001/XMLSchema-instance" xmlns:pc="http://schemas.microsoft.com/office/infopath/2007/PartnerControls">
-  <documentManagement/>
-</p:properties>
+<file path=customXml/itemProps1.xml><?xml version="1.0" encoding="utf-8"?>
+<ds:datastoreItem xmlns:ds="http://schemas.openxmlformats.org/officeDocument/2006/customXml" ds:itemID="{631E615B-9BF8-44EF-B5F8-16FB7279F033}">
+  <ds:schemaRefs>
+    <ds:schemaRef ds:uri="http://schemas.microsoft.com/sharepoint/v3/contenttype/forms"/>
+  </ds:schemaRefs>
+</ds:datastoreItem>
 </file>
 
-<file path=customXml/item3.xml><?xml version="1.0" encoding="utf-8"?>
-<?mso-contentType ?>
-<FormTemplates xmlns="http://schemas.microsoft.com/sharepoint/v3/contenttype/forms">
-  <Display>DocumentLibraryForm</Display>
-  <Edit>DocumentLibraryForm</Edit>
-  <New>DocumentLibraryForm</New>
-</FormTemplates>
+<file path=customXml/itemProps2.xml><?xml version="1.0" encoding="utf-8"?>
+<ds:datastoreItem xmlns:ds="http://schemas.openxmlformats.org/officeDocument/2006/customXml" ds:itemID="{328C6DB0-E394-4716-8A88-640DCE32C470}">
+  <ds:schemaRefs>
+    <ds:schemaRef ds:uri="http://schemas.microsoft.com/office/2006/metadata/properties"/>
+    <ds:schemaRef ds:uri="http://schemas.microsoft.com/office/infopath/2007/PartnerControls"/>
+  </ds:schemaRefs>
+</ds:datastoreItem>
 </file>
 
-<file path=customXml/itemProps1.xml><?xml version="1.0" encoding="utf-8"?>
+<file path=customXml/itemProps3.xml><?xml version="1.0" encoding="utf-8"?>
 <ds:datastoreItem xmlns:ds="http://schemas.openxmlformats.org/officeDocument/2006/customXml" ds:itemID="{88C3AD53-5499-47B7-8C35-C4D274E6F620}">
   <ds:schemaRefs>
     <ds:schemaRef ds:uri="http://schemas.microsoft.com/office/2006/metadata/contentType"/>
@@ -6771,21 +7330,4 @@
     <ds:schemaRef ds:uri="http://schemas.microsoft.com/internal/obd"/>
   </ds:schemaRefs>
 </ds:datastoreItem>
-</file>
-
-<file path=customXml/itemProps2.xml><?xml version="1.0" encoding="utf-8"?>
-<ds:datastoreItem xmlns:ds="http://schemas.openxmlformats.org/officeDocument/2006/customXml" ds:itemID="{328C6DB0-E394-4716-8A88-640DCE32C470}">
-  <ds:schemaRefs>
-    <ds:schemaRef ds:uri="http://schemas.microsoft.com/office/2006/metadata/properties"/>
-    <ds:schemaRef ds:uri="http://schemas.microsoft.com/office/infopath/2007/PartnerControls"/>
-  </ds:schemaRefs>
-</ds:datastoreItem>
-</file>
-
-<file path=customXml/itemProps3.xml><?xml version="1.0" encoding="utf-8"?>
-<ds:datastoreItem xmlns:ds="http://schemas.openxmlformats.org/officeDocument/2006/customXml" ds:itemID="{631E615B-9BF8-44EF-B5F8-16FB7279F033}">
-  <ds:schemaRefs>
-    <ds:schemaRef ds:uri="http://schemas.microsoft.com/sharepoint/v3/contenttype/forms"/>
-  </ds:schemaRefs>
-</ds:datastoreItem>
 </file>
--- a/ClassMaterials/MergeSort/Slides/Part2-Presentation.pptx
+++ b/ClassMaterials/MergeSort/Slides/Part2-Presentation.pptx
@@ -5,19 +5,21 @@
     <p:sldMasterId id="2147484539" r:id="rId4"/>
   </p:sldMasterIdLst>
   <p:notesMasterIdLst>
-    <p:notesMasterId r:id="rId12"/>
+    <p:notesMasterId r:id="rId14"/>
   </p:notesMasterIdLst>
   <p:handoutMasterIdLst>
-    <p:handoutMasterId r:id="rId13"/>
+    <p:handoutMasterId r:id="rId15"/>
   </p:handoutMasterIdLst>
   <p:sldIdLst>
     <p:sldId id="256" r:id="rId5"/>
     <p:sldId id="291" r:id="rId6"/>
     <p:sldId id="306" r:id="rId7"/>
-    <p:sldId id="292" r:id="rId8"/>
-    <p:sldId id="309" r:id="rId9"/>
-    <p:sldId id="310" r:id="rId10"/>
-    <p:sldId id="308" r:id="rId11"/>
+    <p:sldId id="311" r:id="rId8"/>
+    <p:sldId id="312" r:id="rId9"/>
+    <p:sldId id="292" r:id="rId10"/>
+    <p:sldId id="309" r:id="rId11"/>
+    <p:sldId id="310" r:id="rId12"/>
+    <p:sldId id="308" r:id="rId13"/>
   </p:sldIdLst>
   <p:sldSz cx="9144000" cy="6858000" type="screen4x3"/>
   <p:notesSz cx="7315200" cy="9601200"/>
@@ -187,6 +189,30 @@
 
 <file path=ppt/changesInfos/changesInfo1.xml><?xml version="1.0" encoding="utf-8"?>
 <pc:chgInfo xmlns:a="http://schemas.openxmlformats.org/drawingml/2006/main" xmlns:r="http://schemas.openxmlformats.org/officeDocument/2006/relationships" xmlns:ac="http://schemas.microsoft.com/office/drawing/2013/main/command" xmlns:pc="http://schemas.microsoft.com/office/powerpoint/2013/main/command">
+  <pc:docChgLst>
+    <pc:chgData name="Korinek, Adam" userId="S::korineaj@rose-hulman.edu::a98ddd77-be9c-4186-9ea9-5e52026b75b2" providerId="AD" clId="Web-{29AC49A2-E65A-4206-BB2E-18AE591AA9DB}"/>
+    <pc:docChg chg="modSld">
+      <pc:chgData name="Korinek, Adam" userId="S::korineaj@rose-hulman.edu::a98ddd77-be9c-4186-9ea9-5e52026b75b2" providerId="AD" clId="Web-{29AC49A2-E65A-4206-BB2E-18AE591AA9DB}" dt="2021-11-12T04:16:40.770" v="0" actId="1076"/>
+      <pc:docMkLst>
+        <pc:docMk/>
+      </pc:docMkLst>
+      <pc:sldChg chg="modSp">
+        <pc:chgData name="Korinek, Adam" userId="S::korineaj@rose-hulman.edu::a98ddd77-be9c-4186-9ea9-5e52026b75b2" providerId="AD" clId="Web-{29AC49A2-E65A-4206-BB2E-18AE591AA9DB}" dt="2021-11-12T04:16:40.770" v="0" actId="1076"/>
+        <pc:sldMkLst>
+          <pc:docMk/>
+          <pc:sldMk cId="1870994908" sldId="292"/>
+        </pc:sldMkLst>
+        <pc:picChg chg="mod">
+          <ac:chgData name="Korinek, Adam" userId="S::korineaj@rose-hulman.edu::a98ddd77-be9c-4186-9ea9-5e52026b75b2" providerId="AD" clId="Web-{29AC49A2-E65A-4206-BB2E-18AE591AA9DB}" dt="2021-11-12T04:16:40.770" v="0" actId="1076"/>
+          <ac:picMkLst>
+            <pc:docMk/>
+            <pc:sldMk cId="1870994908" sldId="292"/>
+            <ac:picMk id="2" creationId="{00000000-0000-0000-0000-000000000000}"/>
+          </ac:picMkLst>
+        </pc:picChg>
+      </pc:sldChg>
+    </pc:docChg>
+  </pc:docChgLst>
   <pc:docChgLst>
     <pc:chgData name="Yoder, Jason" userId="28f4d4d8-da04-4f86-b14d-a21675737bc5" providerId="ADAL" clId="{D6B8764C-DDFE-4B59-92D2-170554A44B2A}"/>
     <pc:docChg chg="custSel addSld delSld modSld sldOrd">
@@ -365,30 +391,6 @@
       </pc:sldChg>
     </pc:docChg>
   </pc:docChgLst>
-  <pc:docChgLst>
-    <pc:chgData name="Korinek, Adam" userId="S::korineaj@rose-hulman.edu::a98ddd77-be9c-4186-9ea9-5e52026b75b2" providerId="AD" clId="Web-{29AC49A2-E65A-4206-BB2E-18AE591AA9DB}"/>
-    <pc:docChg chg="modSld">
-      <pc:chgData name="Korinek, Adam" userId="S::korineaj@rose-hulman.edu::a98ddd77-be9c-4186-9ea9-5e52026b75b2" providerId="AD" clId="Web-{29AC49A2-E65A-4206-BB2E-18AE591AA9DB}" dt="2021-11-12T04:16:40.770" v="0" actId="1076"/>
-      <pc:docMkLst>
-        <pc:docMk/>
-      </pc:docMkLst>
-      <pc:sldChg chg="modSp">
-        <pc:chgData name="Korinek, Adam" userId="S::korineaj@rose-hulman.edu::a98ddd77-be9c-4186-9ea9-5e52026b75b2" providerId="AD" clId="Web-{29AC49A2-E65A-4206-BB2E-18AE591AA9DB}" dt="2021-11-12T04:16:40.770" v="0" actId="1076"/>
-        <pc:sldMkLst>
-          <pc:docMk/>
-          <pc:sldMk cId="1870994908" sldId="292"/>
-        </pc:sldMkLst>
-        <pc:picChg chg="mod">
-          <ac:chgData name="Korinek, Adam" userId="S::korineaj@rose-hulman.edu::a98ddd77-be9c-4186-9ea9-5e52026b75b2" providerId="AD" clId="Web-{29AC49A2-E65A-4206-BB2E-18AE591AA9DB}" dt="2021-11-12T04:16:40.770" v="0" actId="1076"/>
-          <ac:picMkLst>
-            <pc:docMk/>
-            <pc:sldMk cId="1870994908" sldId="292"/>
-            <ac:picMk id="2" creationId="{00000000-0000-0000-0000-000000000000}"/>
-          </ac:picMkLst>
-        </pc:picChg>
-      </pc:sldChg>
-    </pc:docChg>
-  </pc:docChgLst>
 </pc:chgInfo>
 </file>
 
@@ -509,7 +511,7 @@
               <a:pPr>
                 <a:defRPr/>
               </a:pPr>
-              <a:t>11/6/2023</a:t>
+              <a:t>2/26/2024</a:t>
             </a:fld>
             <a:endParaRPr lang="en-US"/>
           </a:p>
@@ -744,7 +746,7 @@
               <a:pPr>
                 <a:defRPr/>
               </a:pPr>
-              <a:t>11/6/2023</a:t>
+              <a:t>2/26/2024</a:t>
             </a:fld>
             <a:endParaRPr lang="en-US"/>
           </a:p>
@@ -1629,7 +1631,7 @@
               <a:pPr>
                 <a:defRPr/>
               </a:pPr>
-              <a:t>Monday, November 6, 2023</a:t>
+              <a:t>Monday, February 26, 2024</a:t>
             </a:fld>
             <a:endParaRPr lang="en-US" dirty="0"/>
           </a:p>
@@ -1812,7 +1814,7 @@
               <a:pPr>
                 <a:defRPr/>
               </a:pPr>
-              <a:t>Monday, November 6, 2023</a:t>
+              <a:t>Monday, February 26, 2024</a:t>
             </a:fld>
             <a:endParaRPr lang="en-US" dirty="0"/>
           </a:p>
@@ -2005,7 +2007,7 @@
               <a:pPr>
                 <a:defRPr/>
               </a:pPr>
-              <a:t>Monday, November 6, 2023</a:t>
+              <a:t>Monday, February 26, 2024</a:t>
             </a:fld>
             <a:endParaRPr lang="en-US" dirty="0"/>
           </a:p>
@@ -2293,7 +2295,7 @@
               <a:pPr>
                 <a:defRPr/>
               </a:pPr>
-              <a:t>Monday, November 6, 2023</a:t>
+              <a:t>Monday, February 26, 2024</a:t>
             </a:fld>
             <a:endParaRPr lang="en-US" dirty="0"/>
           </a:p>
@@ -2553,7 +2555,7 @@
               <a:pPr>
                 <a:defRPr/>
               </a:pPr>
-              <a:t>Monday, November 6, 2023</a:t>
+              <a:t>Monday, February 26, 2024</a:t>
             </a:fld>
             <a:endParaRPr lang="en-US"/>
           </a:p>
@@ -2853,7 +2855,7 @@
               <a:pPr>
                 <a:defRPr/>
               </a:pPr>
-              <a:t>Monday, November 6, 2023</a:t>
+              <a:t>Monday, February 26, 2024</a:t>
             </a:fld>
             <a:endParaRPr lang="en-US"/>
           </a:p>
@@ -3287,7 +3289,7 @@
               <a:pPr>
                 <a:defRPr/>
               </a:pPr>
-              <a:t>Monday, November 6, 2023</a:t>
+              <a:t>Monday, February 26, 2024</a:t>
             </a:fld>
             <a:endParaRPr lang="en-US"/>
           </a:p>
@@ -3419,7 +3421,7 @@
               <a:pPr>
                 <a:defRPr/>
               </a:pPr>
-              <a:t>Monday, November 6, 2023</a:t>
+              <a:t>Monday, February 26, 2024</a:t>
             </a:fld>
             <a:endParaRPr lang="en-US"/>
           </a:p>
@@ -3529,7 +3531,7 @@
               <a:pPr>
                 <a:defRPr/>
               </a:pPr>
-              <a:t>Monday, November 6, 2023</a:t>
+              <a:t>Monday, February 26, 2024</a:t>
             </a:fld>
             <a:endParaRPr lang="en-US" dirty="0"/>
           </a:p>
@@ -3819,7 +3821,7 @@
               <a:pPr>
                 <a:defRPr/>
               </a:pPr>
-              <a:t>Monday, November 6, 2023</a:t>
+              <a:t>Monday, February 26, 2024</a:t>
             </a:fld>
             <a:endParaRPr lang="en-US"/>
           </a:p>
@@ -4086,7 +4088,7 @@
               <a:pPr>
                 <a:defRPr/>
               </a:pPr>
-              <a:t>Monday, November 6, 2023</a:t>
+              <a:t>Monday, February 26, 2024</a:t>
             </a:fld>
             <a:endParaRPr lang="en-US"/>
           </a:p>
@@ -4312,7 +4314,7 @@
               <a:pPr>
                 <a:defRPr/>
               </a:pPr>
-              <a:t>Monday, November 6, 2023</a:t>
+              <a:t>Monday, February 26, 2024</a:t>
             </a:fld>
             <a:endParaRPr lang="en-US" dirty="0"/>
           </a:p>
@@ -5561,6 +5563,761 @@
           <a:chExt cx="0" cy="0"/>
         </a:xfrm>
       </p:grpSpPr>
+      <p:sp>
+        <p:nvSpPr>
+          <p:cNvPr id="4" name="TextBox 3">
+            <a:extLst>
+              <a:ext uri="{FF2B5EF4-FFF2-40B4-BE49-F238E27FC236}">
+                <a16:creationId xmlns:a16="http://schemas.microsoft.com/office/drawing/2014/main" id="{23E7D218-1659-7DCA-0DD0-CAC70FC8D8BA}"/>
+              </a:ext>
+            </a:extLst>
+          </p:cNvPr>
+          <p:cNvSpPr txBox="1"/>
+          <p:nvPr/>
+        </p:nvSpPr>
+        <p:spPr>
+          <a:xfrm>
+            <a:off x="417095" y="381000"/>
+            <a:ext cx="8763000" cy="461665"/>
+          </a:xfrm>
+          <a:prstGeom prst="rect">
+            <a:avLst/>
+          </a:prstGeom>
+          <a:noFill/>
+        </p:spPr>
+        <p:txBody>
+          <a:bodyPr wrap="square" rtlCol="0">
+            <a:spAutoFit/>
+          </a:bodyPr>
+          <a:lstStyle/>
+          <a:p>
+            <a:r>
+              <a:rPr lang="en-US" sz="2400" dirty="0"/>
+              <a:t>From the project specification document (GARP Spec.)</a:t>
+            </a:r>
+          </a:p>
+        </p:txBody>
+      </p:sp>
+      <p:sp>
+        <p:nvSpPr>
+          <p:cNvPr id="6" name="TextBox 5">
+            <a:extLst>
+              <a:ext uri="{FF2B5EF4-FFF2-40B4-BE49-F238E27FC236}">
+                <a16:creationId xmlns:a16="http://schemas.microsoft.com/office/drawing/2014/main" id="{0B1F89A7-1E2A-1683-0140-5C151B359604}"/>
+              </a:ext>
+            </a:extLst>
+          </p:cNvPr>
+          <p:cNvSpPr txBox="1"/>
+          <p:nvPr/>
+        </p:nvSpPr>
+        <p:spPr>
+          <a:xfrm>
+            <a:off x="76199" y="1043732"/>
+            <a:ext cx="9067801" cy="6386364"/>
+          </a:xfrm>
+          <a:prstGeom prst="rect">
+            <a:avLst/>
+          </a:prstGeom>
+          <a:noFill/>
+        </p:spPr>
+        <p:txBody>
+          <a:bodyPr wrap="square">
+            <a:spAutoFit/>
+          </a:bodyPr>
+          <a:lstStyle/>
+          <a:p>
+            <a:pPr rtl="0">
+              <a:spcBef>
+                <a:spcPts val="2400"/>
+              </a:spcBef>
+              <a:spcAft>
+                <a:spcPts val="0"/>
+              </a:spcAft>
+            </a:pPr>
+            <a:r>
+              <a:rPr lang="en-US" sz="2400" b="1" i="0" u="none" strike="noStrike" dirty="0">
+                <a:solidFill>
+                  <a:srgbClr val="335B8A"/>
+                </a:solidFill>
+                <a:effectLst/>
+                <a:latin typeface="Times New Roman" panose="02020603050405020304" pitchFamily="18" charset="0"/>
+              </a:rPr>
+              <a:t>7. Presentation</a:t>
+            </a:r>
+            <a:endParaRPr lang="en-US" sz="2800" b="1" dirty="0">
+              <a:effectLst/>
+            </a:endParaRPr>
+          </a:p>
+          <a:p>
+            <a:pPr rtl="0">
+              <a:spcBef>
+                <a:spcPts val="0"/>
+              </a:spcBef>
+              <a:spcAft>
+                <a:spcPts val="1000"/>
+              </a:spcAft>
+            </a:pPr>
+            <a:r>
+              <a:rPr lang="en-US" sz="2000" b="0" i="0" u="none" strike="noStrike" dirty="0">
+                <a:solidFill>
+                  <a:srgbClr val="000000"/>
+                </a:solidFill>
+                <a:effectLst/>
+                <a:latin typeface="Times New Roman" panose="02020603050405020304" pitchFamily="18" charset="0"/>
+              </a:rPr>
+              <a:t>Your team will give an approximately 7-8 minute presentation on your project (your instructor will give you specifics), which may be open to the Rose-Hulman community. Your goals for this presentation are:</a:t>
+            </a:r>
+            <a:endParaRPr lang="en-US" sz="3600" b="0" dirty="0">
+              <a:effectLst/>
+            </a:endParaRPr>
+          </a:p>
+          <a:p>
+            <a:pPr rtl="0" fontAlgn="base">
+              <a:spcBef>
+                <a:spcPts val="0"/>
+              </a:spcBef>
+              <a:spcAft>
+                <a:spcPts val="0"/>
+              </a:spcAft>
+              <a:buFont typeface="Arial" panose="020B0604020202020204" pitchFamily="34" charset="0"/>
+              <a:buChar char="•"/>
+            </a:pPr>
+            <a:r>
+              <a:rPr lang="en-US" sz="2000" b="0" i="0" u="none" strike="noStrike" dirty="0">
+                <a:solidFill>
+                  <a:srgbClr val="000000"/>
+                </a:solidFill>
+                <a:effectLst/>
+                <a:latin typeface="Times New Roman" panose="02020603050405020304" pitchFamily="18" charset="0"/>
+              </a:rPr>
+              <a:t>Confidently and professionally describe your results</a:t>
+            </a:r>
+            <a:endParaRPr lang="en-US" sz="1600" b="0" i="0" u="none" strike="noStrike" dirty="0">
+              <a:solidFill>
+                <a:srgbClr val="000000"/>
+              </a:solidFill>
+              <a:effectLst/>
+              <a:latin typeface="Noto Sans Symbols"/>
+            </a:endParaRPr>
+          </a:p>
+          <a:p>
+            <a:pPr rtl="0" fontAlgn="base">
+              <a:spcBef>
+                <a:spcPts val="0"/>
+              </a:spcBef>
+              <a:spcAft>
+                <a:spcPts val="0"/>
+              </a:spcAft>
+              <a:buFont typeface="Arial" panose="020B0604020202020204" pitchFamily="34" charset="0"/>
+              <a:buChar char="•"/>
+            </a:pPr>
+            <a:r>
+              <a:rPr lang="en-US" sz="2000" b="0" i="0" u="none" strike="noStrike" dirty="0">
+                <a:solidFill>
+                  <a:srgbClr val="000000"/>
+                </a:solidFill>
+                <a:effectLst/>
+                <a:latin typeface="Times New Roman" panose="02020603050405020304" pitchFamily="18" charset="0"/>
+              </a:rPr>
+              <a:t>Give a</a:t>
+            </a:r>
+            <a:r>
+              <a:rPr lang="en-US" sz="2000" b="1" i="1" u="none" strike="noStrike" dirty="0">
+                <a:solidFill>
+                  <a:srgbClr val="000000"/>
+                </a:solidFill>
+                <a:effectLst/>
+                <a:latin typeface="Times New Roman" panose="02020603050405020304" pitchFamily="18" charset="0"/>
+              </a:rPr>
+              <a:t> very short introduction</a:t>
+            </a:r>
+            <a:r>
+              <a:rPr lang="en-US" sz="2000" b="0" i="0" u="none" strike="noStrike" dirty="0">
+                <a:solidFill>
+                  <a:srgbClr val="000000"/>
+                </a:solidFill>
+                <a:effectLst/>
+                <a:latin typeface="Times New Roman" panose="02020603050405020304" pitchFamily="18" charset="0"/>
+              </a:rPr>
+              <a:t> to the basic idea of your evolutionary simulator</a:t>
+            </a:r>
+            <a:endParaRPr lang="en-US" sz="1600" b="0" i="0" u="none" strike="noStrike" dirty="0">
+              <a:solidFill>
+                <a:srgbClr val="000000"/>
+              </a:solidFill>
+              <a:effectLst/>
+              <a:latin typeface="Noto Sans Symbols"/>
+            </a:endParaRPr>
+          </a:p>
+          <a:p>
+            <a:pPr rtl="0" fontAlgn="base">
+              <a:spcBef>
+                <a:spcPts val="0"/>
+              </a:spcBef>
+              <a:spcAft>
+                <a:spcPts val="0"/>
+              </a:spcAft>
+              <a:buFont typeface="Arial" panose="020B0604020202020204" pitchFamily="34" charset="0"/>
+              <a:buChar char="•"/>
+            </a:pPr>
+            <a:r>
+              <a:rPr lang="en-US" sz="2000" b="0" i="0" u="none" strike="noStrike" dirty="0">
+                <a:solidFill>
+                  <a:srgbClr val="000000"/>
+                </a:solidFill>
+                <a:effectLst/>
+                <a:latin typeface="Times New Roman" panose="02020603050405020304" pitchFamily="18" charset="0"/>
+              </a:rPr>
+              <a:t>Demonstrate a sampling of the required and </a:t>
+            </a:r>
+            <a:r>
+              <a:rPr lang="en-US" sz="2400" b="0" i="0" u="none" strike="noStrike" dirty="0">
+                <a:solidFill>
+                  <a:srgbClr val="000000"/>
+                </a:solidFill>
+                <a:effectLst/>
+                <a:latin typeface="Times New Roman" panose="02020603050405020304" pitchFamily="18" charset="0"/>
+              </a:rPr>
+              <a:t>additional</a:t>
+            </a:r>
+            <a:r>
+              <a:rPr lang="en-US" sz="2000" b="0" i="0" u="none" strike="noStrike" dirty="0">
+                <a:solidFill>
+                  <a:srgbClr val="000000"/>
+                </a:solidFill>
+                <a:effectLst/>
+                <a:latin typeface="Times New Roman" panose="02020603050405020304" pitchFamily="18" charset="0"/>
+              </a:rPr>
+              <a:t> features that you’ve implemented</a:t>
+            </a:r>
+            <a:endParaRPr lang="en-US" sz="1600" b="0" i="0" u="none" strike="noStrike" dirty="0">
+              <a:solidFill>
+                <a:srgbClr val="000000"/>
+              </a:solidFill>
+              <a:effectLst/>
+              <a:latin typeface="Noto Sans Symbols"/>
+            </a:endParaRPr>
+          </a:p>
+          <a:p>
+            <a:pPr rtl="0" fontAlgn="base">
+              <a:spcBef>
+                <a:spcPts val="0"/>
+              </a:spcBef>
+              <a:spcAft>
+                <a:spcPts val="0"/>
+              </a:spcAft>
+              <a:buFont typeface="Arial" panose="020B0604020202020204" pitchFamily="34" charset="0"/>
+              <a:buChar char="•"/>
+            </a:pPr>
+            <a:r>
+              <a:rPr lang="en-US" sz="2000" b="0" i="0" u="none" strike="noStrike" dirty="0">
+                <a:solidFill>
+                  <a:srgbClr val="000000"/>
+                </a:solidFill>
+                <a:effectLst/>
+                <a:latin typeface="Times New Roman" panose="02020603050405020304" pitchFamily="18" charset="0"/>
+              </a:rPr>
+              <a:t>Explain and show the results of any new experiments you conducted</a:t>
+            </a:r>
+            <a:endParaRPr lang="en-US" sz="1600" b="0" i="0" u="none" strike="noStrike" dirty="0">
+              <a:solidFill>
+                <a:srgbClr val="000000"/>
+              </a:solidFill>
+              <a:effectLst/>
+              <a:latin typeface="Noto Sans Symbols"/>
+            </a:endParaRPr>
+          </a:p>
+          <a:p>
+            <a:pPr rtl="0" fontAlgn="base">
+              <a:spcBef>
+                <a:spcPts val="0"/>
+              </a:spcBef>
+              <a:spcAft>
+                <a:spcPts val="0"/>
+              </a:spcAft>
+              <a:buFont typeface="Arial" panose="020B0604020202020204" pitchFamily="34" charset="0"/>
+              <a:buChar char="•"/>
+            </a:pPr>
+            <a:r>
+              <a:rPr lang="en-US" sz="2000" b="0" i="0" u="none" strike="noStrike" dirty="0">
+                <a:solidFill>
+                  <a:srgbClr val="000000"/>
+                </a:solidFill>
+                <a:effectLst/>
+                <a:latin typeface="Times New Roman" panose="02020603050405020304" pitchFamily="18" charset="0"/>
+              </a:rPr>
+              <a:t>Explain your success/progress/failure to reproduce the result from the scientific paper  - As applicable relate this to your code’s reusability and extensibility</a:t>
+            </a:r>
+            <a:endParaRPr lang="en-US" sz="1600" b="0" i="0" u="none" strike="noStrike" dirty="0">
+              <a:solidFill>
+                <a:srgbClr val="000000"/>
+              </a:solidFill>
+              <a:effectLst/>
+              <a:latin typeface="Courier New" panose="02070309020205020404" pitchFamily="49" charset="0"/>
+            </a:endParaRPr>
+          </a:p>
+          <a:p>
+            <a:pPr rtl="0" fontAlgn="base">
+              <a:spcBef>
+                <a:spcPts val="0"/>
+              </a:spcBef>
+              <a:spcAft>
+                <a:spcPts val="0"/>
+              </a:spcAft>
+              <a:buFont typeface="Arial" panose="020B0604020202020204" pitchFamily="34" charset="0"/>
+              <a:buChar char="•"/>
+            </a:pPr>
+            <a:r>
+              <a:rPr lang="en-US" sz="2000" b="0" i="0" u="none" strike="noStrike" dirty="0">
+                <a:solidFill>
+                  <a:srgbClr val="000000"/>
+                </a:solidFill>
+                <a:effectLst/>
+                <a:latin typeface="Times New Roman" panose="02020603050405020304" pitchFamily="18" charset="0"/>
+              </a:rPr>
+              <a:t>Describe the basic design of your system and relate </a:t>
+            </a:r>
+            <a:r>
+              <a:rPr lang="en-US" sz="2000" b="1" i="1" u="none" strike="noStrike" dirty="0">
+                <a:solidFill>
+                  <a:srgbClr val="000000"/>
+                </a:solidFill>
+                <a:effectLst/>
+                <a:latin typeface="Times New Roman" panose="02020603050405020304" pitchFamily="18" charset="0"/>
+              </a:rPr>
+              <a:t>any or all of the 5 OODPs as they apply to your code</a:t>
+            </a:r>
+            <a:endParaRPr lang="en-US" sz="1600" b="0" i="0" u="none" strike="noStrike" dirty="0">
+              <a:solidFill>
+                <a:srgbClr val="000000"/>
+              </a:solidFill>
+              <a:effectLst/>
+              <a:latin typeface="Noto Sans Symbols"/>
+            </a:endParaRPr>
+          </a:p>
+          <a:p>
+            <a:pPr rtl="0">
+              <a:spcBef>
+                <a:spcPts val="0"/>
+              </a:spcBef>
+              <a:spcAft>
+                <a:spcPts val="1000"/>
+              </a:spcAft>
+            </a:pPr>
+            <a:r>
+              <a:rPr lang="en-US" sz="2000" b="0" i="0" u="none" strike="noStrike" dirty="0">
+                <a:solidFill>
+                  <a:srgbClr val="000000"/>
+                </a:solidFill>
+                <a:effectLst/>
+                <a:latin typeface="Times New Roman" panose="02020603050405020304" pitchFamily="18" charset="0"/>
+              </a:rPr>
+              <a:t>Every team member should play a significant role in the delivery of your presentation.</a:t>
+            </a:r>
+            <a:endParaRPr lang="en-US" sz="3600" b="0" dirty="0">
+              <a:effectLst/>
+            </a:endParaRPr>
+          </a:p>
+          <a:p>
+            <a:pPr rtl="0">
+              <a:spcBef>
+                <a:spcPts val="0"/>
+              </a:spcBef>
+              <a:spcAft>
+                <a:spcPts val="1000"/>
+              </a:spcAft>
+            </a:pPr>
+            <a:r>
+              <a:rPr lang="en-US" sz="2000" b="1" i="0" u="none" strike="noStrike" dirty="0">
+                <a:solidFill>
+                  <a:srgbClr val="000000"/>
+                </a:solidFill>
+                <a:effectLst/>
+                <a:latin typeface="Times New Roman" panose="02020603050405020304" pitchFamily="18" charset="0"/>
+              </a:rPr>
+              <a:t>Again</a:t>
+            </a:r>
+            <a:r>
+              <a:rPr lang="en-US" sz="2000" b="0" i="0" u="none" strike="noStrike" dirty="0">
+                <a:solidFill>
+                  <a:srgbClr val="000000"/>
+                </a:solidFill>
+                <a:effectLst/>
+                <a:latin typeface="Times New Roman" panose="02020603050405020304" pitchFamily="18" charset="0"/>
+              </a:rPr>
+              <a:t>: Keep your explanation of the basic idea of a genetic algorithm very short (60 seconds max!)</a:t>
+            </a:r>
+            <a:endParaRPr lang="en-US" sz="3600" b="0" dirty="0">
+              <a:effectLst/>
+            </a:endParaRPr>
+          </a:p>
+          <a:p>
+            <a:br>
+              <a:rPr lang="en-US" sz="2800" dirty="0"/>
+            </a:br>
+            <a:endParaRPr lang="en-US" sz="2800" dirty="0"/>
+          </a:p>
+        </p:txBody>
+      </p:sp>
+    </p:spTree>
+    <p:extLst>
+      <p:ext uri="{BB962C8B-B14F-4D97-AF65-F5344CB8AC3E}">
+        <p14:creationId xmlns:p14="http://schemas.microsoft.com/office/powerpoint/2010/main" val="2522403909"/>
+      </p:ext>
+    </p:extLst>
+  </p:cSld>
+  <p:clrMapOvr>
+    <a:masterClrMapping/>
+  </p:clrMapOvr>
+</p:sld>
+</file>
+
+<file path=ppt/slides/slide5.xml><?xml version="1.0" encoding="utf-8"?>
+<p:sld xmlns:a="http://schemas.openxmlformats.org/drawingml/2006/main" xmlns:r="http://schemas.openxmlformats.org/officeDocument/2006/relationships" xmlns:p="http://schemas.openxmlformats.org/presentationml/2006/main">
+  <p:cSld>
+    <p:spTree>
+      <p:nvGrpSpPr>
+        <p:cNvPr id="1" name=""/>
+        <p:cNvGrpSpPr/>
+        <p:nvPr/>
+      </p:nvGrpSpPr>
+      <p:grpSpPr>
+        <a:xfrm>
+          <a:off x="0" y="0"/>
+          <a:ext cx="0" cy="0"/>
+          <a:chOff x="0" y="0"/>
+          <a:chExt cx="0" cy="0"/>
+        </a:xfrm>
+      </p:grpSpPr>
+      <p:sp>
+        <p:nvSpPr>
+          <p:cNvPr id="7" name="TextBox 6">
+            <a:extLst>
+              <a:ext uri="{FF2B5EF4-FFF2-40B4-BE49-F238E27FC236}">
+                <a16:creationId xmlns:a16="http://schemas.microsoft.com/office/drawing/2014/main" id="{795CB5A4-50C0-FDE5-A402-F8677AB5D7A2}"/>
+              </a:ext>
+            </a:extLst>
+          </p:cNvPr>
+          <p:cNvSpPr txBox="1"/>
+          <p:nvPr/>
+        </p:nvSpPr>
+        <p:spPr>
+          <a:xfrm>
+            <a:off x="152400" y="1531044"/>
+            <a:ext cx="8610600" cy="5016758"/>
+          </a:xfrm>
+          <a:prstGeom prst="rect">
+            <a:avLst/>
+          </a:prstGeom>
+          <a:noFill/>
+        </p:spPr>
+        <p:txBody>
+          <a:bodyPr wrap="square">
+            <a:spAutoFit/>
+          </a:bodyPr>
+          <a:lstStyle/>
+          <a:p>
+            <a:pPr rtl="0">
+              <a:spcBef>
+                <a:spcPts val="0"/>
+              </a:spcBef>
+              <a:spcAft>
+                <a:spcPts val="1000"/>
+              </a:spcAft>
+            </a:pPr>
+            <a:r>
+              <a:rPr lang="en-US" b="0" i="0" u="none" strike="noStrike" dirty="0">
+                <a:solidFill>
+                  <a:srgbClr val="222222"/>
+                </a:solidFill>
+                <a:effectLst/>
+                <a:latin typeface="Arial" panose="020B0604020202020204" pitchFamily="34" charset="0"/>
+              </a:rPr>
+              <a:t>I would expect the following approximate lengths of time for different parts:</a:t>
+            </a:r>
+            <a:endParaRPr lang="en-US" dirty="0"/>
+          </a:p>
+          <a:p>
+            <a:pPr rtl="0">
+              <a:spcBef>
+                <a:spcPts val="0"/>
+              </a:spcBef>
+              <a:spcAft>
+                <a:spcPts val="1000"/>
+              </a:spcAft>
+            </a:pPr>
+            <a:r>
+              <a:rPr lang="en-US" b="0" i="0" u="none" strike="noStrike" dirty="0">
+                <a:solidFill>
+                  <a:srgbClr val="222222"/>
+                </a:solidFill>
+                <a:effectLst/>
+                <a:latin typeface="Arial" panose="020B0604020202020204" pitchFamily="34" charset="0"/>
+              </a:rPr>
+              <a:t>1 minute:  introduction yourself, your simulator, and the basic idea of the project</a:t>
+            </a:r>
+            <a:endParaRPr lang="en-US" dirty="0">
+              <a:solidFill>
+                <a:srgbClr val="222222"/>
+              </a:solidFill>
+              <a:latin typeface="Arial" panose="020B0604020202020204" pitchFamily="34" charset="0"/>
+            </a:endParaRPr>
+          </a:p>
+          <a:p>
+            <a:pPr rtl="0">
+              <a:spcBef>
+                <a:spcPts val="0"/>
+              </a:spcBef>
+              <a:spcAft>
+                <a:spcPts val="1000"/>
+              </a:spcAft>
+            </a:pPr>
+            <a:r>
+              <a:rPr lang="en-US" b="0" i="0" u="none" strike="noStrike" dirty="0">
+                <a:solidFill>
+                  <a:srgbClr val="222222"/>
+                </a:solidFill>
+                <a:effectLst/>
+                <a:latin typeface="Arial" panose="020B0604020202020204" pitchFamily="34" charset="0"/>
+              </a:rPr>
+              <a:t>1-2 minutes:  Demonstrate the basic functionality of your simulator including how a user can change parameters at run-time</a:t>
+            </a:r>
+            <a:endParaRPr lang="en-US" dirty="0"/>
+          </a:p>
+          <a:p>
+            <a:pPr rtl="0">
+              <a:spcBef>
+                <a:spcPts val="0"/>
+              </a:spcBef>
+              <a:spcAft>
+                <a:spcPts val="1000"/>
+              </a:spcAft>
+            </a:pPr>
+            <a:r>
+              <a:rPr lang="en-US" b="0" i="0" u="none" strike="noStrike" dirty="0">
+                <a:solidFill>
+                  <a:srgbClr val="222222"/>
+                </a:solidFill>
+                <a:effectLst/>
+                <a:latin typeface="Arial" panose="020B0604020202020204" pitchFamily="34" charset="0"/>
+              </a:rPr>
+              <a:t>1-2 minutes:  Describe the basic design of your system and relate </a:t>
+            </a:r>
+            <a:r>
+              <a:rPr lang="en-US" b="1" i="1" u="none" strike="noStrike" dirty="0">
+                <a:solidFill>
+                  <a:srgbClr val="222222"/>
+                </a:solidFill>
+                <a:effectLst/>
+                <a:latin typeface="Arial" panose="020B0604020202020204" pitchFamily="34" charset="0"/>
+              </a:rPr>
+              <a:t>any or all of the 5 OODPs as they apply to your code</a:t>
+            </a:r>
+            <a:r>
+              <a:rPr lang="en-US" b="0" i="0" u="none" strike="noStrike" dirty="0">
+                <a:solidFill>
+                  <a:srgbClr val="222222"/>
+                </a:solidFill>
+                <a:effectLst/>
+                <a:latin typeface="Arial" panose="020B0604020202020204" pitchFamily="34" charset="0"/>
+              </a:rPr>
+              <a:t> (please use simplified UML diagrams as show </a:t>
+            </a:r>
+            <a:r>
+              <a:rPr lang="en-US" b="0" i="0" u="sng" strike="noStrike" dirty="0">
+                <a:solidFill>
+                  <a:srgbClr val="1155CC"/>
+                </a:solidFill>
+                <a:effectLst/>
+                <a:latin typeface="Arial" panose="020B0604020202020204" pitchFamily="34" charset="0"/>
+                <a:hlinkClick r:id="rId2"/>
+              </a:rPr>
+              <a:t>here</a:t>
+            </a:r>
+            <a:r>
+              <a:rPr lang="en-US" b="0" i="0" u="none" strike="noStrike" dirty="0">
+                <a:solidFill>
+                  <a:srgbClr val="222222"/>
+                </a:solidFill>
+                <a:effectLst/>
+                <a:latin typeface="Arial" panose="020B0604020202020204" pitchFamily="34" charset="0"/>
+              </a:rPr>
+              <a:t> @7:00)  </a:t>
+            </a:r>
+            <a:endParaRPr lang="en-US" dirty="0"/>
+          </a:p>
+          <a:p>
+            <a:pPr rtl="0">
+              <a:spcBef>
+                <a:spcPts val="0"/>
+              </a:spcBef>
+              <a:spcAft>
+                <a:spcPts val="1000"/>
+              </a:spcAft>
+            </a:pPr>
+            <a:r>
+              <a:rPr lang="en-US" b="0" i="0" u="none" strike="noStrike" dirty="0">
+                <a:solidFill>
+                  <a:srgbClr val="222222"/>
+                </a:solidFill>
+                <a:effectLst/>
+                <a:latin typeface="Arial" panose="020B0604020202020204" pitchFamily="34" charset="0"/>
+              </a:rPr>
+              <a:t>2-3 minutes:  Explain at least 1 of your ORIGINAL fitness functions OR ORIGINAL experiments, show the results of simulation and your interpretation of those results</a:t>
+            </a:r>
+            <a:endParaRPr lang="en-US" dirty="0"/>
+          </a:p>
+          <a:p>
+            <a:pPr rtl="0">
+              <a:spcBef>
+                <a:spcPts val="0"/>
+              </a:spcBef>
+              <a:spcAft>
+                <a:spcPts val="1000"/>
+              </a:spcAft>
+            </a:pPr>
+            <a:r>
+              <a:rPr lang="en-US" b="0" i="0" u="none" strike="noStrike" dirty="0">
+                <a:solidFill>
+                  <a:srgbClr val="222222"/>
+                </a:solidFill>
+                <a:effectLst/>
+                <a:latin typeface="Arial" panose="020B0604020202020204" pitchFamily="34" charset="0"/>
+              </a:rPr>
+              <a:t>1-2 minutes:  Explain your success/progress/failure to reproduce the result from the scientific paper from M4,</a:t>
+            </a:r>
+            <a:r>
+              <a:rPr lang="en-US" b="1" i="1" u="none" strike="noStrike" dirty="0">
+                <a:solidFill>
+                  <a:srgbClr val="222222"/>
+                </a:solidFill>
+                <a:effectLst/>
+                <a:latin typeface="Arial" panose="020B0604020202020204" pitchFamily="34" charset="0"/>
+              </a:rPr>
+              <a:t> even if you did not succeed you can still relate this to your code’s reusability and extensibility</a:t>
+            </a:r>
+            <a:endParaRPr lang="en-US" dirty="0"/>
+          </a:p>
+          <a:p>
+            <a:pPr rtl="0">
+              <a:spcBef>
+                <a:spcPts val="0"/>
+              </a:spcBef>
+              <a:spcAft>
+                <a:spcPts val="1000"/>
+              </a:spcAft>
+            </a:pPr>
+            <a:r>
+              <a:rPr lang="en-US" b="0" i="0" u="none" strike="noStrike" dirty="0">
+                <a:solidFill>
+                  <a:srgbClr val="222222"/>
+                </a:solidFill>
+                <a:effectLst/>
+                <a:latin typeface="Arial" panose="020B0604020202020204" pitchFamily="34" charset="0"/>
+              </a:rPr>
+              <a:t> -</a:t>
+            </a:r>
+            <a:r>
+              <a:rPr lang="en-US" b="0" i="1" u="none" strike="noStrike" dirty="0">
+                <a:solidFill>
+                  <a:srgbClr val="222222"/>
+                </a:solidFill>
+                <a:effectLst/>
+                <a:latin typeface="Arial" panose="020B0604020202020204" pitchFamily="34" charset="0"/>
+              </a:rPr>
+              <a:t> For example, perhaps you had a great deal of trouble refactoring your code to try to reproduce the M4 Scientific paper result, what ways </a:t>
+            </a:r>
+            <a:r>
+              <a:rPr lang="en-US" b="1" i="1" u="none" strike="noStrike" dirty="0">
+                <a:solidFill>
+                  <a:srgbClr val="222222"/>
+                </a:solidFill>
+                <a:effectLst/>
+                <a:latin typeface="Arial" panose="020B0604020202020204" pitchFamily="34" charset="0"/>
+              </a:rPr>
+              <a:t>could </a:t>
+            </a:r>
+            <a:r>
+              <a:rPr lang="en-US" b="0" i="1" u="none" strike="noStrike" dirty="0">
+                <a:solidFill>
+                  <a:srgbClr val="222222"/>
+                </a:solidFill>
+                <a:effectLst/>
+                <a:latin typeface="Arial" panose="020B0604020202020204" pitchFamily="34" charset="0"/>
+              </a:rPr>
+              <a:t>your design be improved to make this easier?</a:t>
+            </a:r>
+            <a:endParaRPr lang="en-US" b="0" dirty="0">
+              <a:effectLst/>
+            </a:endParaRPr>
+          </a:p>
+        </p:txBody>
+      </p:sp>
+      <p:sp>
+        <p:nvSpPr>
+          <p:cNvPr id="8" name="TextBox 7">
+            <a:extLst>
+              <a:ext uri="{FF2B5EF4-FFF2-40B4-BE49-F238E27FC236}">
+                <a16:creationId xmlns:a16="http://schemas.microsoft.com/office/drawing/2014/main" id="{AF2CF6A5-E136-C9E9-C98F-B033E0A63577}"/>
+              </a:ext>
+            </a:extLst>
+          </p:cNvPr>
+          <p:cNvSpPr txBox="1"/>
+          <p:nvPr/>
+        </p:nvSpPr>
+        <p:spPr>
+          <a:xfrm>
+            <a:off x="417095" y="381000"/>
+            <a:ext cx="8763000" cy="461665"/>
+          </a:xfrm>
+          <a:prstGeom prst="rect">
+            <a:avLst/>
+          </a:prstGeom>
+          <a:noFill/>
+        </p:spPr>
+        <p:txBody>
+          <a:bodyPr wrap="square" rtlCol="0">
+            <a:spAutoFit/>
+          </a:bodyPr>
+          <a:lstStyle/>
+          <a:p>
+            <a:r>
+              <a:rPr lang="en-US" sz="2400" dirty="0"/>
+              <a:t>From the project specification document (GARP Spec.)</a:t>
+            </a:r>
+          </a:p>
+        </p:txBody>
+      </p:sp>
+    </p:spTree>
+    <p:extLst>
+      <p:ext uri="{BB962C8B-B14F-4D97-AF65-F5344CB8AC3E}">
+        <p14:creationId xmlns:p14="http://schemas.microsoft.com/office/powerpoint/2010/main" val="1605127389"/>
+      </p:ext>
+    </p:extLst>
+  </p:cSld>
+  <p:clrMapOvr>
+    <a:masterClrMapping/>
+  </p:clrMapOvr>
+</p:sld>
+</file>
+
+<file path=ppt/slides/slide6.xml><?xml version="1.0" encoding="utf-8"?>
+<p:sld xmlns:a="http://schemas.openxmlformats.org/drawingml/2006/main" xmlns:r="http://schemas.openxmlformats.org/officeDocument/2006/relationships" xmlns:p="http://schemas.openxmlformats.org/presentationml/2006/main">
+  <p:cSld>
+    <p:spTree>
+      <p:nvGrpSpPr>
+        <p:cNvPr id="1" name=""/>
+        <p:cNvGrpSpPr/>
+        <p:nvPr/>
+      </p:nvGrpSpPr>
+      <p:grpSpPr>
+        <a:xfrm>
+          <a:off x="0" y="0"/>
+          <a:ext cx="0" cy="0"/>
+          <a:chOff x="0" y="0"/>
+          <a:chExt cx="0" cy="0"/>
+        </a:xfrm>
+      </p:grpSpPr>
       <p:pic>
         <p:nvPicPr>
           <p:cNvPr id="2" name="Arcade Game 2020-02-13 08-33-40">
@@ -5781,7 +6538,7 @@
 </p:sld>
 </file>
 
-<file path=ppt/slides/slide5.xml><?xml version="1.0" encoding="utf-8"?>
+<file path=ppt/slides/slide7.xml><?xml version="1.0" encoding="utf-8"?>
 <p:sld xmlns:a="http://schemas.openxmlformats.org/drawingml/2006/main" xmlns:r="http://schemas.openxmlformats.org/officeDocument/2006/relationships" xmlns:p="http://schemas.openxmlformats.org/presentationml/2006/main">
   <p:cSld>
     <p:spTree>
@@ -5951,7 +6708,7 @@
 </p:sld>
 </file>
 
-<file path=ppt/slides/slide6.xml><?xml version="1.0" encoding="utf-8"?>
+<file path=ppt/slides/slide8.xml><?xml version="1.0" encoding="utf-8"?>
 <p:sld xmlns:a="http://schemas.openxmlformats.org/drawingml/2006/main" xmlns:r="http://schemas.openxmlformats.org/officeDocument/2006/relationships" xmlns:p="http://schemas.openxmlformats.org/presentationml/2006/main">
   <p:cSld>
     <p:spTree>
@@ -6086,7 +6843,7 @@
 </p:sld>
 </file>
 
-<file path=ppt/slides/slide7.xml><?xml version="1.0" encoding="utf-8"?>
+<file path=ppt/slides/slide9.xml><?xml version="1.0" encoding="utf-8"?>
 <p:sld xmlns:a="http://schemas.openxmlformats.org/drawingml/2006/main" xmlns:r="http://schemas.openxmlformats.org/officeDocument/2006/relationships" xmlns:p="http://schemas.openxmlformats.org/presentationml/2006/main">
   <p:cSld>
     <p:spTree>
@@ -6117,76 +6874,15 @@
           </p:cNvPicPr>
           <p:nvPr/>
         </p:nvPicPr>
-        <p:blipFill>
+        <p:blipFill rotWithShape="1">
           <a:blip r:embed="rId2"/>
-          <a:stretch>
-            <a:fillRect/>
-          </a:stretch>
+          <a:srcRect r="9368"/>
+          <a:stretch/>
         </p:blipFill>
         <p:spPr>
           <a:xfrm>
-            <a:off x="799831" y="2940840"/>
-            <a:ext cx="6348016" cy="720343"/>
-          </a:xfrm>
-          <a:prstGeom prst="rect">
-            <a:avLst/>
-          </a:prstGeom>
-        </p:spPr>
-      </p:pic>
-      <p:pic>
-        <p:nvPicPr>
-          <p:cNvPr id="5" name="Picture 4">
-            <a:extLst>
-              <a:ext uri="{FF2B5EF4-FFF2-40B4-BE49-F238E27FC236}">
-                <a16:creationId xmlns:a16="http://schemas.microsoft.com/office/drawing/2014/main" id="{E1137646-8525-884D-ADBC-7FF1D3AA343E}"/>
-              </a:ext>
-            </a:extLst>
-          </p:cNvPr>
-          <p:cNvPicPr>
-            <a:picLocks noChangeAspect="1"/>
-          </p:cNvPicPr>
-          <p:nvPr/>
-        </p:nvPicPr>
-        <p:blipFill>
-          <a:blip r:embed="rId3"/>
-          <a:stretch>
-            <a:fillRect/>
-          </a:stretch>
-        </p:blipFill>
-        <p:spPr>
-          <a:xfrm>
-            <a:off x="95642" y="3780379"/>
-            <a:ext cx="8839200" cy="915435"/>
-          </a:xfrm>
-          <a:prstGeom prst="rect">
-            <a:avLst/>
-          </a:prstGeom>
-        </p:spPr>
-      </p:pic>
-      <p:pic>
-        <p:nvPicPr>
-          <p:cNvPr id="7" name="Picture 6">
-            <a:extLst>
-              <a:ext uri="{FF2B5EF4-FFF2-40B4-BE49-F238E27FC236}">
-                <a16:creationId xmlns:a16="http://schemas.microsoft.com/office/drawing/2014/main" id="{6D5700A5-9342-21BE-AFE4-1D5AA88F6B88}"/>
-              </a:ext>
-            </a:extLst>
-          </p:cNvPr>
-          <p:cNvPicPr>
-            <a:picLocks noChangeAspect="1"/>
-          </p:cNvPicPr>
-          <p:nvPr/>
-        </p:nvPicPr>
-        <p:blipFill>
-          <a:blip r:embed="rId4"/>
-          <a:stretch>
-            <a:fillRect/>
-          </a:stretch>
-        </p:blipFill>
-        <p:spPr>
-          <a:xfrm>
-            <a:off x="519497" y="4867830"/>
-            <a:ext cx="7383504" cy="1020484"/>
+            <a:off x="473553" y="2638444"/>
+            <a:ext cx="7628993" cy="955178"/>
           </a:xfrm>
           <a:prstGeom prst="rect">
             <a:avLst/>
@@ -6233,6 +6929,99 @@
             <a:r>
               <a:rPr lang="en-US" sz="3600" dirty="0"/>
               <a:t>+5 Incentive Points Each!</a:t>
+            </a:r>
+          </a:p>
+        </p:txBody>
+      </p:sp>
+      <p:pic>
+        <p:nvPicPr>
+          <p:cNvPr id="9" name="Picture 8">
+            <a:extLst>
+              <a:ext uri="{FF2B5EF4-FFF2-40B4-BE49-F238E27FC236}">
+                <a16:creationId xmlns:a16="http://schemas.microsoft.com/office/drawing/2014/main" id="{AB689CDE-42AA-EA0C-A7D6-FEDFF0473105}"/>
+              </a:ext>
+            </a:extLst>
+          </p:cNvPr>
+          <p:cNvPicPr>
+            <a:picLocks noChangeAspect="1"/>
+          </p:cNvPicPr>
+          <p:nvPr/>
+        </p:nvPicPr>
+        <p:blipFill rotWithShape="1">
+          <a:blip r:embed="rId3"/>
+          <a:srcRect r="17533"/>
+          <a:stretch/>
+        </p:blipFill>
+        <p:spPr>
+          <a:xfrm>
+            <a:off x="438542" y="3741967"/>
+            <a:ext cx="8382000" cy="1235627"/>
+          </a:xfrm>
+          <a:prstGeom prst="rect">
+            <a:avLst/>
+          </a:prstGeom>
+        </p:spPr>
+      </p:pic>
+      <p:pic>
+        <p:nvPicPr>
+          <p:cNvPr id="11" name="Picture 10">
+            <a:extLst>
+              <a:ext uri="{FF2B5EF4-FFF2-40B4-BE49-F238E27FC236}">
+                <a16:creationId xmlns:a16="http://schemas.microsoft.com/office/drawing/2014/main" id="{5BF6B350-CAEA-44D0-B103-F19761D2CBEE}"/>
+              </a:ext>
+            </a:extLst>
+          </p:cNvPr>
+          <p:cNvPicPr>
+            <a:picLocks noChangeAspect="1"/>
+          </p:cNvPicPr>
+          <p:nvPr/>
+        </p:nvPicPr>
+        <p:blipFill rotWithShape="1">
+          <a:blip r:embed="rId4"/>
+          <a:srcRect r="9616"/>
+          <a:stretch/>
+        </p:blipFill>
+        <p:spPr>
+          <a:xfrm>
+            <a:off x="417418" y="5125939"/>
+            <a:ext cx="8153400" cy="981217"/>
+          </a:xfrm>
+          <a:prstGeom prst="rect">
+            <a:avLst/>
+          </a:prstGeom>
+        </p:spPr>
+      </p:pic>
+      <p:sp>
+        <p:nvSpPr>
+          <p:cNvPr id="2" name="TextBox 1">
+            <a:extLst>
+              <a:ext uri="{FF2B5EF4-FFF2-40B4-BE49-F238E27FC236}">
+                <a16:creationId xmlns:a16="http://schemas.microsoft.com/office/drawing/2014/main" id="{E2D9AC97-1790-C4F8-D57A-7851490B5772}"/>
+              </a:ext>
+            </a:extLst>
+          </p:cNvPr>
+          <p:cNvSpPr txBox="1"/>
+          <p:nvPr/>
+        </p:nvSpPr>
+        <p:spPr>
+          <a:xfrm>
+            <a:off x="1676400" y="5867399"/>
+            <a:ext cx="3962400" cy="369332"/>
+          </a:xfrm>
+          <a:prstGeom prst="rect">
+            <a:avLst/>
+          </a:prstGeom>
+          <a:noFill/>
+        </p:spPr>
+        <p:txBody>
+          <a:bodyPr wrap="square" rtlCol="0">
+            <a:spAutoFit/>
+          </a:bodyPr>
+          <a:lstStyle/>
+          <a:p>
+            <a:r>
+              <a:rPr lang="en-US" b="1" i="1" dirty="0"/>
+              <a:t>Experiment Explanation for GARP</a:t>
             </a:r>
           </a:p>
         </p:txBody>

--- a/ClassMaterials/MergeSort/Slides/Part2-Presentation.pptx
+++ b/ClassMaterials/MergeSort/Slides/Part2-Presentation.pptx
@@ -5,10 +5,10 @@
     <p:sldMasterId id="2147484539" r:id="rId4"/>
   </p:sldMasterIdLst>
   <p:notesMasterIdLst>
-    <p:notesMasterId r:id="rId14"/>
+    <p:notesMasterId r:id="rId21"/>
   </p:notesMasterIdLst>
   <p:handoutMasterIdLst>
-    <p:handoutMasterId r:id="rId15"/>
+    <p:handoutMasterId r:id="rId22"/>
   </p:handoutMasterIdLst>
   <p:sldIdLst>
     <p:sldId id="256" r:id="rId5"/>
@@ -17,9 +17,16 @@
     <p:sldId id="311" r:id="rId8"/>
     <p:sldId id="312" r:id="rId9"/>
     <p:sldId id="292" r:id="rId10"/>
-    <p:sldId id="309" r:id="rId11"/>
-    <p:sldId id="310" r:id="rId12"/>
-    <p:sldId id="308" r:id="rId13"/>
+    <p:sldId id="315" r:id="rId11"/>
+    <p:sldId id="309" r:id="rId12"/>
+    <p:sldId id="310" r:id="rId13"/>
+    <p:sldId id="308" r:id="rId14"/>
+    <p:sldId id="314" r:id="rId15"/>
+    <p:sldId id="313" r:id="rId16"/>
+    <p:sldId id="319" r:id="rId17"/>
+    <p:sldId id="316" r:id="rId18"/>
+    <p:sldId id="317" r:id="rId19"/>
+    <p:sldId id="318" r:id="rId20"/>
   </p:sldIdLst>
   <p:sldSz cx="9144000" cy="6858000" type="screen4x3"/>
   <p:notesSz cx="7315200" cy="9601200"/>
@@ -511,7 +518,7 @@
               <a:pPr>
                 <a:defRPr/>
               </a:pPr>
-              <a:t>2/26/2024</a:t>
+              <a:t>5/27/2025</a:t>
             </a:fld>
             <a:endParaRPr lang="en-US"/>
           </a:p>
@@ -627,6 +634,64 @@
   </p:cSld>
   <p:clrMap bg1="lt1" tx1="dk1" bg2="lt2" tx2="dk2" accent1="accent1" accent2="accent2" accent3="accent3" accent4="accent4" accent5="accent5" accent6="accent6" hlink="hlink" folHlink="folHlink"/>
 </p:handoutMaster>
+</file>
+
+<file path=ppt/ink/ink1.xml><?xml version="1.0" encoding="utf-8"?>
+<inkml:ink xmlns:inkml="http://www.w3.org/2003/InkML">
+  <inkml:definitions>
+    <inkml:context xml:id="ctx0">
+      <inkml:inkSource xml:id="inkSrc0">
+        <inkml:traceFormat>
+          <inkml:channel name="X" type="integer" min="-2.14748E9" max="2.14748E9" units="cm"/>
+          <inkml:channel name="Y" type="integer" min="-2.14748E9" max="2.14748E9" units="cm"/>
+        </inkml:traceFormat>
+        <inkml:channelProperties>
+          <inkml:channelProperty channel="X" name="resolution" value="1000" units="1/cm"/>
+          <inkml:channelProperty channel="Y" name="resolution" value="1000" units="1/cm"/>
+        </inkml:channelProperties>
+      </inkml:inkSource>
+      <inkml:timestamp xml:id="ts0" timeString="2025-05-19T14:56:47.452"/>
+    </inkml:context>
+    <inkml:brush xml:id="br0">
+      <inkml:brushProperty name="width" value="0.3" units="cm"/>
+      <inkml:brushProperty name="height" value="0.6" units="cm"/>
+      <inkml:brushProperty name="color" value="#FFFC00"/>
+      <inkml:brushProperty name="tip" value="rectangle"/>
+      <inkml:brushProperty name="rasterOp" value="maskPen"/>
+      <inkml:brushProperty name="ignorePressure" value="1"/>
+    </inkml:brush>
+  </inkml:definitions>
+  <inkml:trace contextRef="#ctx0" brushRef="#br0">13003 211,'0'-1,"0"0,0 0,0 0,-1 0,1 1,0-1,-1 0,1 0,-1 0,1 0,-1 0,0 1,1-1,-1 0,0 1,1-1,-1 0,0 1,0-1,0 1,1-1,-1 1,0-1,0 1,0 0,-2-1,-28-6,25 6,-73-7,0 4,-95 6,59 0,-3584 1,1907-5,792 2,790-17,29 0,-93 16,-13 0,197-3,-103-19,84 5,-2 4,-135 1,-1238 16,897-3,519-4,-1-3,-80-18,72 11,-94-6,-352 18,262 5,-471-4,699 3,1 2,-40 8,55-9,-17 4</inkml:trace>
+</inkml:ink>
+</file>
+
+<file path=ppt/ink/ink2.xml><?xml version="1.0" encoding="utf-8"?>
+<inkml:ink xmlns:inkml="http://www.w3.org/2003/InkML">
+  <inkml:definitions>
+    <inkml:context xml:id="ctx0">
+      <inkml:inkSource xml:id="inkSrc0">
+        <inkml:traceFormat>
+          <inkml:channel name="X" type="integer" min="-2.14748E9" max="2.14748E9" units="cm"/>
+          <inkml:channel name="Y" type="integer" min="-2.14748E9" max="2.14748E9" units="cm"/>
+        </inkml:traceFormat>
+        <inkml:channelProperties>
+          <inkml:channelProperty channel="X" name="resolution" value="1000" units="1/cm"/>
+          <inkml:channelProperty channel="Y" name="resolution" value="1000" units="1/cm"/>
+        </inkml:channelProperties>
+      </inkml:inkSource>
+      <inkml:timestamp xml:id="ts0" timeString="2025-05-19T14:56:55.259"/>
+    </inkml:context>
+    <inkml:brush xml:id="br0">
+      <inkml:brushProperty name="width" value="0.3" units="cm"/>
+      <inkml:brushProperty name="height" value="0.6" units="cm"/>
+      <inkml:brushProperty name="color" value="#FFFC00"/>
+      <inkml:brushProperty name="tip" value="rectangle"/>
+      <inkml:brushProperty name="rasterOp" value="maskPen"/>
+      <inkml:brushProperty name="ignorePressure" value="1"/>
+    </inkml:brush>
+  </inkml:definitions>
+  <inkml:trace contextRef="#ctx0" brushRef="#br0">13254 1,'-307'17,"60"-2,-1011-8,698-10,-10289 3,10817 0</inkml:trace>
+</inkml:ink>
 </file>
 
 <file path=ppt/notesMasters/notesMaster1.xml><?xml version="1.0" encoding="utf-8"?>
@@ -746,7 +811,7 @@
               <a:pPr>
                 <a:defRPr/>
               </a:pPr>
-              <a:t>2/26/2024</a:t>
+              <a:t>5/27/2025</a:t>
             </a:fld>
             <a:endParaRPr lang="en-US"/>
           </a:p>
@@ -1631,7 +1696,7 @@
               <a:pPr>
                 <a:defRPr/>
               </a:pPr>
-              <a:t>Monday, February 26, 2024</a:t>
+              <a:t>Tuesday, May 27, 2025</a:t>
             </a:fld>
             <a:endParaRPr lang="en-US" dirty="0"/>
           </a:p>
@@ -1814,7 +1879,7 @@
               <a:pPr>
                 <a:defRPr/>
               </a:pPr>
-              <a:t>Monday, February 26, 2024</a:t>
+              <a:t>Tuesday, May 27, 2025</a:t>
             </a:fld>
             <a:endParaRPr lang="en-US" dirty="0"/>
           </a:p>
@@ -2007,7 +2072,7 @@
               <a:pPr>
                 <a:defRPr/>
               </a:pPr>
-              <a:t>Monday, February 26, 2024</a:t>
+              <a:t>Tuesday, May 27, 2025</a:t>
             </a:fld>
             <a:endParaRPr lang="en-US" dirty="0"/>
           </a:p>
@@ -2295,7 +2360,7 @@
               <a:pPr>
                 <a:defRPr/>
               </a:pPr>
-              <a:t>Monday, February 26, 2024</a:t>
+              <a:t>Tuesday, May 27, 2025</a:t>
             </a:fld>
             <a:endParaRPr lang="en-US" dirty="0"/>
           </a:p>
@@ -2555,7 +2620,7 @@
               <a:pPr>
                 <a:defRPr/>
               </a:pPr>
-              <a:t>Monday, February 26, 2024</a:t>
+              <a:t>Tuesday, May 27, 2025</a:t>
             </a:fld>
             <a:endParaRPr lang="en-US"/>
           </a:p>
@@ -2855,7 +2920,7 @@
               <a:pPr>
                 <a:defRPr/>
               </a:pPr>
-              <a:t>Monday, February 26, 2024</a:t>
+              <a:t>Tuesday, May 27, 2025</a:t>
             </a:fld>
             <a:endParaRPr lang="en-US"/>
           </a:p>
@@ -3289,7 +3354,7 @@
               <a:pPr>
                 <a:defRPr/>
               </a:pPr>
-              <a:t>Monday, February 26, 2024</a:t>
+              <a:t>Tuesday, May 27, 2025</a:t>
             </a:fld>
             <a:endParaRPr lang="en-US"/>
           </a:p>
@@ -3421,7 +3486,7 @@
               <a:pPr>
                 <a:defRPr/>
               </a:pPr>
-              <a:t>Monday, February 26, 2024</a:t>
+              <a:t>Tuesday, May 27, 2025</a:t>
             </a:fld>
             <a:endParaRPr lang="en-US"/>
           </a:p>
@@ -3531,7 +3596,7 @@
               <a:pPr>
                 <a:defRPr/>
               </a:pPr>
-              <a:t>Monday, February 26, 2024</a:t>
+              <a:t>Tuesday, May 27, 2025</a:t>
             </a:fld>
             <a:endParaRPr lang="en-US" dirty="0"/>
           </a:p>
@@ -3821,7 +3886,7 @@
               <a:pPr>
                 <a:defRPr/>
               </a:pPr>
-              <a:t>Monday, February 26, 2024</a:t>
+              <a:t>Tuesday, May 27, 2025</a:t>
             </a:fld>
             <a:endParaRPr lang="en-US"/>
           </a:p>
@@ -4088,7 +4153,7 @@
               <a:pPr>
                 <a:defRPr/>
               </a:pPr>
-              <a:t>Monday, February 26, 2024</a:t>
+              <a:t>Tuesday, May 27, 2025</a:t>
             </a:fld>
             <a:endParaRPr lang="en-US"/>
           </a:p>
@@ -4314,7 +4379,7 @@
               <a:pPr>
                 <a:defRPr/>
               </a:pPr>
-              <a:t>Monday, February 26, 2024</a:t>
+              <a:t>Tuesday, May 27, 2025</a:t>
             </a:fld>
             <a:endParaRPr lang="en-US" dirty="0"/>
           </a:p>
@@ -4790,6 +4855,1558 @@
 </p:sld>
 </file>
 
+<file path=ppt/slides/slide10.xml><?xml version="1.0" encoding="utf-8"?>
+<p:sld xmlns:a="http://schemas.openxmlformats.org/drawingml/2006/main" xmlns:r="http://schemas.openxmlformats.org/officeDocument/2006/relationships" xmlns:p="http://schemas.openxmlformats.org/presentationml/2006/main">
+  <p:cSld>
+    <p:spTree>
+      <p:nvGrpSpPr>
+        <p:cNvPr id="1" name=""/>
+        <p:cNvGrpSpPr/>
+        <p:nvPr/>
+      </p:nvGrpSpPr>
+      <p:grpSpPr>
+        <a:xfrm>
+          <a:off x="0" y="0"/>
+          <a:ext cx="0" cy="0"/>
+          <a:chOff x="0" y="0"/>
+          <a:chExt cx="0" cy="0"/>
+        </a:xfrm>
+      </p:grpSpPr>
+      <p:pic>
+        <p:nvPicPr>
+          <p:cNvPr id="3" name="Picture 2">
+            <a:extLst>
+              <a:ext uri="{FF2B5EF4-FFF2-40B4-BE49-F238E27FC236}">
+                <a16:creationId xmlns:a16="http://schemas.microsoft.com/office/drawing/2014/main" id="{0436FEA8-4D46-FF54-2F31-1567F308DACA}"/>
+              </a:ext>
+            </a:extLst>
+          </p:cNvPr>
+          <p:cNvPicPr>
+            <a:picLocks noChangeAspect="1"/>
+          </p:cNvPicPr>
+          <p:nvPr/>
+        </p:nvPicPr>
+        <p:blipFill rotWithShape="1">
+          <a:blip r:embed="rId2"/>
+          <a:srcRect r="9368"/>
+          <a:stretch/>
+        </p:blipFill>
+        <p:spPr>
+          <a:xfrm>
+            <a:off x="473553" y="2638444"/>
+            <a:ext cx="7628993" cy="955178"/>
+          </a:xfrm>
+          <a:prstGeom prst="rect">
+            <a:avLst/>
+          </a:prstGeom>
+        </p:spPr>
+      </p:pic>
+      <p:sp>
+        <p:nvSpPr>
+          <p:cNvPr id="8" name="TextBox 7">
+            <a:extLst>
+              <a:ext uri="{FF2B5EF4-FFF2-40B4-BE49-F238E27FC236}">
+                <a16:creationId xmlns:a16="http://schemas.microsoft.com/office/drawing/2014/main" id="{1603417F-1070-891B-9A45-28978BAE31C8}"/>
+              </a:ext>
+            </a:extLst>
+          </p:cNvPr>
+          <p:cNvSpPr txBox="1"/>
+          <p:nvPr/>
+        </p:nvSpPr>
+        <p:spPr>
+          <a:xfrm>
+            <a:off x="1029486" y="609600"/>
+            <a:ext cx="6971513" cy="1754326"/>
+          </a:xfrm>
+          <a:prstGeom prst="rect">
+            <a:avLst/>
+          </a:prstGeom>
+          <a:noFill/>
+        </p:spPr>
+        <p:txBody>
+          <a:bodyPr wrap="square" rtlCol="0">
+            <a:spAutoFit/>
+          </a:bodyPr>
+          <a:lstStyle/>
+          <a:p>
+            <a:r>
+              <a:rPr lang="en-US" sz="3600" dirty="0"/>
+              <a:t>Student Voted Awards!</a:t>
+            </a:r>
+          </a:p>
+          <a:p>
+            <a:endParaRPr lang="en-US" sz="3600" dirty="0"/>
+          </a:p>
+          <a:p>
+            <a:r>
+              <a:rPr lang="en-US" sz="3600" dirty="0"/>
+              <a:t>+5 Incentive Points Each!</a:t>
+            </a:r>
+          </a:p>
+        </p:txBody>
+      </p:sp>
+      <p:pic>
+        <p:nvPicPr>
+          <p:cNvPr id="9" name="Picture 8">
+            <a:extLst>
+              <a:ext uri="{FF2B5EF4-FFF2-40B4-BE49-F238E27FC236}">
+                <a16:creationId xmlns:a16="http://schemas.microsoft.com/office/drawing/2014/main" id="{AB689CDE-42AA-EA0C-A7D6-FEDFF0473105}"/>
+              </a:ext>
+            </a:extLst>
+          </p:cNvPr>
+          <p:cNvPicPr>
+            <a:picLocks noChangeAspect="1"/>
+          </p:cNvPicPr>
+          <p:nvPr/>
+        </p:nvPicPr>
+        <p:blipFill rotWithShape="1">
+          <a:blip r:embed="rId3"/>
+          <a:srcRect r="17533"/>
+          <a:stretch/>
+        </p:blipFill>
+        <p:spPr>
+          <a:xfrm>
+            <a:off x="438542" y="3741967"/>
+            <a:ext cx="8382000" cy="1235627"/>
+          </a:xfrm>
+          <a:prstGeom prst="rect">
+            <a:avLst/>
+          </a:prstGeom>
+        </p:spPr>
+      </p:pic>
+      <p:pic>
+        <p:nvPicPr>
+          <p:cNvPr id="11" name="Picture 10">
+            <a:extLst>
+              <a:ext uri="{FF2B5EF4-FFF2-40B4-BE49-F238E27FC236}">
+                <a16:creationId xmlns:a16="http://schemas.microsoft.com/office/drawing/2014/main" id="{5BF6B350-CAEA-44D0-B103-F19761D2CBEE}"/>
+              </a:ext>
+            </a:extLst>
+          </p:cNvPr>
+          <p:cNvPicPr>
+            <a:picLocks noChangeAspect="1"/>
+          </p:cNvPicPr>
+          <p:nvPr/>
+        </p:nvPicPr>
+        <p:blipFill rotWithShape="1">
+          <a:blip r:embed="rId4"/>
+          <a:srcRect r="9616"/>
+          <a:stretch/>
+        </p:blipFill>
+        <p:spPr>
+          <a:xfrm>
+            <a:off x="417418" y="5125939"/>
+            <a:ext cx="8153400" cy="981217"/>
+          </a:xfrm>
+          <a:prstGeom prst="rect">
+            <a:avLst/>
+          </a:prstGeom>
+        </p:spPr>
+      </p:pic>
+      <p:sp>
+        <p:nvSpPr>
+          <p:cNvPr id="2" name="TextBox 1">
+            <a:extLst>
+              <a:ext uri="{FF2B5EF4-FFF2-40B4-BE49-F238E27FC236}">
+                <a16:creationId xmlns:a16="http://schemas.microsoft.com/office/drawing/2014/main" id="{E2D9AC97-1790-C4F8-D57A-7851490B5772}"/>
+              </a:ext>
+            </a:extLst>
+          </p:cNvPr>
+          <p:cNvSpPr txBox="1"/>
+          <p:nvPr/>
+        </p:nvSpPr>
+        <p:spPr>
+          <a:xfrm>
+            <a:off x="1676400" y="5867399"/>
+            <a:ext cx="3962400" cy="369332"/>
+          </a:xfrm>
+          <a:prstGeom prst="rect">
+            <a:avLst/>
+          </a:prstGeom>
+          <a:noFill/>
+        </p:spPr>
+        <p:txBody>
+          <a:bodyPr wrap="square" rtlCol="0">
+            <a:spAutoFit/>
+          </a:bodyPr>
+          <a:lstStyle/>
+          <a:p>
+            <a:r>
+              <a:rPr lang="en-US" b="1" i="1" dirty="0"/>
+              <a:t>Experiment Explanation for GARP</a:t>
+            </a:r>
+          </a:p>
+        </p:txBody>
+      </p:sp>
+    </p:spTree>
+    <p:extLst>
+      <p:ext uri="{BB962C8B-B14F-4D97-AF65-F5344CB8AC3E}">
+        <p14:creationId xmlns:p14="http://schemas.microsoft.com/office/powerpoint/2010/main" val="3406555752"/>
+      </p:ext>
+    </p:extLst>
+  </p:cSld>
+  <p:clrMapOvr>
+    <a:masterClrMapping/>
+  </p:clrMapOvr>
+</p:sld>
+</file>
+
+<file path=ppt/slides/slide11.xml><?xml version="1.0" encoding="utf-8"?>
+<p:sld xmlns:a="http://schemas.openxmlformats.org/drawingml/2006/main" xmlns:r="http://schemas.openxmlformats.org/officeDocument/2006/relationships" xmlns:p="http://schemas.openxmlformats.org/presentationml/2006/main">
+  <p:cSld>
+    <p:spTree>
+      <p:nvGrpSpPr>
+        <p:cNvPr id="1" name=""/>
+        <p:cNvGrpSpPr/>
+        <p:nvPr/>
+      </p:nvGrpSpPr>
+      <p:grpSpPr>
+        <a:xfrm>
+          <a:off x="0" y="0"/>
+          <a:ext cx="0" cy="0"/>
+          <a:chOff x="0" y="0"/>
+          <a:chExt cx="0" cy="0"/>
+        </a:xfrm>
+      </p:grpSpPr>
+      <p:pic>
+        <p:nvPicPr>
+          <p:cNvPr id="3" name="Picture 2">
+            <a:extLst>
+              <a:ext uri="{FF2B5EF4-FFF2-40B4-BE49-F238E27FC236}">
+                <a16:creationId xmlns:a16="http://schemas.microsoft.com/office/drawing/2014/main" id="{3A216E78-375A-9508-40DD-3FE4A041E78D}"/>
+              </a:ext>
+            </a:extLst>
+          </p:cNvPr>
+          <p:cNvPicPr>
+            <a:picLocks noChangeAspect="1"/>
+          </p:cNvPicPr>
+          <p:nvPr/>
+        </p:nvPicPr>
+        <p:blipFill>
+          <a:blip r:embed="rId2"/>
+          <a:stretch>
+            <a:fillRect/>
+          </a:stretch>
+        </p:blipFill>
+        <p:spPr>
+          <a:xfrm>
+            <a:off x="2062620" y="767146"/>
+            <a:ext cx="4724400" cy="931572"/>
+          </a:xfrm>
+          <a:prstGeom prst="rect">
+            <a:avLst/>
+          </a:prstGeom>
+        </p:spPr>
+      </p:pic>
+      <p:pic>
+        <p:nvPicPr>
+          <p:cNvPr id="5" name="Picture 4">
+            <a:extLst>
+              <a:ext uri="{FF2B5EF4-FFF2-40B4-BE49-F238E27FC236}">
+                <a16:creationId xmlns:a16="http://schemas.microsoft.com/office/drawing/2014/main" id="{8C6D77F2-AF58-A0C9-D9FC-C5FF012C635E}"/>
+              </a:ext>
+            </a:extLst>
+          </p:cNvPr>
+          <p:cNvPicPr>
+            <a:picLocks noChangeAspect="1"/>
+          </p:cNvPicPr>
+          <p:nvPr/>
+        </p:nvPicPr>
+        <p:blipFill>
+          <a:blip r:embed="rId3"/>
+          <a:stretch>
+            <a:fillRect/>
+          </a:stretch>
+        </p:blipFill>
+        <p:spPr>
+          <a:xfrm>
+            <a:off x="1524000" y="1536587"/>
+            <a:ext cx="6019800" cy="5249266"/>
+          </a:xfrm>
+          <a:prstGeom prst="rect">
+            <a:avLst/>
+          </a:prstGeom>
+        </p:spPr>
+      </p:pic>
+      <p:sp>
+        <p:nvSpPr>
+          <p:cNvPr id="7" name="TextBox 6">
+            <a:extLst>
+              <a:ext uri="{FF2B5EF4-FFF2-40B4-BE49-F238E27FC236}">
+                <a16:creationId xmlns:a16="http://schemas.microsoft.com/office/drawing/2014/main" id="{81480413-AB5F-B96B-DFA4-98D86392BEE3}"/>
+              </a:ext>
+            </a:extLst>
+          </p:cNvPr>
+          <p:cNvSpPr txBox="1"/>
+          <p:nvPr/>
+        </p:nvSpPr>
+        <p:spPr>
+          <a:xfrm>
+            <a:off x="304800" y="234968"/>
+            <a:ext cx="8458200" cy="769441"/>
+          </a:xfrm>
+          <a:prstGeom prst="rect">
+            <a:avLst/>
+          </a:prstGeom>
+          <a:noFill/>
+        </p:spPr>
+        <p:txBody>
+          <a:bodyPr wrap="square">
+            <a:spAutoFit/>
+          </a:bodyPr>
+          <a:lstStyle/>
+          <a:p>
+            <a:pPr algn="ctr"/>
+            <a:r>
+              <a:rPr lang="en-US" sz="4400" dirty="0"/>
+              <a:t>Submit Slides on </a:t>
+            </a:r>
+            <a:r>
+              <a:rPr lang="en-US" sz="4400" dirty="0" err="1"/>
+              <a:t>GradeScope</a:t>
+            </a:r>
+            <a:endParaRPr lang="en-US" sz="4400" dirty="0"/>
+          </a:p>
+        </p:txBody>
+      </p:sp>
+    </p:spTree>
+    <p:extLst>
+      <p:ext uri="{BB962C8B-B14F-4D97-AF65-F5344CB8AC3E}">
+        <p14:creationId xmlns:p14="http://schemas.microsoft.com/office/powerpoint/2010/main" val="2222900897"/>
+      </p:ext>
+    </p:extLst>
+  </p:cSld>
+  <p:clrMapOvr>
+    <a:masterClrMapping/>
+  </p:clrMapOvr>
+</p:sld>
+</file>
+
+<file path=ppt/slides/slide12.xml><?xml version="1.0" encoding="utf-8"?>
+<p:sld xmlns:a="http://schemas.openxmlformats.org/drawingml/2006/main" xmlns:r="http://schemas.openxmlformats.org/officeDocument/2006/relationships" xmlns:p="http://schemas.openxmlformats.org/presentationml/2006/main">
+  <p:cSld>
+    <p:spTree>
+      <p:nvGrpSpPr>
+        <p:cNvPr id="1" name=""/>
+        <p:cNvGrpSpPr/>
+        <p:nvPr/>
+      </p:nvGrpSpPr>
+      <p:grpSpPr>
+        <a:xfrm>
+          <a:off x="0" y="0"/>
+          <a:ext cx="0" cy="0"/>
+          <a:chOff x="0" y="0"/>
+          <a:chExt cx="0" cy="0"/>
+        </a:xfrm>
+      </p:grpSpPr>
+      <p:sp>
+        <p:nvSpPr>
+          <p:cNvPr id="2" name="Title 1">
+            <a:extLst>
+              <a:ext uri="{FF2B5EF4-FFF2-40B4-BE49-F238E27FC236}">
+                <a16:creationId xmlns:a16="http://schemas.microsoft.com/office/drawing/2014/main" id="{02D20119-86D1-EE38-5434-124396D588AE}"/>
+              </a:ext>
+            </a:extLst>
+          </p:cNvPr>
+          <p:cNvSpPr>
+            <a:spLocks noGrp="1"/>
+          </p:cNvSpPr>
+          <p:nvPr>
+            <p:ph type="title"/>
+          </p:nvPr>
+        </p:nvSpPr>
+        <p:spPr>
+          <a:xfrm>
+            <a:off x="417399" y="643467"/>
+            <a:ext cx="8408193" cy="744836"/>
+          </a:xfrm>
+        </p:spPr>
+        <p:txBody>
+          <a:bodyPr vert="horz" lIns="91440" tIns="45720" rIns="91440" bIns="45720" rtlCol="0" anchor="ctr">
+            <a:normAutofit/>
+          </a:bodyPr>
+          <a:lstStyle/>
+          <a:p>
+            <a:pPr>
+              <a:lnSpc>
+                <a:spcPct val="90000"/>
+              </a:lnSpc>
+            </a:pPr>
+            <a:r>
+              <a:rPr lang="en-US" sz="2800" kern="1200" dirty="0">
+                <a:latin typeface="+mj-lt"/>
+                <a:ea typeface="+mj-ea"/>
+                <a:cs typeface="+mj-cs"/>
+              </a:rPr>
+              <a:t>Just for fun.. for making it through the end of term</a:t>
+            </a:r>
+          </a:p>
+        </p:txBody>
+      </p:sp>
+      <p:pic>
+        <p:nvPicPr>
+          <p:cNvPr id="4" name="Online Media 3" title="NANOWAR OF STEEL - HelloWorld.java (Source Code Video) | Napalm Records">
+            <a:hlinkClick r:id="" action="ppaction://media"/>
+            <a:extLst>
+              <a:ext uri="{FF2B5EF4-FFF2-40B4-BE49-F238E27FC236}">
+                <a16:creationId xmlns:a16="http://schemas.microsoft.com/office/drawing/2014/main" id="{FE1631CD-96ED-33B2-1F55-7D4CB112E914}"/>
+              </a:ext>
+            </a:extLst>
+          </p:cNvPr>
+          <p:cNvPicPr>
+            <a:picLocks noGrp="1" noRot="1" noChangeAspect="1"/>
+          </p:cNvPicPr>
+          <p:nvPr>
+            <p:ph idx="1"/>
+            <a:videoFile r:link="rId1"/>
+          </p:nvPr>
+        </p:nvPicPr>
+        <p:blipFill>
+          <a:blip r:embed="rId3"/>
+          <a:stretch>
+            <a:fillRect/>
+          </a:stretch>
+        </p:blipFill>
+        <p:spPr>
+          <a:xfrm>
+            <a:off x="683328" y="1675227"/>
+            <a:ext cx="7777343" cy="4394199"/>
+          </a:xfrm>
+          <a:prstGeom prst="rect">
+            <a:avLst/>
+          </a:prstGeom>
+        </p:spPr>
+      </p:pic>
+    </p:spTree>
+    <p:extLst>
+      <p:ext uri="{BB962C8B-B14F-4D97-AF65-F5344CB8AC3E}">
+        <p14:creationId xmlns:p14="http://schemas.microsoft.com/office/powerpoint/2010/main" val="2914153423"/>
+      </p:ext>
+    </p:extLst>
+  </p:cSld>
+  <p:clrMapOvr>
+    <a:masterClrMapping/>
+  </p:clrMapOvr>
+  <p:timing>
+    <p:tnLst>
+      <p:par>
+        <p:cTn id="1" dur="indefinite" restart="never" nodeType="tmRoot">
+          <p:childTnLst>
+            <p:seq concurrent="1" nextAc="seek">
+              <p:cTn id="2" dur="indefinite" nodeType="mainSeq">
+                <p:childTnLst>
+                  <p:par>
+                    <p:cTn id="3" fill="hold">
+                      <p:stCondLst>
+                        <p:cond delay="indefinite"/>
+                      </p:stCondLst>
+                      <p:childTnLst>
+                        <p:par>
+                          <p:cTn id="4" fill="hold">
+                            <p:stCondLst>
+                              <p:cond delay="0"/>
+                            </p:stCondLst>
+                            <p:childTnLst>
+                              <p:par>
+                                <p:cTn id="5" presetID="1" presetClass="mediacall" presetSubtype="0" fill="hold" nodeType="clickEffect">
+                                  <p:stCondLst>
+                                    <p:cond delay="0"/>
+                                  </p:stCondLst>
+                                  <p:childTnLst>
+                                    <p:cmd type="call" cmd="playFrom(0.0)">
+                                      <p:cBhvr>
+                                        <p:cTn id="6" dur="1" fill="hold"/>
+                                        <p:tgtEl>
+                                          <p:spTgt spid="4"/>
+                                        </p:tgtEl>
+                                      </p:cBhvr>
+                                    </p:cmd>
+                                  </p:childTnLst>
+                                </p:cTn>
+                              </p:par>
+                            </p:childTnLst>
+                          </p:cTn>
+                        </p:par>
+                      </p:childTnLst>
+                    </p:cTn>
+                  </p:par>
+                </p:childTnLst>
+              </p:cTn>
+              <p:prevCondLst>
+                <p:cond evt="onPrev" delay="0">
+                  <p:tgtEl>
+                    <p:sldTgt/>
+                  </p:tgtEl>
+                </p:cond>
+              </p:prevCondLst>
+              <p:nextCondLst>
+                <p:cond evt="onNext" delay="0">
+                  <p:tgtEl>
+                    <p:sldTgt/>
+                  </p:tgtEl>
+                </p:cond>
+              </p:nextCondLst>
+            </p:seq>
+            <p:video>
+              <p:cMediaNode vol="80000">
+                <p:cTn id="7" fill="hold" display="0">
+                  <p:stCondLst>
+                    <p:cond delay="indefinite"/>
+                  </p:stCondLst>
+                </p:cTn>
+                <p:tgtEl>
+                  <p:spTgt spid="4"/>
+                </p:tgtEl>
+              </p:cMediaNode>
+            </p:video>
+            <p:seq concurrent="1" nextAc="seek">
+              <p:cTn id="8" restart="whenNotActive" fill="hold" evtFilter="cancelBubble" nodeType="interactiveSeq">
+                <p:stCondLst>
+                  <p:cond evt="onClick" delay="0">
+                    <p:tgtEl>
+                      <p:spTgt spid="4"/>
+                    </p:tgtEl>
+                  </p:cond>
+                </p:stCondLst>
+                <p:endSync evt="end" delay="0">
+                  <p:rtn val="all"/>
+                </p:endSync>
+                <p:childTnLst>
+                  <p:par>
+                    <p:cTn id="9" fill="hold">
+                      <p:stCondLst>
+                        <p:cond delay="0"/>
+                      </p:stCondLst>
+                      <p:childTnLst>
+                        <p:par>
+                          <p:cTn id="10" fill="hold">
+                            <p:stCondLst>
+                              <p:cond delay="0"/>
+                            </p:stCondLst>
+                            <p:childTnLst>
+                              <p:par>
+                                <p:cTn id="11" presetID="2" presetClass="mediacall" presetSubtype="0" fill="hold" nodeType="clickEffect">
+                                  <p:stCondLst>
+                                    <p:cond delay="0"/>
+                                  </p:stCondLst>
+                                  <p:childTnLst>
+                                    <p:cmd type="call" cmd="togglePause">
+                                      <p:cBhvr>
+                                        <p:cTn id="12" dur="1" fill="hold"/>
+                                        <p:tgtEl>
+                                          <p:spTgt spid="4"/>
+                                        </p:tgtEl>
+                                      </p:cBhvr>
+                                    </p:cmd>
+                                  </p:childTnLst>
+                                </p:cTn>
+                              </p:par>
+                            </p:childTnLst>
+                          </p:cTn>
+                        </p:par>
+                      </p:childTnLst>
+                    </p:cTn>
+                  </p:par>
+                </p:childTnLst>
+              </p:cTn>
+              <p:nextCondLst>
+                <p:cond evt="onClick" delay="0">
+                  <p:tgtEl>
+                    <p:spTgt spid="4"/>
+                  </p:tgtEl>
+                </p:cond>
+              </p:nextCondLst>
+            </p:seq>
+          </p:childTnLst>
+        </p:cTn>
+      </p:par>
+    </p:tnLst>
+  </p:timing>
+</p:sld>
+</file>
+
+<file path=ppt/slides/slide13.xml><?xml version="1.0" encoding="utf-8"?>
+<p:sld xmlns:a="http://schemas.openxmlformats.org/drawingml/2006/main" xmlns:r="http://schemas.openxmlformats.org/officeDocument/2006/relationships" xmlns:p="http://schemas.openxmlformats.org/presentationml/2006/main">
+  <p:cSld>
+    <p:spTree>
+      <p:nvGrpSpPr>
+        <p:cNvPr id="1" name=""/>
+        <p:cNvGrpSpPr/>
+        <p:nvPr/>
+      </p:nvGrpSpPr>
+      <p:grpSpPr>
+        <a:xfrm>
+          <a:off x="0" y="0"/>
+          <a:ext cx="0" cy="0"/>
+          <a:chOff x="0" y="0"/>
+          <a:chExt cx="0" cy="0"/>
+        </a:xfrm>
+      </p:grpSpPr>
+      <p:sp>
+        <p:nvSpPr>
+          <p:cNvPr id="2" name="Title 1">
+            <a:extLst>
+              <a:ext uri="{FF2B5EF4-FFF2-40B4-BE49-F238E27FC236}">
+                <a16:creationId xmlns:a16="http://schemas.microsoft.com/office/drawing/2014/main" id="{EE491AFF-09DD-1A07-7AF4-1EE521459990}"/>
+              </a:ext>
+            </a:extLst>
+          </p:cNvPr>
+          <p:cNvSpPr>
+            <a:spLocks noGrp="1"/>
+          </p:cNvSpPr>
+          <p:nvPr>
+            <p:ph type="title"/>
+          </p:nvPr>
+        </p:nvSpPr>
+        <p:spPr/>
+        <p:txBody>
+          <a:bodyPr>
+            <a:normAutofit fontScale="90000"/>
+          </a:bodyPr>
+          <a:lstStyle/>
+          <a:p>
+            <a:pPr algn="l"/>
+            <a:r>
+              <a:rPr lang="en-US" b="1" i="0" dirty="0">
+                <a:solidFill>
+                  <a:srgbClr val="0F0F0F"/>
+                </a:solidFill>
+                <a:effectLst/>
+                <a:latin typeface="Roboto" panose="02000000000000000000" pitchFamily="2" charset="0"/>
+              </a:rPr>
+              <a:t>15 Sorting Algorithms in 6 Minutes</a:t>
+            </a:r>
+          </a:p>
+        </p:txBody>
+      </p:sp>
+      <p:pic>
+        <p:nvPicPr>
+          <p:cNvPr id="4" name="Online Media 3" title="15 Sorting Algorithms in 6 Minutes">
+            <a:hlinkClick r:id="" action="ppaction://media"/>
+            <a:extLst>
+              <a:ext uri="{FF2B5EF4-FFF2-40B4-BE49-F238E27FC236}">
+                <a16:creationId xmlns:a16="http://schemas.microsoft.com/office/drawing/2014/main" id="{0B4C526D-29CF-6EB1-455F-4FC68C99B839}"/>
+              </a:ext>
+            </a:extLst>
+          </p:cNvPr>
+          <p:cNvPicPr>
+            <a:picLocks noGrp="1" noRot="1" noChangeAspect="1"/>
+          </p:cNvPicPr>
+          <p:nvPr>
+            <p:ph idx="1"/>
+            <a:videoFile r:link="rId1"/>
+          </p:nvPr>
+        </p:nvPicPr>
+        <p:blipFill>
+          <a:blip r:embed="rId3"/>
+          <a:stretch>
+            <a:fillRect/>
+          </a:stretch>
+        </p:blipFill>
+        <p:spPr>
+          <a:xfrm>
+            <a:off x="563563" y="1600200"/>
+            <a:ext cx="8016875" cy="4525963"/>
+          </a:xfrm>
+          <a:prstGeom prst="rect">
+            <a:avLst/>
+          </a:prstGeom>
+        </p:spPr>
+      </p:pic>
+    </p:spTree>
+    <p:extLst>
+      <p:ext uri="{BB962C8B-B14F-4D97-AF65-F5344CB8AC3E}">
+        <p14:creationId xmlns:p14="http://schemas.microsoft.com/office/powerpoint/2010/main" val="1482212353"/>
+      </p:ext>
+    </p:extLst>
+  </p:cSld>
+  <p:clrMapOvr>
+    <a:masterClrMapping/>
+  </p:clrMapOvr>
+  <p:timing>
+    <p:tnLst>
+      <p:par>
+        <p:cTn id="1" dur="indefinite" restart="never" nodeType="tmRoot">
+          <p:childTnLst>
+            <p:seq concurrent="1" nextAc="seek">
+              <p:cTn id="2" dur="indefinite" nodeType="mainSeq">
+                <p:childTnLst>
+                  <p:par>
+                    <p:cTn id="3" fill="hold">
+                      <p:stCondLst>
+                        <p:cond delay="indefinite"/>
+                      </p:stCondLst>
+                      <p:childTnLst>
+                        <p:par>
+                          <p:cTn id="4" fill="hold">
+                            <p:stCondLst>
+                              <p:cond delay="0"/>
+                            </p:stCondLst>
+                            <p:childTnLst>
+                              <p:par>
+                                <p:cTn id="5" presetID="1" presetClass="mediacall" presetSubtype="0" fill="hold" nodeType="clickEffect">
+                                  <p:stCondLst>
+                                    <p:cond delay="0"/>
+                                  </p:stCondLst>
+                                  <p:childTnLst>
+                                    <p:cmd type="call" cmd="playFrom(0.0)">
+                                      <p:cBhvr>
+                                        <p:cTn id="6" dur="1" fill="hold"/>
+                                        <p:tgtEl>
+                                          <p:spTgt spid="4"/>
+                                        </p:tgtEl>
+                                      </p:cBhvr>
+                                    </p:cmd>
+                                  </p:childTnLst>
+                                </p:cTn>
+                              </p:par>
+                            </p:childTnLst>
+                          </p:cTn>
+                        </p:par>
+                      </p:childTnLst>
+                    </p:cTn>
+                  </p:par>
+                </p:childTnLst>
+              </p:cTn>
+              <p:prevCondLst>
+                <p:cond evt="onPrev" delay="0">
+                  <p:tgtEl>
+                    <p:sldTgt/>
+                  </p:tgtEl>
+                </p:cond>
+              </p:prevCondLst>
+              <p:nextCondLst>
+                <p:cond evt="onNext" delay="0">
+                  <p:tgtEl>
+                    <p:sldTgt/>
+                  </p:tgtEl>
+                </p:cond>
+              </p:nextCondLst>
+            </p:seq>
+            <p:video>
+              <p:cMediaNode vol="80000">
+                <p:cTn id="7" fill="hold" display="0">
+                  <p:stCondLst>
+                    <p:cond delay="indefinite"/>
+                  </p:stCondLst>
+                </p:cTn>
+                <p:tgtEl>
+                  <p:spTgt spid="4"/>
+                </p:tgtEl>
+              </p:cMediaNode>
+            </p:video>
+            <p:seq concurrent="1" nextAc="seek">
+              <p:cTn id="8" restart="whenNotActive" fill="hold" evtFilter="cancelBubble" nodeType="interactiveSeq">
+                <p:stCondLst>
+                  <p:cond evt="onClick" delay="0">
+                    <p:tgtEl>
+                      <p:spTgt spid="4"/>
+                    </p:tgtEl>
+                  </p:cond>
+                </p:stCondLst>
+                <p:endSync evt="end" delay="0">
+                  <p:rtn val="all"/>
+                </p:endSync>
+                <p:childTnLst>
+                  <p:par>
+                    <p:cTn id="9" fill="hold">
+                      <p:stCondLst>
+                        <p:cond delay="0"/>
+                      </p:stCondLst>
+                      <p:childTnLst>
+                        <p:par>
+                          <p:cTn id="10" fill="hold">
+                            <p:stCondLst>
+                              <p:cond delay="0"/>
+                            </p:stCondLst>
+                            <p:childTnLst>
+                              <p:par>
+                                <p:cTn id="11" presetID="2" presetClass="mediacall" presetSubtype="0" fill="hold" nodeType="clickEffect">
+                                  <p:stCondLst>
+                                    <p:cond delay="0"/>
+                                  </p:stCondLst>
+                                  <p:childTnLst>
+                                    <p:cmd type="call" cmd="togglePause">
+                                      <p:cBhvr>
+                                        <p:cTn id="12" dur="1" fill="hold"/>
+                                        <p:tgtEl>
+                                          <p:spTgt spid="4"/>
+                                        </p:tgtEl>
+                                      </p:cBhvr>
+                                    </p:cmd>
+                                  </p:childTnLst>
+                                </p:cTn>
+                              </p:par>
+                            </p:childTnLst>
+                          </p:cTn>
+                        </p:par>
+                      </p:childTnLst>
+                    </p:cTn>
+                  </p:par>
+                </p:childTnLst>
+              </p:cTn>
+              <p:nextCondLst>
+                <p:cond evt="onClick" delay="0">
+                  <p:tgtEl>
+                    <p:spTgt spid="4"/>
+                  </p:tgtEl>
+                </p:cond>
+              </p:nextCondLst>
+            </p:seq>
+          </p:childTnLst>
+        </p:cTn>
+      </p:par>
+    </p:tnLst>
+  </p:timing>
+</p:sld>
+</file>
+
+<file path=ppt/slides/slide14.xml><?xml version="1.0" encoding="utf-8"?>
+<p:sld xmlns:a="http://schemas.openxmlformats.org/drawingml/2006/main" xmlns:r="http://schemas.openxmlformats.org/officeDocument/2006/relationships" xmlns:p="http://schemas.openxmlformats.org/presentationml/2006/main">
+  <p:cSld>
+    <p:spTree>
+      <p:nvGrpSpPr>
+        <p:cNvPr id="1" name=""/>
+        <p:cNvGrpSpPr/>
+        <p:nvPr/>
+      </p:nvGrpSpPr>
+      <p:grpSpPr>
+        <a:xfrm>
+          <a:off x="0" y="0"/>
+          <a:ext cx="0" cy="0"/>
+          <a:chOff x="0" y="0"/>
+          <a:chExt cx="0" cy="0"/>
+        </a:xfrm>
+      </p:grpSpPr>
+      <p:sp>
+        <p:nvSpPr>
+          <p:cNvPr id="2" name="Title 1">
+            <a:extLst>
+              <a:ext uri="{FF2B5EF4-FFF2-40B4-BE49-F238E27FC236}">
+                <a16:creationId xmlns:a16="http://schemas.microsoft.com/office/drawing/2014/main" id="{CBAE2A76-D9E7-BB77-16A1-1D2B59ED7139}"/>
+              </a:ext>
+            </a:extLst>
+          </p:cNvPr>
+          <p:cNvSpPr>
+            <a:spLocks noGrp="1"/>
+          </p:cNvSpPr>
+          <p:nvPr>
+            <p:ph type="title"/>
+          </p:nvPr>
+        </p:nvSpPr>
+        <p:spPr/>
+        <p:txBody>
+          <a:bodyPr>
+            <a:normAutofit fontScale="90000"/>
+          </a:bodyPr>
+          <a:lstStyle/>
+          <a:p>
+            <a:r>
+              <a:rPr lang="en-US" b="1" i="0" dirty="0">
+                <a:solidFill>
+                  <a:srgbClr val="0F0F0F"/>
+                </a:solidFill>
+                <a:effectLst/>
+                <a:latin typeface="Roboto" panose="02000000000000000000" pitchFamily="2" charset="0"/>
+              </a:rPr>
+              <a:t>Select-sort with Gypsy folk dance</a:t>
+            </a:r>
+            <a:endParaRPr lang="en-US" dirty="0"/>
+          </a:p>
+        </p:txBody>
+      </p:sp>
+      <p:pic>
+        <p:nvPicPr>
+          <p:cNvPr id="4" name="Online Media 3" title="Select-sort with Gypsy folk dance">
+            <a:hlinkClick r:id="" action="ppaction://media"/>
+            <a:extLst>
+              <a:ext uri="{FF2B5EF4-FFF2-40B4-BE49-F238E27FC236}">
+                <a16:creationId xmlns:a16="http://schemas.microsoft.com/office/drawing/2014/main" id="{F5AF5D53-C8F0-9177-222F-1D7D31E92010}"/>
+              </a:ext>
+            </a:extLst>
+          </p:cNvPr>
+          <p:cNvPicPr>
+            <a:picLocks noGrp="1" noRot="1" noChangeAspect="1"/>
+          </p:cNvPicPr>
+          <p:nvPr>
+            <p:ph idx="1"/>
+            <a:videoFile r:link="rId1"/>
+          </p:nvPr>
+        </p:nvPicPr>
+        <p:blipFill>
+          <a:blip r:embed="rId3"/>
+          <a:stretch>
+            <a:fillRect/>
+          </a:stretch>
+        </p:blipFill>
+        <p:spPr>
+          <a:xfrm>
+            <a:off x="563563" y="1600200"/>
+            <a:ext cx="8016875" cy="4525963"/>
+          </a:xfrm>
+          <a:prstGeom prst="rect">
+            <a:avLst/>
+          </a:prstGeom>
+        </p:spPr>
+      </p:pic>
+    </p:spTree>
+    <p:extLst>
+      <p:ext uri="{BB962C8B-B14F-4D97-AF65-F5344CB8AC3E}">
+        <p14:creationId xmlns:p14="http://schemas.microsoft.com/office/powerpoint/2010/main" val="3001200429"/>
+      </p:ext>
+    </p:extLst>
+  </p:cSld>
+  <p:clrMapOvr>
+    <a:masterClrMapping/>
+  </p:clrMapOvr>
+  <p:timing>
+    <p:tnLst>
+      <p:par>
+        <p:cTn id="1" dur="indefinite" restart="never" nodeType="tmRoot">
+          <p:childTnLst>
+            <p:seq concurrent="1" nextAc="seek">
+              <p:cTn id="2" dur="indefinite" nodeType="mainSeq">
+                <p:childTnLst>
+                  <p:par>
+                    <p:cTn id="3" fill="hold">
+                      <p:stCondLst>
+                        <p:cond delay="indefinite"/>
+                      </p:stCondLst>
+                      <p:childTnLst>
+                        <p:par>
+                          <p:cTn id="4" fill="hold">
+                            <p:stCondLst>
+                              <p:cond delay="0"/>
+                            </p:stCondLst>
+                            <p:childTnLst>
+                              <p:par>
+                                <p:cTn id="5" presetID="1" presetClass="mediacall" presetSubtype="0" fill="hold" nodeType="clickEffect">
+                                  <p:stCondLst>
+                                    <p:cond delay="0"/>
+                                  </p:stCondLst>
+                                  <p:childTnLst>
+                                    <p:cmd type="call" cmd="playFrom(0.0)">
+                                      <p:cBhvr>
+                                        <p:cTn id="6" dur="1" fill="hold"/>
+                                        <p:tgtEl>
+                                          <p:spTgt spid="4"/>
+                                        </p:tgtEl>
+                                      </p:cBhvr>
+                                    </p:cmd>
+                                  </p:childTnLst>
+                                </p:cTn>
+                              </p:par>
+                            </p:childTnLst>
+                          </p:cTn>
+                        </p:par>
+                      </p:childTnLst>
+                    </p:cTn>
+                  </p:par>
+                </p:childTnLst>
+              </p:cTn>
+              <p:prevCondLst>
+                <p:cond evt="onPrev" delay="0">
+                  <p:tgtEl>
+                    <p:sldTgt/>
+                  </p:tgtEl>
+                </p:cond>
+              </p:prevCondLst>
+              <p:nextCondLst>
+                <p:cond evt="onNext" delay="0">
+                  <p:tgtEl>
+                    <p:sldTgt/>
+                  </p:tgtEl>
+                </p:cond>
+              </p:nextCondLst>
+            </p:seq>
+            <p:video>
+              <p:cMediaNode vol="80000">
+                <p:cTn id="7" fill="hold" display="0">
+                  <p:stCondLst>
+                    <p:cond delay="indefinite"/>
+                  </p:stCondLst>
+                </p:cTn>
+                <p:tgtEl>
+                  <p:spTgt spid="4"/>
+                </p:tgtEl>
+              </p:cMediaNode>
+            </p:video>
+            <p:seq concurrent="1" nextAc="seek">
+              <p:cTn id="8" restart="whenNotActive" fill="hold" evtFilter="cancelBubble" nodeType="interactiveSeq">
+                <p:stCondLst>
+                  <p:cond evt="onClick" delay="0">
+                    <p:tgtEl>
+                      <p:spTgt spid="4"/>
+                    </p:tgtEl>
+                  </p:cond>
+                </p:stCondLst>
+                <p:endSync evt="end" delay="0">
+                  <p:rtn val="all"/>
+                </p:endSync>
+                <p:childTnLst>
+                  <p:par>
+                    <p:cTn id="9" fill="hold">
+                      <p:stCondLst>
+                        <p:cond delay="0"/>
+                      </p:stCondLst>
+                      <p:childTnLst>
+                        <p:par>
+                          <p:cTn id="10" fill="hold">
+                            <p:stCondLst>
+                              <p:cond delay="0"/>
+                            </p:stCondLst>
+                            <p:childTnLst>
+                              <p:par>
+                                <p:cTn id="11" presetID="2" presetClass="mediacall" presetSubtype="0" fill="hold" nodeType="clickEffect">
+                                  <p:stCondLst>
+                                    <p:cond delay="0"/>
+                                  </p:stCondLst>
+                                  <p:childTnLst>
+                                    <p:cmd type="call" cmd="togglePause">
+                                      <p:cBhvr>
+                                        <p:cTn id="12" dur="1" fill="hold"/>
+                                        <p:tgtEl>
+                                          <p:spTgt spid="4"/>
+                                        </p:tgtEl>
+                                      </p:cBhvr>
+                                    </p:cmd>
+                                  </p:childTnLst>
+                                </p:cTn>
+                              </p:par>
+                            </p:childTnLst>
+                          </p:cTn>
+                        </p:par>
+                      </p:childTnLst>
+                    </p:cTn>
+                  </p:par>
+                </p:childTnLst>
+              </p:cTn>
+              <p:nextCondLst>
+                <p:cond evt="onClick" delay="0">
+                  <p:tgtEl>
+                    <p:spTgt spid="4"/>
+                  </p:tgtEl>
+                </p:cond>
+              </p:nextCondLst>
+            </p:seq>
+          </p:childTnLst>
+        </p:cTn>
+      </p:par>
+    </p:tnLst>
+  </p:timing>
+</p:sld>
+</file>
+
+<file path=ppt/slides/slide15.xml><?xml version="1.0" encoding="utf-8"?>
+<p:sld xmlns:a="http://schemas.openxmlformats.org/drawingml/2006/main" xmlns:r="http://schemas.openxmlformats.org/officeDocument/2006/relationships" xmlns:p="http://schemas.openxmlformats.org/presentationml/2006/main">
+  <p:cSld>
+    <p:spTree>
+      <p:nvGrpSpPr>
+        <p:cNvPr id="1" name=""/>
+        <p:cNvGrpSpPr/>
+        <p:nvPr/>
+      </p:nvGrpSpPr>
+      <p:grpSpPr>
+        <a:xfrm>
+          <a:off x="0" y="0"/>
+          <a:ext cx="0" cy="0"/>
+          <a:chOff x="0" y="0"/>
+          <a:chExt cx="0" cy="0"/>
+        </a:xfrm>
+      </p:grpSpPr>
+      <p:sp>
+        <p:nvSpPr>
+          <p:cNvPr id="2" name="Title 1">
+            <a:extLst>
+              <a:ext uri="{FF2B5EF4-FFF2-40B4-BE49-F238E27FC236}">
+                <a16:creationId xmlns:a16="http://schemas.microsoft.com/office/drawing/2014/main" id="{18896E59-1D08-4220-7A8A-A1B9680F22AF}"/>
+              </a:ext>
+            </a:extLst>
+          </p:cNvPr>
+          <p:cNvSpPr>
+            <a:spLocks noGrp="1"/>
+          </p:cNvSpPr>
+          <p:nvPr>
+            <p:ph type="title"/>
+          </p:nvPr>
+        </p:nvSpPr>
+        <p:spPr/>
+        <p:txBody>
+          <a:bodyPr>
+            <a:noAutofit/>
+          </a:bodyPr>
+          <a:lstStyle/>
+          <a:p>
+            <a:r>
+              <a:rPr lang="en-US" sz="3600" b="1" i="0" dirty="0">
+                <a:solidFill>
+                  <a:srgbClr val="0F0F0F"/>
+                </a:solidFill>
+                <a:effectLst/>
+                <a:latin typeface="Roboto" panose="02000000000000000000" pitchFamily="2" charset="0"/>
+              </a:rPr>
+              <a:t>Insert-sort with Romanian folk dance</a:t>
+            </a:r>
+            <a:br>
+              <a:rPr lang="en-US" sz="3600" b="1" i="0" dirty="0">
+                <a:solidFill>
+                  <a:srgbClr val="0F0F0F"/>
+                </a:solidFill>
+                <a:effectLst/>
+                <a:latin typeface="Roboto" panose="02000000000000000000" pitchFamily="2" charset="0"/>
+              </a:rPr>
+            </a:br>
+            <a:endParaRPr lang="en-US" sz="3600" dirty="0"/>
+          </a:p>
+        </p:txBody>
+      </p:sp>
+      <p:pic>
+        <p:nvPicPr>
+          <p:cNvPr id="4" name="Online Media 3" title="Insert-sort with Romanian folk dance">
+            <a:hlinkClick r:id="" action="ppaction://media"/>
+            <a:extLst>
+              <a:ext uri="{FF2B5EF4-FFF2-40B4-BE49-F238E27FC236}">
+                <a16:creationId xmlns:a16="http://schemas.microsoft.com/office/drawing/2014/main" id="{487A1411-E0F3-6DA2-EFCB-5A34FC9DEA25}"/>
+              </a:ext>
+            </a:extLst>
+          </p:cNvPr>
+          <p:cNvPicPr>
+            <a:picLocks noGrp="1" noRot="1" noChangeAspect="1"/>
+          </p:cNvPicPr>
+          <p:nvPr>
+            <p:ph idx="1"/>
+            <a:videoFile r:link="rId1"/>
+          </p:nvPr>
+        </p:nvPicPr>
+        <p:blipFill>
+          <a:blip r:embed="rId3"/>
+          <a:stretch>
+            <a:fillRect/>
+          </a:stretch>
+        </p:blipFill>
+        <p:spPr>
+          <a:xfrm>
+            <a:off x="563563" y="1600200"/>
+            <a:ext cx="8016875" cy="4525963"/>
+          </a:xfrm>
+          <a:prstGeom prst="rect">
+            <a:avLst/>
+          </a:prstGeom>
+        </p:spPr>
+      </p:pic>
+    </p:spTree>
+    <p:extLst>
+      <p:ext uri="{BB962C8B-B14F-4D97-AF65-F5344CB8AC3E}">
+        <p14:creationId xmlns:p14="http://schemas.microsoft.com/office/powerpoint/2010/main" val="2615023198"/>
+      </p:ext>
+    </p:extLst>
+  </p:cSld>
+  <p:clrMapOvr>
+    <a:masterClrMapping/>
+  </p:clrMapOvr>
+  <p:timing>
+    <p:tnLst>
+      <p:par>
+        <p:cTn id="1" dur="indefinite" restart="never" nodeType="tmRoot">
+          <p:childTnLst>
+            <p:seq concurrent="1" nextAc="seek">
+              <p:cTn id="2" dur="indefinite" nodeType="mainSeq">
+                <p:childTnLst>
+                  <p:par>
+                    <p:cTn id="3" fill="hold">
+                      <p:stCondLst>
+                        <p:cond delay="indefinite"/>
+                      </p:stCondLst>
+                      <p:childTnLst>
+                        <p:par>
+                          <p:cTn id="4" fill="hold">
+                            <p:stCondLst>
+                              <p:cond delay="0"/>
+                            </p:stCondLst>
+                            <p:childTnLst>
+                              <p:par>
+                                <p:cTn id="5" presetID="1" presetClass="mediacall" presetSubtype="0" fill="hold" nodeType="clickEffect">
+                                  <p:stCondLst>
+                                    <p:cond delay="0"/>
+                                  </p:stCondLst>
+                                  <p:childTnLst>
+                                    <p:cmd type="call" cmd="playFrom(0.0)">
+                                      <p:cBhvr>
+                                        <p:cTn id="6" dur="1" fill="hold"/>
+                                        <p:tgtEl>
+                                          <p:spTgt spid="4"/>
+                                        </p:tgtEl>
+                                      </p:cBhvr>
+                                    </p:cmd>
+                                  </p:childTnLst>
+                                </p:cTn>
+                              </p:par>
+                            </p:childTnLst>
+                          </p:cTn>
+                        </p:par>
+                      </p:childTnLst>
+                    </p:cTn>
+                  </p:par>
+                </p:childTnLst>
+              </p:cTn>
+              <p:prevCondLst>
+                <p:cond evt="onPrev" delay="0">
+                  <p:tgtEl>
+                    <p:sldTgt/>
+                  </p:tgtEl>
+                </p:cond>
+              </p:prevCondLst>
+              <p:nextCondLst>
+                <p:cond evt="onNext" delay="0">
+                  <p:tgtEl>
+                    <p:sldTgt/>
+                  </p:tgtEl>
+                </p:cond>
+              </p:nextCondLst>
+            </p:seq>
+            <p:video>
+              <p:cMediaNode vol="80000">
+                <p:cTn id="7" fill="hold" display="0">
+                  <p:stCondLst>
+                    <p:cond delay="indefinite"/>
+                  </p:stCondLst>
+                </p:cTn>
+                <p:tgtEl>
+                  <p:spTgt spid="4"/>
+                </p:tgtEl>
+              </p:cMediaNode>
+            </p:video>
+            <p:seq concurrent="1" nextAc="seek">
+              <p:cTn id="8" restart="whenNotActive" fill="hold" evtFilter="cancelBubble" nodeType="interactiveSeq">
+                <p:stCondLst>
+                  <p:cond evt="onClick" delay="0">
+                    <p:tgtEl>
+                      <p:spTgt spid="4"/>
+                    </p:tgtEl>
+                  </p:cond>
+                </p:stCondLst>
+                <p:endSync evt="end" delay="0">
+                  <p:rtn val="all"/>
+                </p:endSync>
+                <p:childTnLst>
+                  <p:par>
+                    <p:cTn id="9" fill="hold">
+                      <p:stCondLst>
+                        <p:cond delay="0"/>
+                      </p:stCondLst>
+                      <p:childTnLst>
+                        <p:par>
+                          <p:cTn id="10" fill="hold">
+                            <p:stCondLst>
+                              <p:cond delay="0"/>
+                            </p:stCondLst>
+                            <p:childTnLst>
+                              <p:par>
+                                <p:cTn id="11" presetID="2" presetClass="mediacall" presetSubtype="0" fill="hold" nodeType="clickEffect">
+                                  <p:stCondLst>
+                                    <p:cond delay="0"/>
+                                  </p:stCondLst>
+                                  <p:childTnLst>
+                                    <p:cmd type="call" cmd="togglePause">
+                                      <p:cBhvr>
+                                        <p:cTn id="12" dur="1" fill="hold"/>
+                                        <p:tgtEl>
+                                          <p:spTgt spid="4"/>
+                                        </p:tgtEl>
+                                      </p:cBhvr>
+                                    </p:cmd>
+                                  </p:childTnLst>
+                                </p:cTn>
+                              </p:par>
+                            </p:childTnLst>
+                          </p:cTn>
+                        </p:par>
+                      </p:childTnLst>
+                    </p:cTn>
+                  </p:par>
+                </p:childTnLst>
+              </p:cTn>
+              <p:nextCondLst>
+                <p:cond evt="onClick" delay="0">
+                  <p:tgtEl>
+                    <p:spTgt spid="4"/>
+                  </p:tgtEl>
+                </p:cond>
+              </p:nextCondLst>
+            </p:seq>
+          </p:childTnLst>
+        </p:cTn>
+      </p:par>
+    </p:tnLst>
+  </p:timing>
+</p:sld>
+</file>
+
+<file path=ppt/slides/slide16.xml><?xml version="1.0" encoding="utf-8"?>
+<p:sld xmlns:a="http://schemas.openxmlformats.org/drawingml/2006/main" xmlns:r="http://schemas.openxmlformats.org/officeDocument/2006/relationships" xmlns:p="http://schemas.openxmlformats.org/presentationml/2006/main">
+  <p:cSld>
+    <p:spTree>
+      <p:nvGrpSpPr>
+        <p:cNvPr id="1" name=""/>
+        <p:cNvGrpSpPr/>
+        <p:nvPr/>
+      </p:nvGrpSpPr>
+      <p:grpSpPr>
+        <a:xfrm>
+          <a:off x="0" y="0"/>
+          <a:ext cx="0" cy="0"/>
+          <a:chOff x="0" y="0"/>
+          <a:chExt cx="0" cy="0"/>
+        </a:xfrm>
+      </p:grpSpPr>
+      <p:sp>
+        <p:nvSpPr>
+          <p:cNvPr id="2" name="Title 1">
+            <a:extLst>
+              <a:ext uri="{FF2B5EF4-FFF2-40B4-BE49-F238E27FC236}">
+                <a16:creationId xmlns:a16="http://schemas.microsoft.com/office/drawing/2014/main" id="{70B24C26-1B31-E66F-3D13-F37A009E72F0}"/>
+              </a:ext>
+            </a:extLst>
+          </p:cNvPr>
+          <p:cNvSpPr>
+            <a:spLocks noGrp="1"/>
+          </p:cNvSpPr>
+          <p:nvPr>
+            <p:ph type="title"/>
+          </p:nvPr>
+        </p:nvSpPr>
+        <p:spPr/>
+        <p:txBody>
+          <a:bodyPr>
+            <a:normAutofit fontScale="90000"/>
+          </a:bodyPr>
+          <a:lstStyle/>
+          <a:p>
+            <a:r>
+              <a:rPr lang="en-US" sz="4000" b="1" i="0" dirty="0">
+                <a:solidFill>
+                  <a:srgbClr val="0F0F0F"/>
+                </a:solidFill>
+                <a:effectLst/>
+                <a:latin typeface="Roboto" panose="02000000000000000000" pitchFamily="2" charset="0"/>
+              </a:rPr>
+              <a:t>Merge-sort with Transylvanian-</a:t>
+            </a:r>
+            <a:r>
+              <a:rPr lang="en-US" sz="4000" b="1" i="0" dirty="0" err="1">
+                <a:solidFill>
+                  <a:srgbClr val="0F0F0F"/>
+                </a:solidFill>
+                <a:effectLst/>
+                <a:latin typeface="Roboto" panose="02000000000000000000" pitchFamily="2" charset="0"/>
+              </a:rPr>
+              <a:t>saxon</a:t>
+            </a:r>
+            <a:r>
+              <a:rPr lang="en-US" sz="4000" b="1" i="0" dirty="0">
+                <a:solidFill>
+                  <a:srgbClr val="0F0F0F"/>
+                </a:solidFill>
+                <a:effectLst/>
+                <a:latin typeface="Roboto" panose="02000000000000000000" pitchFamily="2" charset="0"/>
+              </a:rPr>
+              <a:t> (German) folk dance</a:t>
+            </a:r>
+            <a:br>
+              <a:rPr lang="en-US" b="1" i="0" dirty="0">
+                <a:solidFill>
+                  <a:srgbClr val="0F0F0F"/>
+                </a:solidFill>
+                <a:effectLst/>
+                <a:latin typeface="Roboto" panose="02000000000000000000" pitchFamily="2" charset="0"/>
+              </a:rPr>
+            </a:br>
+            <a:endParaRPr lang="en-US" dirty="0"/>
+          </a:p>
+        </p:txBody>
+      </p:sp>
+      <p:pic>
+        <p:nvPicPr>
+          <p:cNvPr id="4" name="Online Media 3" title="Merge-sort with Transylvanian-saxon (German) folk dance">
+            <a:hlinkClick r:id="" action="ppaction://media"/>
+            <a:extLst>
+              <a:ext uri="{FF2B5EF4-FFF2-40B4-BE49-F238E27FC236}">
+                <a16:creationId xmlns:a16="http://schemas.microsoft.com/office/drawing/2014/main" id="{169C5A13-FFBA-D1EC-EE17-06BC9A9B760D}"/>
+              </a:ext>
+            </a:extLst>
+          </p:cNvPr>
+          <p:cNvPicPr>
+            <a:picLocks noGrp="1" noRot="1" noChangeAspect="1"/>
+          </p:cNvPicPr>
+          <p:nvPr>
+            <p:ph idx="1"/>
+            <a:videoFile r:link="rId1"/>
+          </p:nvPr>
+        </p:nvPicPr>
+        <p:blipFill>
+          <a:blip r:embed="rId3"/>
+          <a:stretch>
+            <a:fillRect/>
+          </a:stretch>
+        </p:blipFill>
+        <p:spPr>
+          <a:xfrm>
+            <a:off x="563563" y="1600200"/>
+            <a:ext cx="8016875" cy="4525963"/>
+          </a:xfrm>
+          <a:prstGeom prst="rect">
+            <a:avLst/>
+          </a:prstGeom>
+        </p:spPr>
+      </p:pic>
+    </p:spTree>
+    <p:extLst>
+      <p:ext uri="{BB962C8B-B14F-4D97-AF65-F5344CB8AC3E}">
+        <p14:creationId xmlns:p14="http://schemas.microsoft.com/office/powerpoint/2010/main" val="4292597875"/>
+      </p:ext>
+    </p:extLst>
+  </p:cSld>
+  <p:clrMapOvr>
+    <a:masterClrMapping/>
+  </p:clrMapOvr>
+  <p:timing>
+    <p:tnLst>
+      <p:par>
+        <p:cTn id="1" dur="indefinite" restart="never" nodeType="tmRoot">
+          <p:childTnLst>
+            <p:seq concurrent="1" nextAc="seek">
+              <p:cTn id="2" dur="indefinite" nodeType="mainSeq">
+                <p:childTnLst>
+                  <p:par>
+                    <p:cTn id="3" fill="hold">
+                      <p:stCondLst>
+                        <p:cond delay="indefinite"/>
+                      </p:stCondLst>
+                      <p:childTnLst>
+                        <p:par>
+                          <p:cTn id="4" fill="hold">
+                            <p:stCondLst>
+                              <p:cond delay="0"/>
+                            </p:stCondLst>
+                            <p:childTnLst>
+                              <p:par>
+                                <p:cTn id="5" presetID="1" presetClass="mediacall" presetSubtype="0" fill="hold" nodeType="clickEffect">
+                                  <p:stCondLst>
+                                    <p:cond delay="0"/>
+                                  </p:stCondLst>
+                                  <p:childTnLst>
+                                    <p:cmd type="call" cmd="playFrom(0.0)">
+                                      <p:cBhvr>
+                                        <p:cTn id="6" dur="1" fill="hold"/>
+                                        <p:tgtEl>
+                                          <p:spTgt spid="4"/>
+                                        </p:tgtEl>
+                                      </p:cBhvr>
+                                    </p:cmd>
+                                  </p:childTnLst>
+                                </p:cTn>
+                              </p:par>
+                            </p:childTnLst>
+                          </p:cTn>
+                        </p:par>
+                      </p:childTnLst>
+                    </p:cTn>
+                  </p:par>
+                </p:childTnLst>
+              </p:cTn>
+              <p:prevCondLst>
+                <p:cond evt="onPrev" delay="0">
+                  <p:tgtEl>
+                    <p:sldTgt/>
+                  </p:tgtEl>
+                </p:cond>
+              </p:prevCondLst>
+              <p:nextCondLst>
+                <p:cond evt="onNext" delay="0">
+                  <p:tgtEl>
+                    <p:sldTgt/>
+                  </p:tgtEl>
+                </p:cond>
+              </p:nextCondLst>
+            </p:seq>
+            <p:video>
+              <p:cMediaNode vol="80000">
+                <p:cTn id="7" fill="hold" display="0">
+                  <p:stCondLst>
+                    <p:cond delay="indefinite"/>
+                  </p:stCondLst>
+                </p:cTn>
+                <p:tgtEl>
+                  <p:spTgt spid="4"/>
+                </p:tgtEl>
+              </p:cMediaNode>
+            </p:video>
+            <p:seq concurrent="1" nextAc="seek">
+              <p:cTn id="8" restart="whenNotActive" fill="hold" evtFilter="cancelBubble" nodeType="interactiveSeq">
+                <p:stCondLst>
+                  <p:cond evt="onClick" delay="0">
+                    <p:tgtEl>
+                      <p:spTgt spid="4"/>
+                    </p:tgtEl>
+                  </p:cond>
+                </p:stCondLst>
+                <p:endSync evt="end" delay="0">
+                  <p:rtn val="all"/>
+                </p:endSync>
+                <p:childTnLst>
+                  <p:par>
+                    <p:cTn id="9" fill="hold">
+                      <p:stCondLst>
+                        <p:cond delay="0"/>
+                      </p:stCondLst>
+                      <p:childTnLst>
+                        <p:par>
+                          <p:cTn id="10" fill="hold">
+                            <p:stCondLst>
+                              <p:cond delay="0"/>
+                            </p:stCondLst>
+                            <p:childTnLst>
+                              <p:par>
+                                <p:cTn id="11" presetID="2" presetClass="mediacall" presetSubtype="0" fill="hold" nodeType="clickEffect">
+                                  <p:stCondLst>
+                                    <p:cond delay="0"/>
+                                  </p:stCondLst>
+                                  <p:childTnLst>
+                                    <p:cmd type="call" cmd="togglePause">
+                                      <p:cBhvr>
+                                        <p:cTn id="12" dur="1" fill="hold"/>
+                                        <p:tgtEl>
+                                          <p:spTgt spid="4"/>
+                                        </p:tgtEl>
+                                      </p:cBhvr>
+                                    </p:cmd>
+                                  </p:childTnLst>
+                                </p:cTn>
+                              </p:par>
+                            </p:childTnLst>
+                          </p:cTn>
+                        </p:par>
+                      </p:childTnLst>
+                    </p:cTn>
+                  </p:par>
+                </p:childTnLst>
+              </p:cTn>
+              <p:nextCondLst>
+                <p:cond evt="onClick" delay="0">
+                  <p:tgtEl>
+                    <p:spTgt spid="4"/>
+                  </p:tgtEl>
+                </p:cond>
+              </p:nextCondLst>
+            </p:seq>
+          </p:childTnLst>
+        </p:cTn>
+      </p:par>
+    </p:tnLst>
+  </p:timing>
+</p:sld>
+</file>
+
 <file path=ppt/slides/slide2.xml><?xml version="1.0" encoding="utf-8"?>
 <p:sld xmlns:a="http://schemas.openxmlformats.org/drawingml/2006/main" xmlns:r="http://schemas.openxmlformats.org/officeDocument/2006/relationships" xmlns:p="http://schemas.openxmlformats.org/presentationml/2006/main">
   <p:cSld>
@@ -6302,7 +7919,7 @@
 </file>
 
 <file path=ppt/slides/slide6.xml><?xml version="1.0" encoding="utf-8"?>
-<p:sld xmlns:a="http://schemas.openxmlformats.org/drawingml/2006/main" xmlns:r="http://schemas.openxmlformats.org/officeDocument/2006/relationships" xmlns:p="http://schemas.openxmlformats.org/presentationml/2006/main">
+<p:sld xmlns:a="http://schemas.openxmlformats.org/drawingml/2006/main" xmlns:r="http://schemas.openxmlformats.org/officeDocument/2006/relationships" xmlns:p="http://schemas.openxmlformats.org/presentationml/2006/main" show="0">
   <p:cSld>
     <p:spTree>
       <p:nvGrpSpPr>
@@ -6374,7 +7991,7 @@
           <a:p>
             <a:r>
               <a:rPr lang="en-US" dirty="0"/>
-              <a:t>Link: record your screen on Windows 10 using Game Bar (Windows Key  + g)</a:t>
+              <a:t>Old Way: record your screen on Windows 10 using Game Bar (Windows Key  + g)</a:t>
             </a:r>
             <a:endParaRPr lang="en-US" dirty="0">
               <a:hlinkClick r:id="rId5"/>
@@ -6539,6 +8156,263 @@
 </file>
 
 <file path=ppt/slides/slide7.xml><?xml version="1.0" encoding="utf-8"?>
+<p:sld xmlns:a="http://schemas.openxmlformats.org/drawingml/2006/main" xmlns:r="http://schemas.openxmlformats.org/officeDocument/2006/relationships" xmlns:p="http://schemas.openxmlformats.org/presentationml/2006/main">
+  <p:cSld>
+    <p:spTree>
+      <p:nvGrpSpPr>
+        <p:cNvPr id="1" name="">
+          <a:extLst>
+            <a:ext uri="{FF2B5EF4-FFF2-40B4-BE49-F238E27FC236}">
+              <a16:creationId xmlns:a16="http://schemas.microsoft.com/office/drawing/2014/main" id="{66DB6169-6339-63B3-F567-AFB532205B78}"/>
+            </a:ext>
+          </a:extLst>
+        </p:cNvPr>
+        <p:cNvGrpSpPr/>
+        <p:nvPr/>
+      </p:nvGrpSpPr>
+      <p:grpSpPr>
+        <a:xfrm>
+          <a:off x="0" y="0"/>
+          <a:ext cx="0" cy="0"/>
+          <a:chOff x="0" y="0"/>
+          <a:chExt cx="0" cy="0"/>
+        </a:xfrm>
+      </p:grpSpPr>
+      <p:pic>
+        <p:nvPicPr>
+          <p:cNvPr id="2" name="Arcade Game 2020-02-13 08-33-40">
+            <a:hlinkClick r:id="" action="ppaction://media"/>
+            <a:extLst>
+              <a:ext uri="{FF2B5EF4-FFF2-40B4-BE49-F238E27FC236}">
+                <a16:creationId xmlns:a16="http://schemas.microsoft.com/office/drawing/2014/main" id="{282683AA-E55F-FF65-453C-6819C6882FDF}"/>
+              </a:ext>
+            </a:extLst>
+          </p:cNvPr>
+          <p:cNvPicPr>
+            <a:picLocks noChangeAspect="1"/>
+          </p:cNvPicPr>
+          <p:nvPr>
+            <a:videoFile r:link="rId2"/>
+            <p:extLst>
+              <p:ext uri="{DAA4B4D4-6D71-4841-9C94-3DE7FCFB9230}">
+                <p14:media xmlns:p14="http://schemas.microsoft.com/office/powerpoint/2010/main" r:embed="rId1"/>
+              </p:ext>
+            </p:extLst>
+          </p:nvPr>
+        </p:nvPicPr>
+        <p:blipFill>
+          <a:blip r:embed="rId4"/>
+          <a:stretch>
+            <a:fillRect/>
+          </a:stretch>
+        </p:blipFill>
+        <p:spPr>
+          <a:xfrm>
+            <a:off x="2039404" y="1100542"/>
+            <a:ext cx="4800600" cy="4530253"/>
+          </a:xfrm>
+          <a:prstGeom prst="rect">
+            <a:avLst/>
+          </a:prstGeom>
+        </p:spPr>
+      </p:pic>
+      <p:sp>
+        <p:nvSpPr>
+          <p:cNvPr id="3" name="Rectangle 2">
+            <a:extLst>
+              <a:ext uri="{FF2B5EF4-FFF2-40B4-BE49-F238E27FC236}">
+                <a16:creationId xmlns:a16="http://schemas.microsoft.com/office/drawing/2014/main" id="{06DC13A9-DE97-0AC1-D924-D4F1F1E5C942}"/>
+              </a:ext>
+            </a:extLst>
+          </p:cNvPr>
+          <p:cNvSpPr/>
+          <p:nvPr/>
+        </p:nvSpPr>
+        <p:spPr>
+          <a:xfrm>
+            <a:off x="223381" y="5678830"/>
+            <a:ext cx="8686800" cy="1200329"/>
+          </a:xfrm>
+          <a:prstGeom prst="rect">
+            <a:avLst/>
+          </a:prstGeom>
+        </p:spPr>
+        <p:txBody>
+          <a:bodyPr wrap="square">
+            <a:spAutoFit/>
+          </a:bodyPr>
+          <a:lstStyle/>
+          <a:p>
+            <a:r>
+              <a:rPr lang="en-US" dirty="0"/>
+              <a:t>Press Print Screen</a:t>
+            </a:r>
+          </a:p>
+          <a:p>
+            <a:r>
+              <a:rPr lang="en-US" dirty="0"/>
+              <a:t>Or</a:t>
+            </a:r>
+          </a:p>
+          <a:p>
+            <a:r>
+              <a:rPr lang="en-US" dirty="0"/>
+              <a:t>Window + Shift + S</a:t>
+            </a:r>
+          </a:p>
+          <a:p>
+            <a:endParaRPr lang="en-US" dirty="0"/>
+          </a:p>
+        </p:txBody>
+      </p:sp>
+      <p:sp>
+        <p:nvSpPr>
+          <p:cNvPr id="5" name="Title 1">
+            <a:extLst>
+              <a:ext uri="{FF2B5EF4-FFF2-40B4-BE49-F238E27FC236}">
+                <a16:creationId xmlns:a16="http://schemas.microsoft.com/office/drawing/2014/main" id="{3E8B4C04-27B3-06D5-B60B-DBA83100F6A8}"/>
+              </a:ext>
+            </a:extLst>
+          </p:cNvPr>
+          <p:cNvSpPr txBox="1">
+            <a:spLocks/>
+          </p:cNvSpPr>
+          <p:nvPr/>
+        </p:nvSpPr>
+        <p:spPr>
+          <a:xfrm>
+            <a:off x="457200" y="274638"/>
+            <a:ext cx="8229600" cy="715962"/>
+          </a:xfrm>
+          <a:prstGeom prst="rect">
+            <a:avLst/>
+          </a:prstGeom>
+        </p:spPr>
+        <p:txBody>
+          <a:bodyPr/>
+          <a:lstStyle>
+            <a:lvl1pPr algn="ctr" defTabSz="914400" rtl="0" eaLnBrk="1" latinLnBrk="0" hangingPunct="1">
+              <a:spcBef>
+                <a:spcPct val="0"/>
+              </a:spcBef>
+              <a:buNone/>
+              <a:defRPr sz="4400" kern="1200">
+                <a:solidFill>
+                  <a:schemeClr val="tx1"/>
+                </a:solidFill>
+                <a:latin typeface="+mj-lt"/>
+                <a:ea typeface="+mj-ea"/>
+                <a:cs typeface="+mj-cs"/>
+              </a:defRPr>
+            </a:lvl1pPr>
+          </a:lstStyle>
+          <a:p>
+            <a:pPr fontAlgn="auto">
+              <a:spcAft>
+                <a:spcPts val="0"/>
+              </a:spcAft>
+            </a:pPr>
+            <a:r>
+              <a:rPr lang="en-US" sz="3600" dirty="0"/>
+              <a:t>Windows 11</a:t>
+            </a:r>
+          </a:p>
+        </p:txBody>
+      </p:sp>
+    </p:spTree>
+    <p:extLst>
+      <p:ext uri="{BB962C8B-B14F-4D97-AF65-F5344CB8AC3E}">
+        <p14:creationId xmlns:p14="http://schemas.microsoft.com/office/powerpoint/2010/main" val="3349084223"/>
+      </p:ext>
+    </p:extLst>
+  </p:cSld>
+  <p:clrMapOvr>
+    <a:masterClrMapping/>
+  </p:clrMapOvr>
+  <p:timing>
+    <p:tnLst>
+      <p:par>
+        <p:cTn id="1" dur="indefinite" restart="never" nodeType="tmRoot">
+          <p:childTnLst>
+            <p:seq concurrent="1" nextAc="seek">
+              <p:cTn id="2" restart="whenNotActive" fill="hold" evtFilter="cancelBubble" nodeType="interactiveSeq">
+                <p:stCondLst>
+                  <p:cond evt="onClick" delay="0">
+                    <p:tgtEl>
+                      <p:spTgt spid="2"/>
+                    </p:tgtEl>
+                  </p:cond>
+                </p:stCondLst>
+                <p:endSync evt="end" delay="0">
+                  <p:rtn val="all"/>
+                </p:endSync>
+                <p:childTnLst>
+                  <p:par>
+                    <p:cTn id="3" fill="hold">
+                      <p:stCondLst>
+                        <p:cond delay="0"/>
+                      </p:stCondLst>
+                      <p:childTnLst>
+                        <p:par>
+                          <p:cTn id="4" fill="hold">
+                            <p:stCondLst>
+                              <p:cond delay="0"/>
+                            </p:stCondLst>
+                            <p:childTnLst>
+                              <p:par>
+                                <p:cTn id="5" presetID="2" presetClass="mediacall" presetSubtype="0" fill="hold" nodeType="clickEffect">
+                                  <p:stCondLst>
+                                    <p:cond delay="0"/>
+                                  </p:stCondLst>
+                                  <p:childTnLst>
+                                    <p:cmd type="call" cmd="togglePause">
+                                      <p:cBhvr>
+                                        <p:cTn id="6" dur="1" fill="hold"/>
+                                        <p:tgtEl>
+                                          <p:spTgt spid="2"/>
+                                        </p:tgtEl>
+                                      </p:cBhvr>
+                                    </p:cmd>
+                                  </p:childTnLst>
+                                </p:cTn>
+                              </p:par>
+                            </p:childTnLst>
+                          </p:cTn>
+                        </p:par>
+                      </p:childTnLst>
+                    </p:cTn>
+                  </p:par>
+                </p:childTnLst>
+              </p:cTn>
+              <p:nextCondLst>
+                <p:cond evt="onClick" delay="0">
+                  <p:tgtEl>
+                    <p:spTgt spid="2"/>
+                  </p:tgtEl>
+                </p:cond>
+              </p:nextCondLst>
+            </p:seq>
+            <p:video>
+              <p:cMediaNode vol="80000">
+                <p:cTn id="7" fill="hold" display="0">
+                  <p:stCondLst>
+                    <p:cond delay="indefinite"/>
+                  </p:stCondLst>
+                </p:cTn>
+                <p:tgtEl>
+                  <p:spTgt spid="2"/>
+                </p:tgtEl>
+              </p:cMediaNode>
+            </p:video>
+          </p:childTnLst>
+        </p:cTn>
+      </p:par>
+    </p:tnLst>
+  </p:timing>
+</p:sld>
+</file>
+
+<file path=ppt/slides/slide8.xml><?xml version="1.0" encoding="utf-8"?>
 <p:sld xmlns:a="http://schemas.openxmlformats.org/drawingml/2006/main" xmlns:r="http://schemas.openxmlformats.org/officeDocument/2006/relationships" xmlns:p="http://schemas.openxmlformats.org/presentationml/2006/main">
   <p:cSld>
     <p:spTree>
@@ -6708,7 +8582,7 @@
 </p:sld>
 </file>
 
-<file path=ppt/slides/slide8.xml><?xml version="1.0" encoding="utf-8"?>
+<file path=ppt/slides/slide9.xml><?xml version="1.0" encoding="utf-8"?>
 <p:sld xmlns:a="http://schemas.openxmlformats.org/drawingml/2006/main" xmlns:r="http://schemas.openxmlformats.org/officeDocument/2006/relationships" xmlns:p="http://schemas.openxmlformats.org/presentationml/2006/main">
   <p:cSld>
     <p:spTree>
@@ -6830,206 +8704,112 @@
           </a:ln>
         </p:spPr>
       </p:pic>
+      <mc:AlternateContent xmlns:mc="http://schemas.openxmlformats.org/markup-compatibility/2006" xmlns:p14="http://schemas.microsoft.com/office/powerpoint/2010/main">
+        <mc:Choice Requires="p14">
+          <p:contentPart p14:bwMode="auto" r:id="rId4">
+            <p14:nvContentPartPr>
+              <p14:cNvPr id="2" name="Ink 1">
+                <a:extLst>
+                  <a:ext uri="{FF2B5EF4-FFF2-40B4-BE49-F238E27FC236}">
+                    <a16:creationId xmlns:a16="http://schemas.microsoft.com/office/drawing/2014/main" id="{F1005306-429A-3711-102E-66ADD884BD1B}"/>
+                  </a:ext>
+                </a:extLst>
+              </p14:cNvPr>
+              <p14:cNvContentPartPr/>
+              <p14:nvPr/>
+            </p14:nvContentPartPr>
+            <p14:xfrm>
+              <a:off x="391601" y="1627294"/>
+              <a:ext cx="4681440" cy="76320"/>
+            </p14:xfrm>
+          </p:contentPart>
+        </mc:Choice>
+        <mc:Fallback xmlns="">
+          <p:pic>
+            <p:nvPicPr>
+              <p:cNvPr id="2" name="Ink 1">
+                <a:extLst>
+                  <a:ext uri="{FF2B5EF4-FFF2-40B4-BE49-F238E27FC236}">
+                    <a16:creationId xmlns:a16="http://schemas.microsoft.com/office/drawing/2014/main" id="{F1005306-429A-3711-102E-66ADD884BD1B}"/>
+                  </a:ext>
+                </a:extLst>
+              </p:cNvPr>
+              <p:cNvPicPr/>
+              <p:nvPr/>
+            </p:nvPicPr>
+            <p:blipFill>
+              <a:blip r:embed="rId5"/>
+              <a:stretch>
+                <a:fillRect/>
+              </a:stretch>
+            </p:blipFill>
+            <p:spPr>
+              <a:xfrm>
+                <a:off x="337601" y="1519294"/>
+                <a:ext cx="4789080" cy="291960"/>
+              </a:xfrm>
+              <a:prstGeom prst="rect">
+                <a:avLst/>
+              </a:prstGeom>
+            </p:spPr>
+          </p:pic>
+        </mc:Fallback>
+      </mc:AlternateContent>
+      <mc:AlternateContent xmlns:mc="http://schemas.openxmlformats.org/markup-compatibility/2006" xmlns:p14="http://schemas.microsoft.com/office/powerpoint/2010/main">
+        <mc:Choice Requires="p14">
+          <p:contentPart p14:bwMode="auto" r:id="rId6">
+            <p14:nvContentPartPr>
+              <p14:cNvPr id="4" name="Ink 3">
+                <a:extLst>
+                  <a:ext uri="{FF2B5EF4-FFF2-40B4-BE49-F238E27FC236}">
+                    <a16:creationId xmlns:a16="http://schemas.microsoft.com/office/drawing/2014/main" id="{F00C26B0-5809-7CF1-5A90-7B438F28FBF1}"/>
+                  </a:ext>
+                </a:extLst>
+              </p14:cNvPr>
+              <p14:cNvContentPartPr/>
+              <p14:nvPr/>
+            </p14:nvContentPartPr>
+            <p14:xfrm>
+              <a:off x="514361" y="4295614"/>
+              <a:ext cx="4771800" cy="14400"/>
+            </p14:xfrm>
+          </p:contentPart>
+        </mc:Choice>
+        <mc:Fallback xmlns="">
+          <p:pic>
+            <p:nvPicPr>
+              <p:cNvPr id="4" name="Ink 3">
+                <a:extLst>
+                  <a:ext uri="{FF2B5EF4-FFF2-40B4-BE49-F238E27FC236}">
+                    <a16:creationId xmlns:a16="http://schemas.microsoft.com/office/drawing/2014/main" id="{F00C26B0-5809-7CF1-5A90-7B438F28FBF1}"/>
+                  </a:ext>
+                </a:extLst>
+              </p:cNvPr>
+              <p:cNvPicPr/>
+              <p:nvPr/>
+            </p:nvPicPr>
+            <p:blipFill>
+              <a:blip r:embed="rId7"/>
+              <a:stretch>
+                <a:fillRect/>
+              </a:stretch>
+            </p:blipFill>
+            <p:spPr>
+              <a:xfrm>
+                <a:off x="460721" y="4187974"/>
+                <a:ext cx="4879440" cy="230040"/>
+              </a:xfrm>
+              <a:prstGeom prst="rect">
+                <a:avLst/>
+              </a:prstGeom>
+            </p:spPr>
+          </p:pic>
+        </mc:Fallback>
+      </mc:AlternateContent>
     </p:spTree>
     <p:extLst>
       <p:ext uri="{BB962C8B-B14F-4D97-AF65-F5344CB8AC3E}">
         <p14:creationId xmlns:p14="http://schemas.microsoft.com/office/powerpoint/2010/main" val="4044456901"/>
-      </p:ext>
-    </p:extLst>
-  </p:cSld>
-  <p:clrMapOvr>
-    <a:masterClrMapping/>
-  </p:clrMapOvr>
-</p:sld>
-</file>
-
-<file path=ppt/slides/slide9.xml><?xml version="1.0" encoding="utf-8"?>
-<p:sld xmlns:a="http://schemas.openxmlformats.org/drawingml/2006/main" xmlns:r="http://schemas.openxmlformats.org/officeDocument/2006/relationships" xmlns:p="http://schemas.openxmlformats.org/presentationml/2006/main">
-  <p:cSld>
-    <p:spTree>
-      <p:nvGrpSpPr>
-        <p:cNvPr id="1" name=""/>
-        <p:cNvGrpSpPr/>
-        <p:nvPr/>
-      </p:nvGrpSpPr>
-      <p:grpSpPr>
-        <a:xfrm>
-          <a:off x="0" y="0"/>
-          <a:ext cx="0" cy="0"/>
-          <a:chOff x="0" y="0"/>
-          <a:chExt cx="0" cy="0"/>
-        </a:xfrm>
-      </p:grpSpPr>
-      <p:pic>
-        <p:nvPicPr>
-          <p:cNvPr id="3" name="Picture 2">
-            <a:extLst>
-              <a:ext uri="{FF2B5EF4-FFF2-40B4-BE49-F238E27FC236}">
-                <a16:creationId xmlns:a16="http://schemas.microsoft.com/office/drawing/2014/main" id="{0436FEA8-4D46-FF54-2F31-1567F308DACA}"/>
-              </a:ext>
-            </a:extLst>
-          </p:cNvPr>
-          <p:cNvPicPr>
-            <a:picLocks noChangeAspect="1"/>
-          </p:cNvPicPr>
-          <p:nvPr/>
-        </p:nvPicPr>
-        <p:blipFill rotWithShape="1">
-          <a:blip r:embed="rId2"/>
-          <a:srcRect r="9368"/>
-          <a:stretch/>
-        </p:blipFill>
-        <p:spPr>
-          <a:xfrm>
-            <a:off x="473553" y="2638444"/>
-            <a:ext cx="7628993" cy="955178"/>
-          </a:xfrm>
-          <a:prstGeom prst="rect">
-            <a:avLst/>
-          </a:prstGeom>
-        </p:spPr>
-      </p:pic>
-      <p:sp>
-        <p:nvSpPr>
-          <p:cNvPr id="8" name="TextBox 7">
-            <a:extLst>
-              <a:ext uri="{FF2B5EF4-FFF2-40B4-BE49-F238E27FC236}">
-                <a16:creationId xmlns:a16="http://schemas.microsoft.com/office/drawing/2014/main" id="{1603417F-1070-891B-9A45-28978BAE31C8}"/>
-              </a:ext>
-            </a:extLst>
-          </p:cNvPr>
-          <p:cNvSpPr txBox="1"/>
-          <p:nvPr/>
-        </p:nvSpPr>
-        <p:spPr>
-          <a:xfrm>
-            <a:off x="1029486" y="609600"/>
-            <a:ext cx="6971513" cy="1754326"/>
-          </a:xfrm>
-          <a:prstGeom prst="rect">
-            <a:avLst/>
-          </a:prstGeom>
-          <a:noFill/>
-        </p:spPr>
-        <p:txBody>
-          <a:bodyPr wrap="square" rtlCol="0">
-            <a:spAutoFit/>
-          </a:bodyPr>
-          <a:lstStyle/>
-          <a:p>
-            <a:r>
-              <a:rPr lang="en-US" sz="3600" dirty="0"/>
-              <a:t>Student Voted Awards!</a:t>
-            </a:r>
-          </a:p>
-          <a:p>
-            <a:endParaRPr lang="en-US" sz="3600" dirty="0"/>
-          </a:p>
-          <a:p>
-            <a:r>
-              <a:rPr lang="en-US" sz="3600" dirty="0"/>
-              <a:t>+5 Incentive Points Each!</a:t>
-            </a:r>
-          </a:p>
-        </p:txBody>
-      </p:sp>
-      <p:pic>
-        <p:nvPicPr>
-          <p:cNvPr id="9" name="Picture 8">
-            <a:extLst>
-              <a:ext uri="{FF2B5EF4-FFF2-40B4-BE49-F238E27FC236}">
-                <a16:creationId xmlns:a16="http://schemas.microsoft.com/office/drawing/2014/main" id="{AB689CDE-42AA-EA0C-A7D6-FEDFF0473105}"/>
-              </a:ext>
-            </a:extLst>
-          </p:cNvPr>
-          <p:cNvPicPr>
-            <a:picLocks noChangeAspect="1"/>
-          </p:cNvPicPr>
-          <p:nvPr/>
-        </p:nvPicPr>
-        <p:blipFill rotWithShape="1">
-          <a:blip r:embed="rId3"/>
-          <a:srcRect r="17533"/>
-          <a:stretch/>
-        </p:blipFill>
-        <p:spPr>
-          <a:xfrm>
-            <a:off x="438542" y="3741967"/>
-            <a:ext cx="8382000" cy="1235627"/>
-          </a:xfrm>
-          <a:prstGeom prst="rect">
-            <a:avLst/>
-          </a:prstGeom>
-        </p:spPr>
-      </p:pic>
-      <p:pic>
-        <p:nvPicPr>
-          <p:cNvPr id="11" name="Picture 10">
-            <a:extLst>
-              <a:ext uri="{FF2B5EF4-FFF2-40B4-BE49-F238E27FC236}">
-                <a16:creationId xmlns:a16="http://schemas.microsoft.com/office/drawing/2014/main" id="{5BF6B350-CAEA-44D0-B103-F19761D2CBEE}"/>
-              </a:ext>
-            </a:extLst>
-          </p:cNvPr>
-          <p:cNvPicPr>
-            <a:picLocks noChangeAspect="1"/>
-          </p:cNvPicPr>
-          <p:nvPr/>
-        </p:nvPicPr>
-        <p:blipFill rotWithShape="1">
-          <a:blip r:embed="rId4"/>
-          <a:srcRect r="9616"/>
-          <a:stretch/>
-        </p:blipFill>
-        <p:spPr>
-          <a:xfrm>
-            <a:off x="417418" y="5125939"/>
-            <a:ext cx="8153400" cy="981217"/>
-          </a:xfrm>
-          <a:prstGeom prst="rect">
-            <a:avLst/>
-          </a:prstGeom>
-        </p:spPr>
-      </p:pic>
-      <p:sp>
-        <p:nvSpPr>
-          <p:cNvPr id="2" name="TextBox 1">
-            <a:extLst>
-              <a:ext uri="{FF2B5EF4-FFF2-40B4-BE49-F238E27FC236}">
-                <a16:creationId xmlns:a16="http://schemas.microsoft.com/office/drawing/2014/main" id="{E2D9AC97-1790-C4F8-D57A-7851490B5772}"/>
-              </a:ext>
-            </a:extLst>
-          </p:cNvPr>
-          <p:cNvSpPr txBox="1"/>
-          <p:nvPr/>
-        </p:nvSpPr>
-        <p:spPr>
-          <a:xfrm>
-            <a:off x="1676400" y="5867399"/>
-            <a:ext cx="3962400" cy="369332"/>
-          </a:xfrm>
-          <a:prstGeom prst="rect">
-            <a:avLst/>
-          </a:prstGeom>
-          <a:noFill/>
-        </p:spPr>
-        <p:txBody>
-          <a:bodyPr wrap="square" rtlCol="0">
-            <a:spAutoFit/>
-          </a:bodyPr>
-          <a:lstStyle/>
-          <a:p>
-            <a:r>
-              <a:rPr lang="en-US" b="1" i="1" dirty="0"/>
-              <a:t>Experiment Explanation for GARP</a:t>
-            </a:r>
-          </a:p>
-        </p:txBody>
-      </p:sp>
-    </p:spTree>
-    <p:extLst>
-      <p:ext uri="{BB962C8B-B14F-4D97-AF65-F5344CB8AC3E}">
-        <p14:creationId xmlns:p14="http://schemas.microsoft.com/office/powerpoint/2010/main" val="3406555752"/>
       </p:ext>
     </p:extLst>
   </p:cSld>

--- a/ClassMaterials/MergeSort/Slides/Part2-Presentation.pptx
+++ b/ClassMaterials/MergeSort/Slides/Part2-Presentation.pptx
@@ -5,10 +5,10 @@
     <p:sldMasterId id="2147484539" r:id="rId4"/>
   </p:sldMasterIdLst>
   <p:notesMasterIdLst>
-    <p:notesMasterId r:id="rId21"/>
+    <p:notesMasterId r:id="rId22"/>
   </p:notesMasterIdLst>
   <p:handoutMasterIdLst>
-    <p:handoutMasterId r:id="rId22"/>
+    <p:handoutMasterId r:id="rId23"/>
   </p:handoutMasterIdLst>
   <p:sldIdLst>
     <p:sldId id="256" r:id="rId5"/>
@@ -22,11 +22,12 @@
     <p:sldId id="310" r:id="rId13"/>
     <p:sldId id="308" r:id="rId14"/>
     <p:sldId id="314" r:id="rId15"/>
-    <p:sldId id="313" r:id="rId16"/>
-    <p:sldId id="319" r:id="rId17"/>
-    <p:sldId id="316" r:id="rId18"/>
-    <p:sldId id="317" r:id="rId19"/>
-    <p:sldId id="318" r:id="rId20"/>
+    <p:sldId id="320" r:id="rId16"/>
+    <p:sldId id="313" r:id="rId17"/>
+    <p:sldId id="319" r:id="rId18"/>
+    <p:sldId id="316" r:id="rId19"/>
+    <p:sldId id="317" r:id="rId20"/>
+    <p:sldId id="318" r:id="rId21"/>
   </p:sldIdLst>
   <p:sldSz cx="9144000" cy="6858000" type="screen4x3"/>
   <p:notesSz cx="7315200" cy="9601200"/>
@@ -518,7 +519,7 @@
               <a:pPr>
                 <a:defRPr/>
               </a:pPr>
-              <a:t>5/27/2025</a:t>
+              <a:t>6/5/2025</a:t>
             </a:fld>
             <a:endParaRPr lang="en-US"/>
           </a:p>
@@ -637,6 +638,34 @@
 </file>
 
 <file path=ppt/ink/ink1.xml><?xml version="1.0" encoding="utf-8"?>
+<inkml:ink xmlns:inkml="http://www.w3.org/2003/InkML">
+  <inkml:definitions>
+    <inkml:context xml:id="ctx0">
+      <inkml:inkSource xml:id="inkSrc0">
+        <inkml:traceFormat>
+          <inkml:channel name="X" type="integer" min="-2.14748E9" max="2.14748E9" units="cm"/>
+          <inkml:channel name="Y" type="integer" min="-2.14748E9" max="2.14748E9" units="cm"/>
+          <inkml:channel name="F" type="integer" max="32767" units="dev"/>
+        </inkml:traceFormat>
+        <inkml:channelProperties>
+          <inkml:channelProperty channel="X" name="resolution" value="1000" units="1/cm"/>
+          <inkml:channelProperty channel="Y" name="resolution" value="1000" units="1/cm"/>
+          <inkml:channelProperty channel="F" name="resolution" value="0" units="1/dev"/>
+        </inkml:channelProperties>
+      </inkml:inkSource>
+      <inkml:timestamp xml:id="ts0" timeString="2025-06-05T14:25:25.719"/>
+    </inkml:context>
+    <inkml:brush xml:id="br0">
+      <inkml:brushProperty name="width" value="0.1" units="cm"/>
+      <inkml:brushProperty name="height" value="0.1" units="cm"/>
+      <inkml:brushProperty name="color" value="#E71224"/>
+    </inkml:brush>
+  </inkml:definitions>
+  <inkml:trace contextRef="#ctx0" brushRef="#br0">51 1879 24575,'-1'-1'0,"-1"1"0,1 0 0,0 0 0,0-1 0,-1 1 0,1-1 0,0 1 0,0-1 0,-1 1 0,1-1 0,0 0 0,0 0 0,0 1 0,0-1 0,0 0 0,0 0 0,0 0 0,0 0 0,1 0 0,-1 0 0,0-1 0,0 1 0,1 0 0,-1 0 0,1 0 0,-1-2 0,-9-37 0,9 34 0,-7-61 0,3-1 0,7-127 0,30-55 0,-25 208 0,2-3 0,3 0 0,1 0 0,2 1 0,38-77 0,108-157 0,-131 229 0,8-28 0,-29 56 0,1 1 0,25-38 0,141-189 0,-160 226 0,0 0 0,36-35 0,-89 82 0,-1-1 0,-1-3 0,-81 35 0,85-45 0,-1-1 0,-63 11 0,82-19 0,-42 13 0,57-15 0,-1-1 0,1 1 0,0 0 0,0 0 0,-1 1 0,1-1 0,0 0 0,0 1 0,0-1 0,0 1 0,1 0 0,-1-1 0,0 1 0,1 0 0,-1 0 0,1 0 0,-1 0 0,1 1 0,0-1 0,-1 4 0,1-5 0,1 0 0,0-1 0,0 1 0,0 0 0,0-1 0,0 1 0,0 0 0,0-1 0,0 1 0,0 0 0,0-1 0,1 1 0,-1 0 0,0-1 0,0 1 0,1-1 0,-1 1 0,0 0 0,1-1 0,-1 1 0,0-1 0,1 1 0,-1-1 0,1 1 0,-1-1 0,1 1 0,-1-1 0,1 0 0,0 1 0,24 3 0,27-12 0,-32 1 0,0 1 0,0-2 0,-1-1 0,0 0 0,25-18 0,81-67 0,-21 13 0,-100 79 0,5-5 0,0 1 0,0 1 0,0-1 0,1 2 0,13-6 0,-20 9 0,0 0 0,0 1 0,0-1 0,0 1 0,0 0 0,0 0 0,0 0 0,0 0 0,0 0 0,1 1 0,-1-1 0,0 1 0,0 0 0,0 0 0,-1 0 0,1 0 0,0 1 0,0-1 0,0 1 0,-1 0 0,1-1 0,-1 1 0,4 3 0,9 12 15,-1 0 0,0 1 0,-1 0 0,-1 1 0,0 1 0,-2 0 0,13 31 0,45 155-1500,-48-136-5341</inkml:trace>
+</inkml:ink>
+</file>
+
+<file path=ppt/ink/ink2.xml><?xml version="1.0" encoding="utf-8"?>
 <inkml:ink xmlns:inkml="http://www.w3.org/2003/InkML">
   <inkml:definitions>
     <inkml:context xml:id="ctx0">
@@ -665,7 +694,7 @@
 </inkml:ink>
 </file>
 
-<file path=ppt/ink/ink2.xml><?xml version="1.0" encoding="utf-8"?>
+<file path=ppt/ink/ink3.xml><?xml version="1.0" encoding="utf-8"?>
 <inkml:ink xmlns:inkml="http://www.w3.org/2003/InkML">
   <inkml:definitions>
     <inkml:context xml:id="ctx0">
@@ -811,7 +840,7 @@
               <a:pPr>
                 <a:defRPr/>
               </a:pPr>
-              <a:t>5/27/2025</a:t>
+              <a:t>6/5/2025</a:t>
             </a:fld>
             <a:endParaRPr lang="en-US"/>
           </a:p>
@@ -1696,7 +1725,7 @@
               <a:pPr>
                 <a:defRPr/>
               </a:pPr>
-              <a:t>Tuesday, May 27, 2025</a:t>
+              <a:t>Thursday, June 5, 2025</a:t>
             </a:fld>
             <a:endParaRPr lang="en-US" dirty="0"/>
           </a:p>
@@ -1879,7 +1908,7 @@
               <a:pPr>
                 <a:defRPr/>
               </a:pPr>
-              <a:t>Tuesday, May 27, 2025</a:t>
+              <a:t>Thursday, June 5, 2025</a:t>
             </a:fld>
             <a:endParaRPr lang="en-US" dirty="0"/>
           </a:p>
@@ -2072,7 +2101,7 @@
               <a:pPr>
                 <a:defRPr/>
               </a:pPr>
-              <a:t>Tuesday, May 27, 2025</a:t>
+              <a:t>Thursday, June 5, 2025</a:t>
             </a:fld>
             <a:endParaRPr lang="en-US" dirty="0"/>
           </a:p>
@@ -2360,7 +2389,7 @@
               <a:pPr>
                 <a:defRPr/>
               </a:pPr>
-              <a:t>Tuesday, May 27, 2025</a:t>
+              <a:t>Thursday, June 5, 2025</a:t>
             </a:fld>
             <a:endParaRPr lang="en-US" dirty="0"/>
           </a:p>
@@ -2620,7 +2649,7 @@
               <a:pPr>
                 <a:defRPr/>
               </a:pPr>
-              <a:t>Tuesday, May 27, 2025</a:t>
+              <a:t>Thursday, June 5, 2025</a:t>
             </a:fld>
             <a:endParaRPr lang="en-US"/>
           </a:p>
@@ -2920,7 +2949,7 @@
               <a:pPr>
                 <a:defRPr/>
               </a:pPr>
-              <a:t>Tuesday, May 27, 2025</a:t>
+              <a:t>Thursday, June 5, 2025</a:t>
             </a:fld>
             <a:endParaRPr lang="en-US"/>
           </a:p>
@@ -3354,7 +3383,7 @@
               <a:pPr>
                 <a:defRPr/>
               </a:pPr>
-              <a:t>Tuesday, May 27, 2025</a:t>
+              <a:t>Thursday, June 5, 2025</a:t>
             </a:fld>
             <a:endParaRPr lang="en-US"/>
           </a:p>
@@ -3486,7 +3515,7 @@
               <a:pPr>
                 <a:defRPr/>
               </a:pPr>
-              <a:t>Tuesday, May 27, 2025</a:t>
+              <a:t>Thursday, June 5, 2025</a:t>
             </a:fld>
             <a:endParaRPr lang="en-US"/>
           </a:p>
@@ -3596,7 +3625,7 @@
               <a:pPr>
                 <a:defRPr/>
               </a:pPr>
-              <a:t>Tuesday, May 27, 2025</a:t>
+              <a:t>Thursday, June 5, 2025</a:t>
             </a:fld>
             <a:endParaRPr lang="en-US" dirty="0"/>
           </a:p>
@@ -3886,7 +3915,7 @@
               <a:pPr>
                 <a:defRPr/>
               </a:pPr>
-              <a:t>Tuesday, May 27, 2025</a:t>
+              <a:t>Thursday, June 5, 2025</a:t>
             </a:fld>
             <a:endParaRPr lang="en-US"/>
           </a:p>
@@ -4153,7 +4182,7 @@
               <a:pPr>
                 <a:defRPr/>
               </a:pPr>
-              <a:t>Tuesday, May 27, 2025</a:t>
+              <a:t>Thursday, June 5, 2025</a:t>
             </a:fld>
             <a:endParaRPr lang="en-US"/>
           </a:p>
@@ -4379,7 +4408,7 @@
               <a:pPr>
                 <a:defRPr/>
               </a:pPr>
-              <a:t>Tuesday, May 27, 2025</a:t>
+              <a:t>Thursday, June 5, 2025</a:t>
             </a:fld>
             <a:endParaRPr lang="en-US" dirty="0"/>
           </a:p>
@@ -5201,6 +5230,77 @@
       </p:grpSpPr>
       <p:sp>
         <p:nvSpPr>
+          <p:cNvPr id="2" name="TextBox 1">
+            <a:extLst>
+              <a:ext uri="{FF2B5EF4-FFF2-40B4-BE49-F238E27FC236}">
+                <a16:creationId xmlns:a16="http://schemas.microsoft.com/office/drawing/2014/main" id="{00F35B03-2A13-E20E-0695-646F5463E753}"/>
+              </a:ext>
+            </a:extLst>
+          </p:cNvPr>
+          <p:cNvSpPr txBox="1"/>
+          <p:nvPr/>
+        </p:nvSpPr>
+        <p:spPr>
+          <a:xfrm>
+            <a:off x="457200" y="990545"/>
+            <a:ext cx="8077200" cy="3416320"/>
+          </a:xfrm>
+          <a:prstGeom prst="rect">
+            <a:avLst/>
+          </a:prstGeom>
+          <a:noFill/>
+        </p:spPr>
+        <p:txBody>
+          <a:bodyPr wrap="square" rtlCol="0">
+            <a:spAutoFit/>
+          </a:bodyPr>
+          <a:lstStyle/>
+          <a:p>
+            <a:r>
+              <a:rPr lang="en-US" sz="7200" dirty="0"/>
+              <a:t>Fun Only</a:t>
+            </a:r>
+          </a:p>
+          <a:p>
+            <a:r>
+              <a:rPr lang="en-US" sz="7200" i="1" dirty="0"/>
+              <a:t>as time and interest allows</a:t>
+            </a:r>
+          </a:p>
+        </p:txBody>
+      </p:sp>
+    </p:spTree>
+    <p:extLst>
+      <p:ext uri="{BB962C8B-B14F-4D97-AF65-F5344CB8AC3E}">
+        <p14:creationId xmlns:p14="http://schemas.microsoft.com/office/powerpoint/2010/main" val="2433576996"/>
+      </p:ext>
+    </p:extLst>
+  </p:cSld>
+  <p:clrMapOvr>
+    <a:masterClrMapping/>
+  </p:clrMapOvr>
+</p:sld>
+</file>
+
+<file path=ppt/slides/slide13.xml><?xml version="1.0" encoding="utf-8"?>
+<p:sld xmlns:a="http://schemas.openxmlformats.org/drawingml/2006/main" xmlns:r="http://schemas.openxmlformats.org/officeDocument/2006/relationships" xmlns:p="http://schemas.openxmlformats.org/presentationml/2006/main">
+  <p:cSld>
+    <p:spTree>
+      <p:nvGrpSpPr>
+        <p:cNvPr id="1" name=""/>
+        <p:cNvGrpSpPr/>
+        <p:nvPr/>
+      </p:nvGrpSpPr>
+      <p:grpSpPr>
+        <a:xfrm>
+          <a:off x="0" y="0"/>
+          <a:ext cx="0" cy="0"/>
+          <a:chOff x="0" y="0"/>
+          <a:chExt cx="0" cy="0"/>
+        </a:xfrm>
+      </p:grpSpPr>
+      <p:sp>
+        <p:nvSpPr>
           <p:cNvPr id="2" name="Title 1">
             <a:extLst>
               <a:ext uri="{FF2B5EF4-FFF2-40B4-BE49-F238E27FC236}">
@@ -5425,7 +5525,7 @@
 </p:sld>
 </file>
 
-<file path=ppt/slides/slide13.xml><?xml version="1.0" encoding="utf-8"?>
+<file path=ppt/slides/slide14.xml><?xml version="1.0" encoding="utf-8"?>
 <p:sld xmlns:a="http://schemas.openxmlformats.org/drawingml/2006/main" xmlns:r="http://schemas.openxmlformats.org/officeDocument/2006/relationships" xmlns:p="http://schemas.openxmlformats.org/presentationml/2006/main">
   <p:cSld>
     <p:spTree>
@@ -5661,7 +5761,7 @@
 </p:sld>
 </file>
 
-<file path=ppt/slides/slide14.xml><?xml version="1.0" encoding="utf-8"?>
+<file path=ppt/slides/slide15.xml><?xml version="1.0" encoding="utf-8"?>
 <p:sld xmlns:a="http://schemas.openxmlformats.org/drawingml/2006/main" xmlns:r="http://schemas.openxmlformats.org/officeDocument/2006/relationships" xmlns:p="http://schemas.openxmlformats.org/presentationml/2006/main">
   <p:cSld>
     <p:spTree>
@@ -5897,7 +5997,7 @@
 </p:sld>
 </file>
 
-<file path=ppt/slides/slide15.xml><?xml version="1.0" encoding="utf-8"?>
+<file path=ppt/slides/slide16.xml><?xml version="1.0" encoding="utf-8"?>
 <p:sld xmlns:a="http://schemas.openxmlformats.org/drawingml/2006/main" xmlns:r="http://schemas.openxmlformats.org/officeDocument/2006/relationships" xmlns:p="http://schemas.openxmlformats.org/presentationml/2006/main">
   <p:cSld>
     <p:spTree>
@@ -6142,7 +6242,7 @@
 </p:sld>
 </file>
 
-<file path=ppt/slides/slide16.xml><?xml version="1.0" encoding="utf-8"?>
+<file path=ppt/slides/slide17.xml><?xml version="1.0" encoding="utf-8"?>
 <p:sld xmlns:a="http://schemas.openxmlformats.org/drawingml/2006/main" xmlns:r="http://schemas.openxmlformats.org/officeDocument/2006/relationships" xmlns:p="http://schemas.openxmlformats.org/presentationml/2006/main">
   <p:cSld>
     <p:spTree>
@@ -8056,8 +8156,8 @@
               </a:spcAft>
             </a:pPr>
             <a:r>
-              <a:rPr lang="en-US" sz="3600" dirty="0"/>
-              <a:t>How to Make Screen Recordings</a:t>
+              <a:rPr lang="en-US" sz="3200" dirty="0"/>
+              <a:t>How to Make Screen Recordings (Windows 10)</a:t>
             </a:r>
           </a:p>
         </p:txBody>
@@ -8319,6 +8419,87 @@
           </a:p>
         </p:txBody>
       </p:sp>
+      <p:pic>
+        <p:nvPicPr>
+          <p:cNvPr id="6" name="Picture 5">
+            <a:extLst>
+              <a:ext uri="{FF2B5EF4-FFF2-40B4-BE49-F238E27FC236}">
+                <a16:creationId xmlns:a16="http://schemas.microsoft.com/office/drawing/2014/main" id="{7C1DFA1A-C871-4348-C049-8800CD17C67B}"/>
+              </a:ext>
+            </a:extLst>
+          </p:cNvPr>
+          <p:cNvPicPr>
+            <a:picLocks noChangeAspect="1"/>
+          </p:cNvPicPr>
+          <p:nvPr/>
+        </p:nvPicPr>
+        <p:blipFill>
+          <a:blip r:embed="rId5"/>
+          <a:stretch>
+            <a:fillRect/>
+          </a:stretch>
+        </p:blipFill>
+        <p:spPr>
+          <a:xfrm>
+            <a:off x="7353114" y="164696"/>
+            <a:ext cx="1333686" cy="657317"/>
+          </a:xfrm>
+          <a:prstGeom prst="rect">
+            <a:avLst/>
+          </a:prstGeom>
+        </p:spPr>
+      </p:pic>
+      <mc:AlternateContent xmlns:mc="http://schemas.openxmlformats.org/markup-compatibility/2006">
+        <mc:Choice xmlns:p14="http://schemas.microsoft.com/office/powerpoint/2010/main" Requires="p14">
+          <p:contentPart p14:bwMode="auto" r:id="rId6">
+            <p14:nvContentPartPr>
+              <p14:cNvPr id="7" name="Ink 6">
+                <a:extLst>
+                  <a:ext uri="{FF2B5EF4-FFF2-40B4-BE49-F238E27FC236}">
+                    <a16:creationId xmlns:a16="http://schemas.microsoft.com/office/drawing/2014/main" id="{CF320072-A44E-5496-2EDE-F002A0D6C1A9}"/>
+                  </a:ext>
+                </a:extLst>
+              </p14:cNvPr>
+              <p14:cNvContentPartPr/>
+              <p14:nvPr/>
+            </p14:nvContentPartPr>
+            <p14:xfrm>
+              <a:off x="7876800" y="871449"/>
+              <a:ext cx="348840" cy="676440"/>
+            </p14:xfrm>
+          </p:contentPart>
+        </mc:Choice>
+        <mc:Fallback>
+          <p:pic>
+            <p:nvPicPr>
+              <p:cNvPr id="7" name="Ink 6">
+                <a:extLst>
+                  <a:ext uri="{FF2B5EF4-FFF2-40B4-BE49-F238E27FC236}">
+                    <a16:creationId xmlns:a16="http://schemas.microsoft.com/office/drawing/2014/main" id="{CF320072-A44E-5496-2EDE-F002A0D6C1A9}"/>
+                  </a:ext>
+                </a:extLst>
+              </p:cNvPr>
+              <p:cNvPicPr/>
+              <p:nvPr/>
+            </p:nvPicPr>
+            <p:blipFill>
+              <a:blip r:embed="rId7"/>
+              <a:stretch>
+                <a:fillRect/>
+              </a:stretch>
+            </p:blipFill>
+            <p:spPr>
+              <a:xfrm>
+                <a:off x="7858800" y="853809"/>
+                <a:ext cx="384480" cy="712080"/>
+              </a:xfrm>
+              <a:prstGeom prst="rect">
+                <a:avLst/>
+              </a:prstGeom>
+            </p:spPr>
+          </p:pic>
+        </mc:Fallback>
+      </mc:AlternateContent>
     </p:spTree>
     <p:extLst>
       <p:ext uri="{BB962C8B-B14F-4D97-AF65-F5344CB8AC3E}">
@@ -9668,18 +9849,18 @@
 </file>
 
 <file path=customXml/item1.xml><?xml version="1.0" encoding="utf-8"?>
+<p:properties xmlns:p="http://schemas.microsoft.com/office/2006/metadata/properties" xmlns:xsi="http://www.w3.org/2001/XMLSchema-instance" xmlns:pc="http://schemas.microsoft.com/office/infopath/2007/PartnerControls">
+  <documentManagement/>
+</p:properties>
+</file>
+
+<file path=customXml/item2.xml><?xml version="1.0" encoding="utf-8"?>
 <?mso-contentType ?>
 <FormTemplates xmlns="http://schemas.microsoft.com/sharepoint/v3/contenttype/forms">
   <Display>DocumentLibraryForm</Display>
   <Edit>DocumentLibraryForm</Edit>
   <New>DocumentLibraryForm</New>
 </FormTemplates>
-</file>
-
-<file path=customXml/item2.xml><?xml version="1.0" encoding="utf-8"?>
-<p:properties xmlns:p="http://schemas.microsoft.com/office/2006/metadata/properties" xmlns:xsi="http://www.w3.org/2001/XMLSchema-instance" xmlns:pc="http://schemas.microsoft.com/office/infopath/2007/PartnerControls">
-  <documentManagement/>
-</p:properties>
 </file>
 
 <file path=customXml/item3.xml><?xml version="1.0" encoding="utf-8"?>
@@ -9867,18 +10048,18 @@
 </file>
 
 <file path=customXml/itemProps1.xml><?xml version="1.0" encoding="utf-8"?>
-<ds:datastoreItem xmlns:ds="http://schemas.openxmlformats.org/officeDocument/2006/customXml" ds:itemID="{631E615B-9BF8-44EF-B5F8-16FB7279F033}">
+<ds:datastoreItem xmlns:ds="http://schemas.openxmlformats.org/officeDocument/2006/customXml" ds:itemID="{328C6DB0-E394-4716-8A88-640DCE32C470}">
   <ds:schemaRefs>
-    <ds:schemaRef ds:uri="http://schemas.microsoft.com/sharepoint/v3/contenttype/forms"/>
+    <ds:schemaRef ds:uri="http://schemas.microsoft.com/office/2006/metadata/properties"/>
+    <ds:schemaRef ds:uri="http://schemas.microsoft.com/office/infopath/2007/PartnerControls"/>
   </ds:schemaRefs>
 </ds:datastoreItem>
 </file>
 
 <file path=customXml/itemProps2.xml><?xml version="1.0" encoding="utf-8"?>
-<ds:datastoreItem xmlns:ds="http://schemas.openxmlformats.org/officeDocument/2006/customXml" ds:itemID="{328C6DB0-E394-4716-8A88-640DCE32C470}">
+<ds:datastoreItem xmlns:ds="http://schemas.openxmlformats.org/officeDocument/2006/customXml" ds:itemID="{631E615B-9BF8-44EF-B5F8-16FB7279F033}">
   <ds:schemaRefs>
-    <ds:schemaRef ds:uri="http://schemas.microsoft.com/office/2006/metadata/properties"/>
-    <ds:schemaRef ds:uri="http://schemas.microsoft.com/office/infopath/2007/PartnerControls"/>
+    <ds:schemaRef ds:uri="http://schemas.microsoft.com/sharepoint/v3/contenttype/forms"/>
   </ds:schemaRefs>
 </ds:datastoreItem>
 </file>
